--- a/wiki-images.pptx
+++ b/wiki-images.pptx
@@ -11,6 +11,10 @@
     <p:sldId id="261" r:id="rId5"/>
     <p:sldId id="258" r:id="rId6"/>
     <p:sldId id="259" r:id="rId7"/>
+    <p:sldId id="262" r:id="rId8"/>
+    <p:sldId id="263" r:id="rId9"/>
+    <p:sldId id="264" r:id="rId10"/>
+    <p:sldId id="265" r:id="rId11"/>
   </p:sldIdLst>
   <p:sldSz cx="12192000" cy="6858000"/>
   <p:notesSz cx="6858000" cy="9144000"/>
@@ -109,6 +113,11 @@
       </a:defRPr>
     </a:lvl9pPr>
   </p:defaultTextStyle>
+  <p:extLst>
+    <p:ext uri="{EFAFB233-063F-42B5-8137-9DF3F51BA10A}">
+      <p15:sldGuideLst xmlns:p15="http://schemas.microsoft.com/office/powerpoint/2012/main"/>
+    </p:ext>
+  </p:extLst>
 </p:presentation>
 </file>
 
@@ -263,7 +272,7 @@
           <a:p>
             <a:fld id="{94C9A58B-CCAA-4E13-8CA0-0F91F8570041}" type="datetimeFigureOut">
               <a:rPr kumimoji="1" lang="ja-JP" altLang="en-US" smtClean="0"/>
-              <a:t>2017/10/18</a:t>
+              <a:t>2017/10/19</a:t>
             </a:fld>
             <a:endParaRPr kumimoji="1" lang="ja-JP" altLang="en-US" dirty="0"/>
           </a:p>
@@ -493,7 +502,7 @@
           <a:p>
             <a:fld id="{94C9A58B-CCAA-4E13-8CA0-0F91F8570041}" type="datetimeFigureOut">
               <a:rPr kumimoji="1" lang="ja-JP" altLang="en-US" smtClean="0"/>
-              <a:t>2017/10/18</a:t>
+              <a:t>2017/10/19</a:t>
             </a:fld>
             <a:endParaRPr kumimoji="1" lang="ja-JP" altLang="en-US" dirty="0"/>
           </a:p>
@@ -733,7 +742,7 @@
           <a:p>
             <a:fld id="{94C9A58B-CCAA-4E13-8CA0-0F91F8570041}" type="datetimeFigureOut">
               <a:rPr kumimoji="1" lang="ja-JP" altLang="en-US" smtClean="0"/>
-              <a:t>2017/10/18</a:t>
+              <a:t>2017/10/19</a:t>
             </a:fld>
             <a:endParaRPr kumimoji="1" lang="ja-JP" altLang="en-US" dirty="0"/>
           </a:p>
@@ -963,7 +972,7 @@
           <a:p>
             <a:fld id="{94C9A58B-CCAA-4E13-8CA0-0F91F8570041}" type="datetimeFigureOut">
               <a:rPr kumimoji="1" lang="ja-JP" altLang="en-US" smtClean="0"/>
-              <a:t>2017/10/18</a:t>
+              <a:t>2017/10/19</a:t>
             </a:fld>
             <a:endParaRPr kumimoji="1" lang="ja-JP" altLang="en-US" dirty="0"/>
           </a:p>
@@ -1238,7 +1247,7 @@
           <a:p>
             <a:fld id="{94C9A58B-CCAA-4E13-8CA0-0F91F8570041}" type="datetimeFigureOut">
               <a:rPr kumimoji="1" lang="ja-JP" altLang="en-US" smtClean="0"/>
-              <a:t>2017/10/18</a:t>
+              <a:t>2017/10/19</a:t>
             </a:fld>
             <a:endParaRPr kumimoji="1" lang="ja-JP" altLang="en-US" dirty="0"/>
           </a:p>
@@ -1567,7 +1576,7 @@
           <a:p>
             <a:fld id="{94C9A58B-CCAA-4E13-8CA0-0F91F8570041}" type="datetimeFigureOut">
               <a:rPr kumimoji="1" lang="ja-JP" altLang="en-US" smtClean="0"/>
-              <a:t>2017/10/18</a:t>
+              <a:t>2017/10/19</a:t>
             </a:fld>
             <a:endParaRPr kumimoji="1" lang="ja-JP" altLang="en-US" dirty="0"/>
           </a:p>
@@ -2043,7 +2052,7 @@
           <a:p>
             <a:fld id="{94C9A58B-CCAA-4E13-8CA0-0F91F8570041}" type="datetimeFigureOut">
               <a:rPr kumimoji="1" lang="ja-JP" altLang="en-US" smtClean="0"/>
-              <a:t>2017/10/18</a:t>
+              <a:t>2017/10/19</a:t>
             </a:fld>
             <a:endParaRPr kumimoji="1" lang="ja-JP" altLang="en-US" dirty="0"/>
           </a:p>
@@ -2184,7 +2193,7 @@
           <a:p>
             <a:fld id="{94C9A58B-CCAA-4E13-8CA0-0F91F8570041}" type="datetimeFigureOut">
               <a:rPr kumimoji="1" lang="ja-JP" altLang="en-US" smtClean="0"/>
-              <a:t>2017/10/18</a:t>
+              <a:t>2017/10/19</a:t>
             </a:fld>
             <a:endParaRPr kumimoji="1" lang="ja-JP" altLang="en-US" dirty="0"/>
           </a:p>
@@ -2297,7 +2306,7 @@
           <a:p>
             <a:fld id="{94C9A58B-CCAA-4E13-8CA0-0F91F8570041}" type="datetimeFigureOut">
               <a:rPr kumimoji="1" lang="ja-JP" altLang="en-US" smtClean="0"/>
-              <a:t>2017/10/18</a:t>
+              <a:t>2017/10/19</a:t>
             </a:fld>
             <a:endParaRPr kumimoji="1" lang="ja-JP" altLang="en-US" dirty="0"/>
           </a:p>
@@ -2640,7 +2649,7 @@
           <a:p>
             <a:fld id="{94C9A58B-CCAA-4E13-8CA0-0F91F8570041}" type="datetimeFigureOut">
               <a:rPr kumimoji="1" lang="ja-JP" altLang="en-US" smtClean="0"/>
-              <a:t>2017/10/18</a:t>
+              <a:t>2017/10/19</a:t>
             </a:fld>
             <a:endParaRPr kumimoji="1" lang="ja-JP" altLang="en-US" dirty="0"/>
           </a:p>
@@ -2928,7 +2937,7 @@
           <a:p>
             <a:fld id="{94C9A58B-CCAA-4E13-8CA0-0F91F8570041}" type="datetimeFigureOut">
               <a:rPr kumimoji="1" lang="ja-JP" altLang="en-US" smtClean="0"/>
-              <a:t>2017/10/18</a:t>
+              <a:t>2017/10/19</a:t>
             </a:fld>
             <a:endParaRPr kumimoji="1" lang="ja-JP" altLang="en-US" dirty="0"/>
           </a:p>
@@ -3201,7 +3210,7 @@
           <a:p>
             <a:fld id="{94C9A58B-CCAA-4E13-8CA0-0F91F8570041}" type="datetimeFigureOut">
               <a:rPr kumimoji="1" lang="ja-JP" altLang="en-US" smtClean="0"/>
-              <a:t>2017/10/18</a:t>
+              <a:t>2017/10/19</a:t>
             </a:fld>
             <a:endParaRPr kumimoji="1" lang="ja-JP" altLang="en-US" dirty="0"/>
           </a:p>
@@ -3666,7 +3675,7 @@
           <a:lstStyle/>
           <a:p>
             <a:pPr algn="ctr"/>
-            <a:endParaRPr kumimoji="1" lang="ja-JP" altLang="en-US"/>
+            <a:endParaRPr kumimoji="1" lang="ja-JP" altLang="en-US" dirty="0"/>
           </a:p>
         </p:txBody>
       </p:sp>
@@ -6009,6 +6018,1534 @@
     <p:extLst>
       <p:ext uri="{BB962C8B-B14F-4D97-AF65-F5344CB8AC3E}">
         <p14:creationId xmlns:p14="http://schemas.microsoft.com/office/powerpoint/2010/main" val="3761858564"/>
+      </p:ext>
+    </p:extLst>
+  </p:cSld>
+  <p:clrMapOvr>
+    <a:masterClrMapping/>
+  </p:clrMapOvr>
+</p:sld>
+</file>
+
+<file path=ppt/slides/slide10.xml><?xml version="1.0" encoding="utf-8"?>
+<p:sld xmlns:a="http://schemas.openxmlformats.org/drawingml/2006/main" xmlns:r="http://schemas.openxmlformats.org/officeDocument/2006/relationships" xmlns:p="http://schemas.openxmlformats.org/presentationml/2006/main">
+  <p:cSld>
+    <p:spTree>
+      <p:nvGrpSpPr>
+        <p:cNvPr id="1" name=""/>
+        <p:cNvGrpSpPr/>
+        <p:nvPr/>
+      </p:nvGrpSpPr>
+      <p:grpSpPr>
+        <a:xfrm>
+          <a:off x="0" y="0"/>
+          <a:ext cx="0" cy="0"/>
+          <a:chOff x="0" y="0"/>
+          <a:chExt cx="0" cy="0"/>
+        </a:xfrm>
+      </p:grpSpPr>
+      <p:sp>
+        <p:nvSpPr>
+          <p:cNvPr id="2" name="正方形/長方形 1">
+            <a:extLst>
+              <a:ext uri="{FF2B5EF4-FFF2-40B4-BE49-F238E27FC236}">
+                <a16:creationId xmlns:a16="http://schemas.microsoft.com/office/drawing/2014/main" id="{204A518B-5E60-4834-BB73-20FD9A9DB1BE}"/>
+              </a:ext>
+            </a:extLst>
+          </p:cNvPr>
+          <p:cNvSpPr/>
+          <p:nvPr/>
+        </p:nvSpPr>
+        <p:spPr>
+          <a:xfrm>
+            <a:off x="2086805" y="797168"/>
+            <a:ext cx="4915779" cy="4298464"/>
+          </a:xfrm>
+          <a:prstGeom prst="rect">
+            <a:avLst/>
+          </a:prstGeom>
+          <a:solidFill>
+            <a:schemeClr val="accent3">
+              <a:alpha val="80000"/>
+            </a:schemeClr>
+          </a:solidFill>
+          <a:ln>
+            <a:noFill/>
+          </a:ln>
+        </p:spPr>
+        <p:style>
+          <a:lnRef idx="0">
+            <a:scrgbClr r="0" g="0" b="0"/>
+          </a:lnRef>
+          <a:fillRef idx="0">
+            <a:scrgbClr r="0" g="0" b="0"/>
+          </a:fillRef>
+          <a:effectRef idx="0">
+            <a:scrgbClr r="0" g="0" b="0"/>
+          </a:effectRef>
+          <a:fontRef idx="minor">
+            <a:schemeClr val="lt1"/>
+          </a:fontRef>
+        </p:style>
+        <p:txBody>
+          <a:bodyPr rtlCol="0" anchor="b"/>
+          <a:lstStyle/>
+          <a:p>
+            <a:pPr algn="ctr"/>
+            <a:r>
+              <a:rPr kumimoji="1" lang="en-US" altLang="ja-JP" dirty="0">
+                <a:solidFill>
+                  <a:schemeClr val="tx1"/>
+                </a:solidFill>
+              </a:rPr>
+              <a:t>Netty</a:t>
+            </a:r>
+            <a:endParaRPr kumimoji="1" lang="ja-JP" altLang="en-US" dirty="0">
+              <a:solidFill>
+                <a:schemeClr val="tx1"/>
+              </a:solidFill>
+            </a:endParaRPr>
+          </a:p>
+        </p:txBody>
+      </p:sp>
+      <p:sp>
+        <p:nvSpPr>
+          <p:cNvPr id="89" name="正方形/長方形 88">
+            <a:extLst>
+              <a:ext uri="{FF2B5EF4-FFF2-40B4-BE49-F238E27FC236}">
+                <a16:creationId xmlns:a16="http://schemas.microsoft.com/office/drawing/2014/main" id="{3894F609-F036-491E-A49A-F85D6503E2A7}"/>
+              </a:ext>
+            </a:extLst>
+          </p:cNvPr>
+          <p:cNvSpPr/>
+          <p:nvPr/>
+        </p:nvSpPr>
+        <p:spPr>
+          <a:xfrm>
+            <a:off x="97449" y="152404"/>
+            <a:ext cx="7045814" cy="5083904"/>
+          </a:xfrm>
+          <a:prstGeom prst="rect">
+            <a:avLst/>
+          </a:prstGeom>
+          <a:noFill/>
+          <a:ln w="3175">
+            <a:solidFill>
+              <a:schemeClr val="bg2"/>
+            </a:solidFill>
+          </a:ln>
+        </p:spPr>
+        <p:style>
+          <a:lnRef idx="2">
+            <a:schemeClr val="accent1">
+              <a:shade val="50000"/>
+            </a:schemeClr>
+          </a:lnRef>
+          <a:fillRef idx="1">
+            <a:schemeClr val="accent1"/>
+          </a:fillRef>
+          <a:effectRef idx="0">
+            <a:schemeClr val="accent1"/>
+          </a:effectRef>
+          <a:fontRef idx="minor">
+            <a:schemeClr val="lt1"/>
+          </a:fontRef>
+        </p:style>
+        <p:txBody>
+          <a:bodyPr rtlCol="0" anchor="ctr"/>
+          <a:lstStyle/>
+          <a:p>
+            <a:pPr algn="ctr"/>
+            <a:endParaRPr kumimoji="1" lang="ja-JP" altLang="en-US" dirty="0"/>
+          </a:p>
+        </p:txBody>
+      </p:sp>
+      <p:sp>
+        <p:nvSpPr>
+          <p:cNvPr id="155" name="正方形/長方形 154">
+            <a:extLst>
+              <a:ext uri="{FF2B5EF4-FFF2-40B4-BE49-F238E27FC236}">
+                <a16:creationId xmlns:a16="http://schemas.microsoft.com/office/drawing/2014/main" id="{5E8FFB1E-1FDE-42ED-A690-15FB2C455437}"/>
+              </a:ext>
+            </a:extLst>
+          </p:cNvPr>
+          <p:cNvSpPr/>
+          <p:nvPr/>
+        </p:nvSpPr>
+        <p:spPr>
+          <a:xfrm>
+            <a:off x="2196120" y="1098056"/>
+            <a:ext cx="2308316" cy="2473573"/>
+          </a:xfrm>
+          <a:prstGeom prst="rect">
+            <a:avLst/>
+          </a:prstGeom>
+          <a:noFill/>
+          <a:ln>
+            <a:solidFill>
+              <a:schemeClr val="accent3"/>
+            </a:solidFill>
+            <a:prstDash val="sysDash"/>
+          </a:ln>
+        </p:spPr>
+        <p:style>
+          <a:lnRef idx="2">
+            <a:schemeClr val="accent1">
+              <a:shade val="50000"/>
+            </a:schemeClr>
+          </a:lnRef>
+          <a:fillRef idx="1">
+            <a:schemeClr val="accent1"/>
+          </a:fillRef>
+          <a:effectRef idx="0">
+            <a:schemeClr val="accent1"/>
+          </a:effectRef>
+          <a:fontRef idx="minor">
+            <a:schemeClr val="lt1"/>
+          </a:fontRef>
+        </p:style>
+        <p:txBody>
+          <a:bodyPr rtlCol="0" anchor="ctr"/>
+          <a:lstStyle/>
+          <a:p>
+            <a:pPr algn="ctr"/>
+            <a:endParaRPr kumimoji="1" lang="ja-JP" altLang="en-US" dirty="0"/>
+          </a:p>
+        </p:txBody>
+      </p:sp>
+      <p:cxnSp>
+        <p:nvCxnSpPr>
+          <p:cNvPr id="50" name="直線コネクタ 49">
+            <a:extLst>
+              <a:ext uri="{FF2B5EF4-FFF2-40B4-BE49-F238E27FC236}">
+                <a16:creationId xmlns:a16="http://schemas.microsoft.com/office/drawing/2014/main" id="{6EF6045A-C45A-40D6-9E9E-A86A71B614EC}"/>
+              </a:ext>
+            </a:extLst>
+          </p:cNvPr>
+          <p:cNvCxnSpPr>
+            <a:cxnSpLocks/>
+          </p:cNvCxnSpPr>
+          <p:nvPr/>
+        </p:nvCxnSpPr>
+        <p:spPr>
+          <a:xfrm>
+            <a:off x="3335092" y="328237"/>
+            <a:ext cx="0" cy="3985853"/>
+          </a:xfrm>
+          <a:prstGeom prst="line">
+            <a:avLst/>
+          </a:prstGeom>
+        </p:spPr>
+        <p:style>
+          <a:lnRef idx="1">
+            <a:schemeClr val="accent1"/>
+          </a:lnRef>
+          <a:fillRef idx="0">
+            <a:schemeClr val="accent1"/>
+          </a:fillRef>
+          <a:effectRef idx="0">
+            <a:schemeClr val="accent1"/>
+          </a:effectRef>
+          <a:fontRef idx="minor">
+            <a:schemeClr val="tx1"/>
+          </a:fontRef>
+        </p:style>
+      </p:cxnSp>
+      <p:cxnSp>
+        <p:nvCxnSpPr>
+          <p:cNvPr id="51" name="直線コネクタ 50">
+            <a:extLst>
+              <a:ext uri="{FF2B5EF4-FFF2-40B4-BE49-F238E27FC236}">
+                <a16:creationId xmlns:a16="http://schemas.microsoft.com/office/drawing/2014/main" id="{E4D45F89-61C5-4AD7-B988-C8CB732C85E6}"/>
+              </a:ext>
+            </a:extLst>
+          </p:cNvPr>
+          <p:cNvCxnSpPr>
+            <a:cxnSpLocks/>
+            <a:stCxn id="56" idx="2"/>
+          </p:cNvCxnSpPr>
+          <p:nvPr/>
+        </p:nvCxnSpPr>
+        <p:spPr>
+          <a:xfrm>
+            <a:off x="703387" y="521658"/>
+            <a:ext cx="0" cy="3725996"/>
+          </a:xfrm>
+          <a:prstGeom prst="line">
+            <a:avLst/>
+          </a:prstGeom>
+        </p:spPr>
+        <p:style>
+          <a:lnRef idx="1">
+            <a:schemeClr val="accent1"/>
+          </a:lnRef>
+          <a:fillRef idx="0">
+            <a:schemeClr val="accent1"/>
+          </a:fillRef>
+          <a:effectRef idx="0">
+            <a:schemeClr val="accent1"/>
+          </a:effectRef>
+          <a:fontRef idx="minor">
+            <a:schemeClr val="tx1"/>
+          </a:fontRef>
+        </p:style>
+      </p:cxnSp>
+      <p:sp>
+        <p:nvSpPr>
+          <p:cNvPr id="52" name="四角形: 角を丸くする 51">
+            <a:extLst>
+              <a:ext uri="{FF2B5EF4-FFF2-40B4-BE49-F238E27FC236}">
+                <a16:creationId xmlns:a16="http://schemas.microsoft.com/office/drawing/2014/main" id="{265AE887-5752-4913-829E-7234530797AD}"/>
+              </a:ext>
+            </a:extLst>
+          </p:cNvPr>
+          <p:cNvSpPr/>
+          <p:nvPr/>
+        </p:nvSpPr>
+        <p:spPr>
+          <a:xfrm>
+            <a:off x="2901337" y="234449"/>
+            <a:ext cx="867508" cy="351691"/>
+          </a:xfrm>
+          <a:prstGeom prst="roundRect">
+            <a:avLst/>
+          </a:prstGeom>
+        </p:spPr>
+        <p:style>
+          <a:lnRef idx="1">
+            <a:schemeClr val="accent6"/>
+          </a:lnRef>
+          <a:fillRef idx="2">
+            <a:schemeClr val="accent6"/>
+          </a:fillRef>
+          <a:effectRef idx="1">
+            <a:schemeClr val="accent6"/>
+          </a:effectRef>
+          <a:fontRef idx="minor">
+            <a:schemeClr val="dk1"/>
+          </a:fontRef>
+        </p:style>
+        <p:txBody>
+          <a:bodyPr rtlCol="0" anchor="ctr"/>
+          <a:lstStyle/>
+          <a:p>
+            <a:pPr algn="ctr"/>
+            <a:r>
+              <a:rPr kumimoji="1" lang="ja-JP" altLang="en-US" sz="1050" dirty="0"/>
+              <a:t>サーバ側</a:t>
+            </a:r>
+            <a:endParaRPr kumimoji="1" lang="en-US" altLang="ja-JP" sz="1050" dirty="0"/>
+          </a:p>
+          <a:p>
+            <a:pPr algn="ctr"/>
+            <a:r>
+              <a:rPr kumimoji="1" lang="ja-JP" altLang="en-US" sz="1050" dirty="0"/>
+              <a:t>スレッド</a:t>
+            </a:r>
+          </a:p>
+        </p:txBody>
+      </p:sp>
+      <p:sp>
+        <p:nvSpPr>
+          <p:cNvPr id="54" name="正方形/長方形 53">
+            <a:extLst>
+              <a:ext uri="{FF2B5EF4-FFF2-40B4-BE49-F238E27FC236}">
+                <a16:creationId xmlns:a16="http://schemas.microsoft.com/office/drawing/2014/main" id="{3183808B-73B3-40BE-ABEB-30FBD499A815}"/>
+              </a:ext>
+            </a:extLst>
+          </p:cNvPr>
+          <p:cNvSpPr/>
+          <p:nvPr/>
+        </p:nvSpPr>
+        <p:spPr>
+          <a:xfrm>
+            <a:off x="2313349" y="1285633"/>
+            <a:ext cx="2047634" cy="1034527"/>
+          </a:xfrm>
+          <a:prstGeom prst="rect">
+            <a:avLst/>
+          </a:prstGeom>
+          <a:ln>
+            <a:solidFill>
+              <a:schemeClr val="accent3"/>
+            </a:solidFill>
+          </a:ln>
+        </p:spPr>
+        <p:style>
+          <a:lnRef idx="1">
+            <a:schemeClr val="accent4"/>
+          </a:lnRef>
+          <a:fillRef idx="2">
+            <a:schemeClr val="accent4"/>
+          </a:fillRef>
+          <a:effectRef idx="1">
+            <a:schemeClr val="accent4"/>
+          </a:effectRef>
+          <a:fontRef idx="minor">
+            <a:schemeClr val="dk1"/>
+          </a:fontRef>
+        </p:style>
+        <p:txBody>
+          <a:bodyPr rtlCol="0" anchor="t"/>
+          <a:lstStyle/>
+          <a:p>
+            <a:pPr algn="ctr"/>
+            <a:r>
+              <a:rPr kumimoji="1" lang="en-US" altLang="ja-JP" sz="1050" dirty="0"/>
+              <a:t>read</a:t>
+            </a:r>
+          </a:p>
+        </p:txBody>
+      </p:sp>
+      <p:sp>
+        <p:nvSpPr>
+          <p:cNvPr id="56" name="四角形: 角を丸くする 55">
+            <a:extLst>
+              <a:ext uri="{FF2B5EF4-FFF2-40B4-BE49-F238E27FC236}">
+                <a16:creationId xmlns:a16="http://schemas.microsoft.com/office/drawing/2014/main" id="{816BE863-B0F8-4A16-8386-9F8F0DFCB60C}"/>
+              </a:ext>
+            </a:extLst>
+          </p:cNvPr>
+          <p:cNvSpPr/>
+          <p:nvPr/>
+        </p:nvSpPr>
+        <p:spPr>
+          <a:xfrm>
+            <a:off x="152402" y="310642"/>
+            <a:ext cx="1101970" cy="211016"/>
+          </a:xfrm>
+          <a:prstGeom prst="roundRect">
+            <a:avLst/>
+          </a:prstGeom>
+        </p:spPr>
+        <p:style>
+          <a:lnRef idx="1">
+            <a:schemeClr val="accent6"/>
+          </a:lnRef>
+          <a:fillRef idx="2">
+            <a:schemeClr val="accent6"/>
+          </a:fillRef>
+          <a:effectRef idx="1">
+            <a:schemeClr val="accent6"/>
+          </a:effectRef>
+          <a:fontRef idx="minor">
+            <a:schemeClr val="dk1"/>
+          </a:fontRef>
+        </p:style>
+        <p:txBody>
+          <a:bodyPr rtlCol="0" anchor="ctr"/>
+          <a:lstStyle/>
+          <a:p>
+            <a:pPr algn="ctr"/>
+            <a:r>
+              <a:rPr kumimoji="1" lang="ja-JP" altLang="en-US" sz="1050" dirty="0"/>
+              <a:t>クライアント</a:t>
+            </a:r>
+          </a:p>
+        </p:txBody>
+      </p:sp>
+      <p:sp>
+        <p:nvSpPr>
+          <p:cNvPr id="57" name="四角形: 角を丸くする 56">
+            <a:extLst>
+              <a:ext uri="{FF2B5EF4-FFF2-40B4-BE49-F238E27FC236}">
+                <a16:creationId xmlns:a16="http://schemas.microsoft.com/office/drawing/2014/main" id="{8303F506-FD23-42F3-BE60-271DC3F4FBD2}"/>
+              </a:ext>
+            </a:extLst>
+          </p:cNvPr>
+          <p:cNvSpPr/>
+          <p:nvPr/>
+        </p:nvSpPr>
+        <p:spPr>
+          <a:xfrm>
+            <a:off x="269633" y="1285634"/>
+            <a:ext cx="867508" cy="203198"/>
+          </a:xfrm>
+          <a:prstGeom prst="roundRect">
+            <a:avLst/>
+          </a:prstGeom>
+          <a:solidFill>
+            <a:schemeClr val="accent5">
+              <a:lumMod val="40000"/>
+              <a:lumOff val="60000"/>
+            </a:schemeClr>
+          </a:solidFill>
+          <a:ln>
+            <a:solidFill>
+              <a:schemeClr val="accent3"/>
+            </a:solidFill>
+          </a:ln>
+        </p:spPr>
+        <p:style>
+          <a:lnRef idx="1">
+            <a:schemeClr val="accent4"/>
+          </a:lnRef>
+          <a:fillRef idx="2">
+            <a:schemeClr val="accent4"/>
+          </a:fillRef>
+          <a:effectRef idx="1">
+            <a:schemeClr val="accent4"/>
+          </a:effectRef>
+          <a:fontRef idx="minor">
+            <a:schemeClr val="dk1"/>
+          </a:fontRef>
+        </p:style>
+        <p:txBody>
+          <a:bodyPr rtlCol="0" anchor="ctr"/>
+          <a:lstStyle/>
+          <a:p>
+            <a:pPr algn="ctr"/>
+            <a:r>
+              <a:rPr kumimoji="1" lang="en-US" altLang="ja-JP" sz="1050" dirty="0"/>
+              <a:t>write</a:t>
+            </a:r>
+          </a:p>
+        </p:txBody>
+      </p:sp>
+      <p:cxnSp>
+        <p:nvCxnSpPr>
+          <p:cNvPr id="80" name="直線矢印コネクタ 79">
+            <a:extLst>
+              <a:ext uri="{FF2B5EF4-FFF2-40B4-BE49-F238E27FC236}">
+                <a16:creationId xmlns:a16="http://schemas.microsoft.com/office/drawing/2014/main" id="{AB8CFC69-3437-4B4D-87E0-179A6FDFD7BC}"/>
+              </a:ext>
+            </a:extLst>
+          </p:cNvPr>
+          <p:cNvCxnSpPr>
+            <a:cxnSpLocks/>
+            <a:stCxn id="39" idx="3"/>
+          </p:cNvCxnSpPr>
+          <p:nvPr/>
+        </p:nvCxnSpPr>
+        <p:spPr>
+          <a:xfrm>
+            <a:off x="1801536" y="2586851"/>
+            <a:ext cx="511813" cy="0"/>
+          </a:xfrm>
+          <a:prstGeom prst="straightConnector1">
+            <a:avLst/>
+          </a:prstGeom>
+          <a:ln>
+            <a:tailEnd type="triangle"/>
+          </a:ln>
+        </p:spPr>
+        <p:style>
+          <a:lnRef idx="1">
+            <a:schemeClr val="accent1"/>
+          </a:lnRef>
+          <a:fillRef idx="0">
+            <a:schemeClr val="accent1"/>
+          </a:fillRef>
+          <a:effectRef idx="0">
+            <a:schemeClr val="accent1"/>
+          </a:effectRef>
+          <a:fontRef idx="minor">
+            <a:schemeClr val="tx1"/>
+          </a:fontRef>
+        </p:style>
+      </p:cxnSp>
+      <p:sp>
+        <p:nvSpPr>
+          <p:cNvPr id="97" name="四角形: 角を丸くする 96">
+            <a:extLst>
+              <a:ext uri="{FF2B5EF4-FFF2-40B4-BE49-F238E27FC236}">
+                <a16:creationId xmlns:a16="http://schemas.microsoft.com/office/drawing/2014/main" id="{DB1A4DD4-FE91-4B8D-B3AC-6ED9D3C3F979}"/>
+              </a:ext>
+            </a:extLst>
+          </p:cNvPr>
+          <p:cNvSpPr/>
+          <p:nvPr/>
+        </p:nvSpPr>
+        <p:spPr>
+          <a:xfrm>
+            <a:off x="2901337" y="1000368"/>
+            <a:ext cx="867508" cy="218831"/>
+          </a:xfrm>
+          <a:prstGeom prst="roundRect">
+            <a:avLst/>
+          </a:prstGeom>
+          <a:solidFill>
+            <a:srgbClr val="FFCCCC"/>
+          </a:solidFill>
+          <a:ln>
+            <a:solidFill>
+              <a:schemeClr val="accent3"/>
+            </a:solidFill>
+          </a:ln>
+        </p:spPr>
+        <p:style>
+          <a:lnRef idx="1">
+            <a:schemeClr val="accent4"/>
+          </a:lnRef>
+          <a:fillRef idx="2">
+            <a:schemeClr val="accent4"/>
+          </a:fillRef>
+          <a:effectRef idx="1">
+            <a:schemeClr val="accent4"/>
+          </a:effectRef>
+          <a:fontRef idx="minor">
+            <a:schemeClr val="dk1"/>
+          </a:fontRef>
+        </p:style>
+        <p:txBody>
+          <a:bodyPr rtlCol="0" anchor="ctr"/>
+          <a:lstStyle/>
+          <a:p>
+            <a:pPr algn="ctr"/>
+            <a:r>
+              <a:rPr lang="en-US" altLang="ja-JP" sz="1050" dirty="0"/>
+              <a:t>select</a:t>
+            </a:r>
+            <a:endParaRPr kumimoji="1" lang="ja-JP" altLang="en-US" sz="1050" dirty="0"/>
+          </a:p>
+        </p:txBody>
+      </p:sp>
+      <p:sp>
+        <p:nvSpPr>
+          <p:cNvPr id="90" name="正方形/長方形 89">
+            <a:extLst>
+              <a:ext uri="{FF2B5EF4-FFF2-40B4-BE49-F238E27FC236}">
+                <a16:creationId xmlns:a16="http://schemas.microsoft.com/office/drawing/2014/main" id="{F055D0EF-2289-48D1-AC6A-EE9CC4B0B917}"/>
+              </a:ext>
+            </a:extLst>
+          </p:cNvPr>
+          <p:cNvSpPr/>
+          <p:nvPr/>
+        </p:nvSpPr>
+        <p:spPr>
+          <a:xfrm>
+            <a:off x="2393338" y="1488832"/>
+            <a:ext cx="1883507" cy="269596"/>
+          </a:xfrm>
+          <a:prstGeom prst="rect">
+            <a:avLst/>
+          </a:prstGeom>
+          <a:solidFill>
+            <a:schemeClr val="accent4">
+              <a:lumMod val="20000"/>
+              <a:lumOff val="80000"/>
+            </a:schemeClr>
+          </a:solidFill>
+        </p:spPr>
+        <p:style>
+          <a:lnRef idx="1">
+            <a:schemeClr val="accent4"/>
+          </a:lnRef>
+          <a:fillRef idx="2">
+            <a:schemeClr val="accent4"/>
+          </a:fillRef>
+          <a:effectRef idx="1">
+            <a:schemeClr val="accent4"/>
+          </a:effectRef>
+          <a:fontRef idx="minor">
+            <a:schemeClr val="dk1"/>
+          </a:fontRef>
+        </p:style>
+        <p:txBody>
+          <a:bodyPr rtlCol="0" anchor="ctr"/>
+          <a:lstStyle/>
+          <a:p>
+            <a:pPr algn="ctr"/>
+            <a:r>
+              <a:rPr kumimoji="1" lang="en-US" altLang="ja-JP" sz="1050" dirty="0"/>
+              <a:t>ChannelInboundHandler</a:t>
+            </a:r>
+            <a:endParaRPr kumimoji="1" lang="ja-JP" altLang="en-US" sz="1050" dirty="0"/>
+          </a:p>
+        </p:txBody>
+      </p:sp>
+      <p:sp>
+        <p:nvSpPr>
+          <p:cNvPr id="99" name="正方形/長方形 98">
+            <a:extLst>
+              <a:ext uri="{FF2B5EF4-FFF2-40B4-BE49-F238E27FC236}">
+                <a16:creationId xmlns:a16="http://schemas.microsoft.com/office/drawing/2014/main" id="{18AD4A44-DDCD-4660-84F6-7D83F6D3053C}"/>
+              </a:ext>
+            </a:extLst>
+          </p:cNvPr>
+          <p:cNvSpPr/>
+          <p:nvPr/>
+        </p:nvSpPr>
+        <p:spPr>
+          <a:xfrm>
+            <a:off x="2393338" y="1902560"/>
+            <a:ext cx="1883507" cy="269596"/>
+          </a:xfrm>
+          <a:prstGeom prst="rect">
+            <a:avLst/>
+          </a:prstGeom>
+          <a:solidFill>
+            <a:schemeClr val="accent4">
+              <a:lumMod val="20000"/>
+              <a:lumOff val="80000"/>
+            </a:schemeClr>
+          </a:solidFill>
+        </p:spPr>
+        <p:style>
+          <a:lnRef idx="1">
+            <a:schemeClr val="accent4"/>
+          </a:lnRef>
+          <a:fillRef idx="2">
+            <a:schemeClr val="accent4"/>
+          </a:fillRef>
+          <a:effectRef idx="1">
+            <a:schemeClr val="accent4"/>
+          </a:effectRef>
+          <a:fontRef idx="minor">
+            <a:schemeClr val="dk1"/>
+          </a:fontRef>
+        </p:style>
+        <p:txBody>
+          <a:bodyPr rtlCol="0" anchor="ctr"/>
+          <a:lstStyle/>
+          <a:p>
+            <a:pPr algn="ctr"/>
+            <a:r>
+              <a:rPr kumimoji="1" lang="en-US" altLang="ja-JP" sz="1050" dirty="0"/>
+              <a:t>ChannelInboundHandler</a:t>
+            </a:r>
+            <a:endParaRPr kumimoji="1" lang="ja-JP" altLang="en-US" sz="1050" dirty="0"/>
+          </a:p>
+        </p:txBody>
+      </p:sp>
+      <p:cxnSp>
+        <p:nvCxnSpPr>
+          <p:cNvPr id="8" name="直線矢印コネクタ 7">
+            <a:extLst>
+              <a:ext uri="{FF2B5EF4-FFF2-40B4-BE49-F238E27FC236}">
+                <a16:creationId xmlns:a16="http://schemas.microsoft.com/office/drawing/2014/main" id="{48BA6EB0-5E92-430E-839A-76E75FC8100B}"/>
+              </a:ext>
+            </a:extLst>
+          </p:cNvPr>
+          <p:cNvCxnSpPr>
+            <a:stCxn id="90" idx="2"/>
+            <a:endCxn id="99" idx="0"/>
+          </p:cNvCxnSpPr>
+          <p:nvPr/>
+        </p:nvCxnSpPr>
+        <p:spPr>
+          <a:xfrm>
+            <a:off x="3335092" y="1758428"/>
+            <a:ext cx="0" cy="144132"/>
+          </a:xfrm>
+          <a:prstGeom prst="straightConnector1">
+            <a:avLst/>
+          </a:prstGeom>
+          <a:ln>
+            <a:tailEnd type="triangle"/>
+          </a:ln>
+        </p:spPr>
+        <p:style>
+          <a:lnRef idx="1">
+            <a:schemeClr val="accent1"/>
+          </a:lnRef>
+          <a:fillRef idx="0">
+            <a:schemeClr val="accent1"/>
+          </a:fillRef>
+          <a:effectRef idx="0">
+            <a:schemeClr val="accent1"/>
+          </a:effectRef>
+          <a:fontRef idx="minor">
+            <a:schemeClr val="tx1"/>
+          </a:fontRef>
+        </p:style>
+      </p:cxnSp>
+      <p:cxnSp>
+        <p:nvCxnSpPr>
+          <p:cNvPr id="24" name="直線コネクタ 23">
+            <a:extLst>
+              <a:ext uri="{FF2B5EF4-FFF2-40B4-BE49-F238E27FC236}">
+                <a16:creationId xmlns:a16="http://schemas.microsoft.com/office/drawing/2014/main" id="{8D248484-931D-4015-A022-ED0D5887F433}"/>
+              </a:ext>
+            </a:extLst>
+          </p:cNvPr>
+          <p:cNvCxnSpPr>
+            <a:cxnSpLocks/>
+            <a:stCxn id="47" idx="2"/>
+          </p:cNvCxnSpPr>
+          <p:nvPr/>
+        </p:nvCxnSpPr>
+        <p:spPr>
+          <a:xfrm>
+            <a:off x="5814741" y="586140"/>
+            <a:ext cx="0" cy="4298475"/>
+          </a:xfrm>
+          <a:prstGeom prst="line">
+            <a:avLst/>
+          </a:prstGeom>
+        </p:spPr>
+        <p:style>
+          <a:lnRef idx="1">
+            <a:schemeClr val="accent1"/>
+          </a:lnRef>
+          <a:fillRef idx="0">
+            <a:schemeClr val="accent1"/>
+          </a:fillRef>
+          <a:effectRef idx="0">
+            <a:schemeClr val="accent1"/>
+          </a:effectRef>
+          <a:fontRef idx="minor">
+            <a:schemeClr val="tx1"/>
+          </a:fontRef>
+        </p:style>
+      </p:cxnSp>
+      <p:sp>
+        <p:nvSpPr>
+          <p:cNvPr id="32" name="正方形/長方形 31">
+            <a:extLst>
+              <a:ext uri="{FF2B5EF4-FFF2-40B4-BE49-F238E27FC236}">
+                <a16:creationId xmlns:a16="http://schemas.microsoft.com/office/drawing/2014/main" id="{FD42B432-286C-4964-8FBA-A5FFA98266D3}"/>
+              </a:ext>
+            </a:extLst>
+          </p:cNvPr>
+          <p:cNvSpPr/>
+          <p:nvPr/>
+        </p:nvSpPr>
+        <p:spPr>
+          <a:xfrm>
+            <a:off x="2313349" y="2392962"/>
+            <a:ext cx="2047634" cy="1034527"/>
+          </a:xfrm>
+          <a:prstGeom prst="rect">
+            <a:avLst/>
+          </a:prstGeom>
+          <a:ln>
+            <a:solidFill>
+              <a:schemeClr val="accent3"/>
+            </a:solidFill>
+          </a:ln>
+        </p:spPr>
+        <p:style>
+          <a:lnRef idx="1">
+            <a:schemeClr val="accent4"/>
+          </a:lnRef>
+          <a:fillRef idx="2">
+            <a:schemeClr val="accent4"/>
+          </a:fillRef>
+          <a:effectRef idx="1">
+            <a:schemeClr val="accent4"/>
+          </a:effectRef>
+          <a:fontRef idx="minor">
+            <a:schemeClr val="dk1"/>
+          </a:fontRef>
+        </p:style>
+        <p:txBody>
+          <a:bodyPr rtlCol="0" anchor="t"/>
+          <a:lstStyle/>
+          <a:p>
+            <a:pPr algn="ctr"/>
+            <a:r>
+              <a:rPr kumimoji="1" lang="en-US" altLang="ja-JP" sz="1050" dirty="0"/>
+              <a:t>read</a:t>
+            </a:r>
+          </a:p>
+        </p:txBody>
+      </p:sp>
+      <p:sp>
+        <p:nvSpPr>
+          <p:cNvPr id="33" name="正方形/長方形 32">
+            <a:extLst>
+              <a:ext uri="{FF2B5EF4-FFF2-40B4-BE49-F238E27FC236}">
+                <a16:creationId xmlns:a16="http://schemas.microsoft.com/office/drawing/2014/main" id="{DD302704-FCE2-4164-8C37-A80C0C99F33E}"/>
+              </a:ext>
+            </a:extLst>
+          </p:cNvPr>
+          <p:cNvSpPr/>
+          <p:nvPr/>
+        </p:nvSpPr>
+        <p:spPr>
+          <a:xfrm>
+            <a:off x="2393338" y="2596161"/>
+            <a:ext cx="1883507" cy="269596"/>
+          </a:xfrm>
+          <a:prstGeom prst="rect">
+            <a:avLst/>
+          </a:prstGeom>
+          <a:solidFill>
+            <a:schemeClr val="accent4">
+              <a:lumMod val="20000"/>
+              <a:lumOff val="80000"/>
+            </a:schemeClr>
+          </a:solidFill>
+        </p:spPr>
+        <p:style>
+          <a:lnRef idx="1">
+            <a:schemeClr val="accent4"/>
+          </a:lnRef>
+          <a:fillRef idx="2">
+            <a:schemeClr val="accent4"/>
+          </a:fillRef>
+          <a:effectRef idx="1">
+            <a:schemeClr val="accent4"/>
+          </a:effectRef>
+          <a:fontRef idx="minor">
+            <a:schemeClr val="dk1"/>
+          </a:fontRef>
+        </p:style>
+        <p:txBody>
+          <a:bodyPr rtlCol="0" anchor="ctr"/>
+          <a:lstStyle/>
+          <a:p>
+            <a:pPr algn="ctr"/>
+            <a:r>
+              <a:rPr kumimoji="1" lang="en-US" altLang="ja-JP" sz="1050" dirty="0"/>
+              <a:t>ChannelInboundHandler</a:t>
+            </a:r>
+            <a:endParaRPr kumimoji="1" lang="ja-JP" altLang="en-US" sz="1050" dirty="0"/>
+          </a:p>
+        </p:txBody>
+      </p:sp>
+      <p:sp>
+        <p:nvSpPr>
+          <p:cNvPr id="34" name="正方形/長方形 33">
+            <a:extLst>
+              <a:ext uri="{FF2B5EF4-FFF2-40B4-BE49-F238E27FC236}">
+                <a16:creationId xmlns:a16="http://schemas.microsoft.com/office/drawing/2014/main" id="{4B5300B1-834E-4CBD-BC99-288FC56F57F5}"/>
+              </a:ext>
+            </a:extLst>
+          </p:cNvPr>
+          <p:cNvSpPr/>
+          <p:nvPr/>
+        </p:nvSpPr>
+        <p:spPr>
+          <a:xfrm>
+            <a:off x="2393338" y="3009889"/>
+            <a:ext cx="1883507" cy="269596"/>
+          </a:xfrm>
+          <a:prstGeom prst="rect">
+            <a:avLst/>
+          </a:prstGeom>
+          <a:solidFill>
+            <a:schemeClr val="accent4">
+              <a:lumMod val="20000"/>
+              <a:lumOff val="80000"/>
+            </a:schemeClr>
+          </a:solidFill>
+        </p:spPr>
+        <p:style>
+          <a:lnRef idx="1">
+            <a:schemeClr val="accent4"/>
+          </a:lnRef>
+          <a:fillRef idx="2">
+            <a:schemeClr val="accent4"/>
+          </a:fillRef>
+          <a:effectRef idx="1">
+            <a:schemeClr val="accent4"/>
+          </a:effectRef>
+          <a:fontRef idx="minor">
+            <a:schemeClr val="dk1"/>
+          </a:fontRef>
+        </p:style>
+        <p:txBody>
+          <a:bodyPr rtlCol="0" anchor="ctr"/>
+          <a:lstStyle/>
+          <a:p>
+            <a:pPr algn="ctr"/>
+            <a:r>
+              <a:rPr kumimoji="1" lang="en-US" altLang="ja-JP" sz="1050" dirty="0"/>
+              <a:t>ChannelInboundHandler</a:t>
+            </a:r>
+            <a:endParaRPr kumimoji="1" lang="ja-JP" altLang="en-US" sz="1050" dirty="0"/>
+          </a:p>
+        </p:txBody>
+      </p:sp>
+      <p:cxnSp>
+        <p:nvCxnSpPr>
+          <p:cNvPr id="35" name="直線矢印コネクタ 34">
+            <a:extLst>
+              <a:ext uri="{FF2B5EF4-FFF2-40B4-BE49-F238E27FC236}">
+                <a16:creationId xmlns:a16="http://schemas.microsoft.com/office/drawing/2014/main" id="{A1F64209-1533-4B16-957D-D10ECB7732EB}"/>
+              </a:ext>
+            </a:extLst>
+          </p:cNvPr>
+          <p:cNvCxnSpPr>
+            <a:stCxn id="33" idx="2"/>
+            <a:endCxn id="34" idx="0"/>
+          </p:cNvCxnSpPr>
+          <p:nvPr/>
+        </p:nvCxnSpPr>
+        <p:spPr>
+          <a:xfrm>
+            <a:off x="3335092" y="2865757"/>
+            <a:ext cx="0" cy="144132"/>
+          </a:xfrm>
+          <a:prstGeom prst="straightConnector1">
+            <a:avLst/>
+          </a:prstGeom>
+          <a:ln>
+            <a:tailEnd type="triangle"/>
+          </a:ln>
+        </p:spPr>
+        <p:style>
+          <a:lnRef idx="1">
+            <a:schemeClr val="accent1"/>
+          </a:lnRef>
+          <a:fillRef idx="0">
+            <a:schemeClr val="accent1"/>
+          </a:fillRef>
+          <a:effectRef idx="0">
+            <a:schemeClr val="accent1"/>
+          </a:effectRef>
+          <a:fontRef idx="minor">
+            <a:schemeClr val="tx1"/>
+          </a:fontRef>
+        </p:style>
+      </p:cxnSp>
+      <p:cxnSp>
+        <p:nvCxnSpPr>
+          <p:cNvPr id="37" name="直線コネクタ 36">
+            <a:extLst>
+              <a:ext uri="{FF2B5EF4-FFF2-40B4-BE49-F238E27FC236}">
+                <a16:creationId xmlns:a16="http://schemas.microsoft.com/office/drawing/2014/main" id="{1FB3679B-2EDB-48BF-9B0D-FB221F099D28}"/>
+              </a:ext>
+            </a:extLst>
+          </p:cNvPr>
+          <p:cNvCxnSpPr>
+            <a:cxnSpLocks/>
+            <a:stCxn id="38" idx="2"/>
+          </p:cNvCxnSpPr>
+          <p:nvPr/>
+        </p:nvCxnSpPr>
+        <p:spPr>
+          <a:xfrm>
+            <a:off x="1367782" y="861349"/>
+            <a:ext cx="0" cy="3725996"/>
+          </a:xfrm>
+          <a:prstGeom prst="line">
+            <a:avLst/>
+          </a:prstGeom>
+        </p:spPr>
+        <p:style>
+          <a:lnRef idx="1">
+            <a:schemeClr val="accent1"/>
+          </a:lnRef>
+          <a:fillRef idx="0">
+            <a:schemeClr val="accent1"/>
+          </a:fillRef>
+          <a:effectRef idx="0">
+            <a:schemeClr val="accent1"/>
+          </a:effectRef>
+          <a:fontRef idx="minor">
+            <a:schemeClr val="tx1"/>
+          </a:fontRef>
+        </p:style>
+      </p:cxnSp>
+      <p:sp>
+        <p:nvSpPr>
+          <p:cNvPr id="38" name="四角形: 角を丸くする 37">
+            <a:extLst>
+              <a:ext uri="{FF2B5EF4-FFF2-40B4-BE49-F238E27FC236}">
+                <a16:creationId xmlns:a16="http://schemas.microsoft.com/office/drawing/2014/main" id="{FEFA4F92-EB83-4E05-AB7B-AAFD7ED37F08}"/>
+              </a:ext>
+            </a:extLst>
+          </p:cNvPr>
+          <p:cNvSpPr/>
+          <p:nvPr/>
+        </p:nvSpPr>
+        <p:spPr>
+          <a:xfrm>
+            <a:off x="816797" y="650333"/>
+            <a:ext cx="1101970" cy="211016"/>
+          </a:xfrm>
+          <a:prstGeom prst="roundRect">
+            <a:avLst/>
+          </a:prstGeom>
+        </p:spPr>
+        <p:style>
+          <a:lnRef idx="1">
+            <a:schemeClr val="accent6"/>
+          </a:lnRef>
+          <a:fillRef idx="2">
+            <a:schemeClr val="accent6"/>
+          </a:fillRef>
+          <a:effectRef idx="1">
+            <a:schemeClr val="accent6"/>
+          </a:effectRef>
+          <a:fontRef idx="minor">
+            <a:schemeClr val="dk1"/>
+          </a:fontRef>
+        </p:style>
+        <p:txBody>
+          <a:bodyPr rtlCol="0" anchor="ctr"/>
+          <a:lstStyle/>
+          <a:p>
+            <a:pPr algn="ctr"/>
+            <a:r>
+              <a:rPr kumimoji="1" lang="ja-JP" altLang="en-US" sz="1050" dirty="0"/>
+              <a:t>クライアント</a:t>
+            </a:r>
+          </a:p>
+        </p:txBody>
+      </p:sp>
+      <p:sp>
+        <p:nvSpPr>
+          <p:cNvPr id="39" name="四角形: 角を丸くする 38">
+            <a:extLst>
+              <a:ext uri="{FF2B5EF4-FFF2-40B4-BE49-F238E27FC236}">
+                <a16:creationId xmlns:a16="http://schemas.microsoft.com/office/drawing/2014/main" id="{EDD248C5-0E89-44AE-B8A7-DAD79978BE0A}"/>
+              </a:ext>
+            </a:extLst>
+          </p:cNvPr>
+          <p:cNvSpPr/>
+          <p:nvPr/>
+        </p:nvSpPr>
+        <p:spPr>
+          <a:xfrm>
+            <a:off x="934028" y="2485252"/>
+            <a:ext cx="867508" cy="203198"/>
+          </a:xfrm>
+          <a:prstGeom prst="roundRect">
+            <a:avLst/>
+          </a:prstGeom>
+          <a:solidFill>
+            <a:schemeClr val="accent5">
+              <a:lumMod val="40000"/>
+              <a:lumOff val="60000"/>
+            </a:schemeClr>
+          </a:solidFill>
+          <a:ln>
+            <a:solidFill>
+              <a:schemeClr val="accent3"/>
+            </a:solidFill>
+          </a:ln>
+        </p:spPr>
+        <p:style>
+          <a:lnRef idx="1">
+            <a:schemeClr val="accent4"/>
+          </a:lnRef>
+          <a:fillRef idx="2">
+            <a:schemeClr val="accent4"/>
+          </a:fillRef>
+          <a:effectRef idx="1">
+            <a:schemeClr val="accent4"/>
+          </a:effectRef>
+          <a:fontRef idx="minor">
+            <a:schemeClr val="dk1"/>
+          </a:fontRef>
+        </p:style>
+        <p:txBody>
+          <a:bodyPr rtlCol="0" anchor="ctr"/>
+          <a:lstStyle/>
+          <a:p>
+            <a:pPr algn="ctr"/>
+            <a:r>
+              <a:rPr kumimoji="1" lang="en-US" altLang="ja-JP" sz="1050" dirty="0"/>
+              <a:t>write</a:t>
+            </a:r>
+          </a:p>
+        </p:txBody>
+      </p:sp>
+      <p:cxnSp>
+        <p:nvCxnSpPr>
+          <p:cNvPr id="45" name="直線矢印コネクタ 44">
+            <a:extLst>
+              <a:ext uri="{FF2B5EF4-FFF2-40B4-BE49-F238E27FC236}">
+                <a16:creationId xmlns:a16="http://schemas.microsoft.com/office/drawing/2014/main" id="{62E09F62-D6F3-479A-8D3C-A93E945AB3A7}"/>
+              </a:ext>
+            </a:extLst>
+          </p:cNvPr>
+          <p:cNvCxnSpPr>
+            <a:cxnSpLocks/>
+            <a:stCxn id="57" idx="3"/>
+          </p:cNvCxnSpPr>
+          <p:nvPr/>
+        </p:nvCxnSpPr>
+        <p:spPr>
+          <a:xfrm>
+            <a:off x="1137141" y="1387233"/>
+            <a:ext cx="1176208" cy="0"/>
+          </a:xfrm>
+          <a:prstGeom prst="straightConnector1">
+            <a:avLst/>
+          </a:prstGeom>
+          <a:ln>
+            <a:tailEnd type="triangle"/>
+          </a:ln>
+        </p:spPr>
+        <p:style>
+          <a:lnRef idx="1">
+            <a:schemeClr val="accent1"/>
+          </a:lnRef>
+          <a:fillRef idx="0">
+            <a:schemeClr val="accent1"/>
+          </a:fillRef>
+          <a:effectRef idx="0">
+            <a:schemeClr val="accent1"/>
+          </a:effectRef>
+          <a:fontRef idx="minor">
+            <a:schemeClr val="tx1"/>
+          </a:fontRef>
+        </p:style>
+      </p:cxnSp>
+      <p:sp>
+        <p:nvSpPr>
+          <p:cNvPr id="47" name="四角形: 角を丸くする 46">
+            <a:extLst>
+              <a:ext uri="{FF2B5EF4-FFF2-40B4-BE49-F238E27FC236}">
+                <a16:creationId xmlns:a16="http://schemas.microsoft.com/office/drawing/2014/main" id="{89D8B629-0EAD-4049-8F21-9061EEAF66D3}"/>
+              </a:ext>
+            </a:extLst>
+          </p:cNvPr>
+          <p:cNvSpPr/>
+          <p:nvPr/>
+        </p:nvSpPr>
+        <p:spPr>
+          <a:xfrm>
+            <a:off x="5380987" y="234449"/>
+            <a:ext cx="867508" cy="351691"/>
+          </a:xfrm>
+          <a:prstGeom prst="roundRect">
+            <a:avLst/>
+          </a:prstGeom>
+        </p:spPr>
+        <p:style>
+          <a:lnRef idx="1">
+            <a:schemeClr val="accent6"/>
+          </a:lnRef>
+          <a:fillRef idx="2">
+            <a:schemeClr val="accent6"/>
+          </a:fillRef>
+          <a:effectRef idx="1">
+            <a:schemeClr val="accent6"/>
+          </a:effectRef>
+          <a:fontRef idx="minor">
+            <a:schemeClr val="dk1"/>
+          </a:fontRef>
+        </p:style>
+        <p:txBody>
+          <a:bodyPr rtlCol="0" anchor="ctr"/>
+          <a:lstStyle/>
+          <a:p>
+            <a:pPr algn="ctr"/>
+            <a:r>
+              <a:rPr kumimoji="1" lang="ja-JP" altLang="en-US" sz="1050" dirty="0"/>
+              <a:t>サーバ側</a:t>
+            </a:r>
+            <a:endParaRPr kumimoji="1" lang="en-US" altLang="ja-JP" sz="1050" dirty="0"/>
+          </a:p>
+          <a:p>
+            <a:pPr algn="ctr"/>
+            <a:r>
+              <a:rPr kumimoji="1" lang="ja-JP" altLang="en-US" sz="1050" dirty="0"/>
+              <a:t>スレッド</a:t>
+            </a:r>
+          </a:p>
+        </p:txBody>
+      </p:sp>
+      <p:cxnSp>
+        <p:nvCxnSpPr>
+          <p:cNvPr id="49" name="直線矢印コネクタ 48">
+            <a:extLst>
+              <a:ext uri="{FF2B5EF4-FFF2-40B4-BE49-F238E27FC236}">
+                <a16:creationId xmlns:a16="http://schemas.microsoft.com/office/drawing/2014/main" id="{4D6A0752-8FE2-4303-8A43-08670C929B02}"/>
+              </a:ext>
+            </a:extLst>
+          </p:cNvPr>
+          <p:cNvCxnSpPr>
+            <a:cxnSpLocks/>
+          </p:cNvCxnSpPr>
+          <p:nvPr/>
+        </p:nvCxnSpPr>
+        <p:spPr>
+          <a:xfrm>
+            <a:off x="4284884" y="2037358"/>
+            <a:ext cx="588104" cy="0"/>
+          </a:xfrm>
+          <a:prstGeom prst="straightConnector1">
+            <a:avLst/>
+          </a:prstGeom>
+          <a:ln>
+            <a:tailEnd type="triangle"/>
+          </a:ln>
+        </p:spPr>
+        <p:style>
+          <a:lnRef idx="1">
+            <a:schemeClr val="accent1"/>
+          </a:lnRef>
+          <a:fillRef idx="0">
+            <a:schemeClr val="accent1"/>
+          </a:fillRef>
+          <a:effectRef idx="0">
+            <a:schemeClr val="accent1"/>
+          </a:effectRef>
+          <a:fontRef idx="minor">
+            <a:schemeClr val="tx1"/>
+          </a:fontRef>
+        </p:style>
+      </p:cxnSp>
+      <p:cxnSp>
+        <p:nvCxnSpPr>
+          <p:cNvPr id="53" name="直線矢印コネクタ 52">
+            <a:extLst>
+              <a:ext uri="{FF2B5EF4-FFF2-40B4-BE49-F238E27FC236}">
+                <a16:creationId xmlns:a16="http://schemas.microsoft.com/office/drawing/2014/main" id="{D568EE78-0C6C-4552-AFAF-B1D334A50E8E}"/>
+              </a:ext>
+            </a:extLst>
+          </p:cNvPr>
+          <p:cNvCxnSpPr>
+            <a:cxnSpLocks/>
+          </p:cNvCxnSpPr>
+          <p:nvPr/>
+        </p:nvCxnSpPr>
+        <p:spPr>
+          <a:xfrm>
+            <a:off x="4284884" y="3144687"/>
+            <a:ext cx="588104" cy="282802"/>
+          </a:xfrm>
+          <a:prstGeom prst="straightConnector1">
+            <a:avLst/>
+          </a:prstGeom>
+          <a:ln>
+            <a:tailEnd type="triangle"/>
+          </a:ln>
+        </p:spPr>
+        <p:style>
+          <a:lnRef idx="1">
+            <a:schemeClr val="accent1"/>
+          </a:lnRef>
+          <a:fillRef idx="0">
+            <a:schemeClr val="accent1"/>
+          </a:fillRef>
+          <a:effectRef idx="0">
+            <a:schemeClr val="accent1"/>
+          </a:effectRef>
+          <a:fontRef idx="minor">
+            <a:schemeClr val="tx1"/>
+          </a:fontRef>
+        </p:style>
+      </p:cxnSp>
+      <p:sp>
+        <p:nvSpPr>
+          <p:cNvPr id="92" name="正方形/長方形 91">
+            <a:extLst>
+              <a:ext uri="{FF2B5EF4-FFF2-40B4-BE49-F238E27FC236}">
+                <a16:creationId xmlns:a16="http://schemas.microsoft.com/office/drawing/2014/main" id="{C7DEDDE5-DC6F-475A-8167-1139E6CF4D65}"/>
+              </a:ext>
+            </a:extLst>
+          </p:cNvPr>
+          <p:cNvSpPr/>
+          <p:nvPr/>
+        </p:nvSpPr>
+        <p:spPr>
+          <a:xfrm>
+            <a:off x="4872988" y="1918833"/>
+            <a:ext cx="1883507" cy="1336199"/>
+          </a:xfrm>
+          <a:prstGeom prst="rect">
+            <a:avLst/>
+          </a:prstGeom>
+          <a:solidFill>
+            <a:schemeClr val="accent4">
+              <a:lumMod val="20000"/>
+              <a:lumOff val="80000"/>
+            </a:schemeClr>
+          </a:solidFill>
+        </p:spPr>
+        <p:style>
+          <a:lnRef idx="1">
+            <a:schemeClr val="accent4"/>
+          </a:lnRef>
+          <a:fillRef idx="2">
+            <a:schemeClr val="accent4"/>
+          </a:fillRef>
+          <a:effectRef idx="1">
+            <a:schemeClr val="accent4"/>
+          </a:effectRef>
+          <a:fontRef idx="minor">
+            <a:schemeClr val="dk1"/>
+          </a:fontRef>
+        </p:style>
+        <p:txBody>
+          <a:bodyPr rtlCol="0" anchor="ctr"/>
+          <a:lstStyle/>
+          <a:p>
+            <a:pPr algn="ctr"/>
+            <a:r>
+              <a:rPr kumimoji="1" lang="en-US" altLang="ja-JP" sz="1050" dirty="0"/>
+              <a:t>ChannelInboundHandler</a:t>
+            </a:r>
+          </a:p>
+          <a:p>
+            <a:pPr algn="ctr"/>
+            <a:endParaRPr kumimoji="1" lang="en-US" altLang="ja-JP" sz="1050" dirty="0"/>
+          </a:p>
+          <a:p>
+            <a:pPr algn="ctr"/>
+            <a:r>
+              <a:rPr kumimoji="1" lang="ja-JP" altLang="en-US" sz="1050" dirty="0"/>
+              <a:t>時間のかか</a:t>
+            </a:r>
+            <a:r>
+              <a:rPr lang="ja-JP" altLang="en-US" sz="1050" dirty="0"/>
+              <a:t>る同期処理</a:t>
+            </a:r>
+            <a:endParaRPr lang="en-US" altLang="ja-JP" sz="1050" dirty="0"/>
+          </a:p>
+          <a:p>
+            <a:pPr algn="ctr"/>
+            <a:r>
+              <a:rPr kumimoji="1" lang="ja-JP" altLang="en-US" sz="1050" dirty="0"/>
+              <a:t>例</a:t>
+            </a:r>
+            <a:r>
+              <a:rPr kumimoji="1" lang="en-US" altLang="ja-JP" sz="1050" dirty="0"/>
+              <a:t>) DB</a:t>
+            </a:r>
+            <a:r>
+              <a:rPr kumimoji="1" lang="ja-JP" altLang="en-US" sz="1050" dirty="0"/>
+              <a:t>トランザクション</a:t>
+            </a:r>
+            <a:r>
+              <a:rPr kumimoji="1" lang="en-US" altLang="ja-JP" sz="1050" dirty="0"/>
+              <a:t>,</a:t>
+            </a:r>
+          </a:p>
+          <a:p>
+            <a:pPr algn="ctr"/>
+            <a:r>
+              <a:rPr kumimoji="1" lang="ja-JP" altLang="en-US" sz="1050" dirty="0"/>
+              <a:t>巨大ファイルの</a:t>
+            </a:r>
+            <a:r>
+              <a:rPr kumimoji="1" lang="en-US" altLang="ja-JP" sz="1050" dirty="0"/>
+              <a:t>I/O,</a:t>
+            </a:r>
+          </a:p>
+          <a:p>
+            <a:pPr algn="ctr"/>
+            <a:r>
+              <a:rPr kumimoji="1" lang="ja-JP" altLang="en-US" sz="1050" dirty="0"/>
+              <a:t>外部</a:t>
+            </a:r>
+            <a:r>
+              <a:rPr kumimoji="1" lang="en-US" altLang="ja-JP" sz="1050" dirty="0"/>
+              <a:t>Web</a:t>
+            </a:r>
+            <a:r>
+              <a:rPr kumimoji="1" lang="ja-JP" altLang="en-US" sz="1050" dirty="0"/>
+              <a:t>サービス呼び出し</a:t>
+            </a:r>
+          </a:p>
+        </p:txBody>
+      </p:sp>
+      <p:sp>
+        <p:nvSpPr>
+          <p:cNvPr id="36" name="正方形/長方形 35">
+            <a:extLst>
+              <a:ext uri="{FF2B5EF4-FFF2-40B4-BE49-F238E27FC236}">
+                <a16:creationId xmlns:a16="http://schemas.microsoft.com/office/drawing/2014/main" id="{1D2A7B83-8DAA-42DE-92AE-9DCC975B098E}"/>
+              </a:ext>
+            </a:extLst>
+          </p:cNvPr>
+          <p:cNvSpPr/>
+          <p:nvPr/>
+        </p:nvSpPr>
+        <p:spPr>
+          <a:xfrm>
+            <a:off x="4872988" y="3339329"/>
+            <a:ext cx="1883507" cy="1336199"/>
+          </a:xfrm>
+          <a:prstGeom prst="rect">
+            <a:avLst/>
+          </a:prstGeom>
+          <a:solidFill>
+            <a:schemeClr val="accent4">
+              <a:lumMod val="20000"/>
+              <a:lumOff val="80000"/>
+            </a:schemeClr>
+          </a:solidFill>
+        </p:spPr>
+        <p:style>
+          <a:lnRef idx="1">
+            <a:schemeClr val="accent4"/>
+          </a:lnRef>
+          <a:fillRef idx="2">
+            <a:schemeClr val="accent4"/>
+          </a:fillRef>
+          <a:effectRef idx="1">
+            <a:schemeClr val="accent4"/>
+          </a:effectRef>
+          <a:fontRef idx="minor">
+            <a:schemeClr val="dk1"/>
+          </a:fontRef>
+        </p:style>
+        <p:txBody>
+          <a:bodyPr rtlCol="0" anchor="ctr"/>
+          <a:lstStyle/>
+          <a:p>
+            <a:pPr algn="ctr"/>
+            <a:r>
+              <a:rPr kumimoji="1" lang="en-US" altLang="ja-JP" sz="1050" dirty="0"/>
+              <a:t>ChannelInboundHandler</a:t>
+            </a:r>
+          </a:p>
+          <a:p>
+            <a:pPr algn="ctr"/>
+            <a:endParaRPr kumimoji="1" lang="en-US" altLang="ja-JP" sz="1050" dirty="0"/>
+          </a:p>
+          <a:p>
+            <a:pPr algn="ctr"/>
+            <a:r>
+              <a:rPr kumimoji="1" lang="ja-JP" altLang="en-US" sz="1050" dirty="0"/>
+              <a:t>時間のかか</a:t>
+            </a:r>
+            <a:r>
+              <a:rPr lang="ja-JP" altLang="en-US" sz="1050" dirty="0"/>
+              <a:t>る同期処理</a:t>
+            </a:r>
+            <a:endParaRPr lang="en-US" altLang="ja-JP" sz="1050" dirty="0"/>
+          </a:p>
+          <a:p>
+            <a:pPr algn="ctr"/>
+            <a:r>
+              <a:rPr kumimoji="1" lang="ja-JP" altLang="en-US" sz="1050" dirty="0"/>
+              <a:t>例</a:t>
+            </a:r>
+            <a:r>
+              <a:rPr kumimoji="1" lang="en-US" altLang="ja-JP" sz="1050" dirty="0"/>
+              <a:t>) DB</a:t>
+            </a:r>
+            <a:r>
+              <a:rPr kumimoji="1" lang="ja-JP" altLang="en-US" sz="1050" dirty="0"/>
+              <a:t>トランザクション</a:t>
+            </a:r>
+            <a:r>
+              <a:rPr kumimoji="1" lang="en-US" altLang="ja-JP" sz="1050" dirty="0"/>
+              <a:t>,</a:t>
+            </a:r>
+          </a:p>
+          <a:p>
+            <a:pPr algn="ctr"/>
+            <a:r>
+              <a:rPr kumimoji="1" lang="ja-JP" altLang="en-US" sz="1050" dirty="0"/>
+              <a:t>巨大ファイルの</a:t>
+            </a:r>
+            <a:r>
+              <a:rPr kumimoji="1" lang="en-US" altLang="ja-JP" sz="1050" dirty="0"/>
+              <a:t>I/O,</a:t>
+            </a:r>
+          </a:p>
+          <a:p>
+            <a:pPr algn="ctr"/>
+            <a:r>
+              <a:rPr kumimoji="1" lang="ja-JP" altLang="en-US" sz="1050" dirty="0"/>
+              <a:t>外部</a:t>
+            </a:r>
+            <a:r>
+              <a:rPr kumimoji="1" lang="en-US" altLang="ja-JP" sz="1050" dirty="0"/>
+              <a:t>Web</a:t>
+            </a:r>
+            <a:r>
+              <a:rPr kumimoji="1" lang="ja-JP" altLang="en-US" sz="1050" dirty="0"/>
+              <a:t>サービス呼び出し</a:t>
+            </a:r>
+          </a:p>
+        </p:txBody>
+      </p:sp>
+    </p:spTree>
+    <p:extLst>
+      <p:ext uri="{BB962C8B-B14F-4D97-AF65-F5344CB8AC3E}">
+        <p14:creationId xmlns:p14="http://schemas.microsoft.com/office/powerpoint/2010/main" val="2394264359"/>
       </p:ext>
     </p:extLst>
   </p:cSld>
@@ -6083,7 +7620,7 @@
           <a:lstStyle/>
           <a:p>
             <a:pPr algn="ctr"/>
-            <a:endParaRPr kumimoji="1" lang="ja-JP" altLang="en-US"/>
+            <a:endParaRPr kumimoji="1" lang="ja-JP" altLang="en-US" dirty="0"/>
           </a:p>
         </p:txBody>
       </p:sp>
@@ -10897,7 +12434,7 @@
           <a:lstStyle/>
           <a:p>
             <a:pPr algn="ctr"/>
-            <a:endParaRPr kumimoji="1" lang="ja-JP" altLang="en-US"/>
+            <a:endParaRPr kumimoji="1" lang="ja-JP" altLang="en-US" dirty="0"/>
           </a:p>
         </p:txBody>
       </p:sp>
@@ -10979,7 +12516,7 @@
           <a:lstStyle/>
           <a:p>
             <a:pPr algn="ctr"/>
-            <a:endParaRPr kumimoji="1" lang="ja-JP" altLang="en-US"/>
+            <a:endParaRPr kumimoji="1" lang="ja-JP" altLang="en-US" dirty="0"/>
           </a:p>
         </p:txBody>
       </p:sp>
@@ -16859,7 +18396,7 @@
           <a:lstStyle/>
           <a:p>
             <a:pPr algn="ctr"/>
-            <a:endParaRPr kumimoji="1" lang="ja-JP" altLang="en-US"/>
+            <a:endParaRPr kumimoji="1" lang="ja-JP" altLang="en-US" dirty="0"/>
           </a:p>
         </p:txBody>
       </p:sp>
@@ -16941,7 +18478,7 @@
           <a:lstStyle/>
           <a:p>
             <a:pPr algn="ctr"/>
-            <a:endParaRPr kumimoji="1" lang="ja-JP" altLang="en-US"/>
+            <a:endParaRPr kumimoji="1" lang="ja-JP" altLang="en-US" dirty="0"/>
           </a:p>
         </p:txBody>
       </p:sp>
@@ -20414,6 +21951,6057 @@
     <p:extLst>
       <p:ext uri="{BB962C8B-B14F-4D97-AF65-F5344CB8AC3E}">
         <p14:creationId xmlns:p14="http://schemas.microsoft.com/office/powerpoint/2010/main" val="2138533078"/>
+      </p:ext>
+    </p:extLst>
+  </p:cSld>
+  <p:clrMapOvr>
+    <a:masterClrMapping/>
+  </p:clrMapOvr>
+</p:sld>
+</file>
+
+<file path=ppt/slides/slide7.xml><?xml version="1.0" encoding="utf-8"?>
+<p:sld xmlns:a="http://schemas.openxmlformats.org/drawingml/2006/main" xmlns:r="http://schemas.openxmlformats.org/officeDocument/2006/relationships" xmlns:p="http://schemas.openxmlformats.org/presentationml/2006/main">
+  <p:cSld>
+    <p:spTree>
+      <p:nvGrpSpPr>
+        <p:cNvPr id="1" name=""/>
+        <p:cNvGrpSpPr/>
+        <p:nvPr/>
+      </p:nvGrpSpPr>
+      <p:grpSpPr>
+        <a:xfrm>
+          <a:off x="0" y="0"/>
+          <a:ext cx="0" cy="0"/>
+          <a:chOff x="0" y="0"/>
+          <a:chExt cx="0" cy="0"/>
+        </a:xfrm>
+      </p:grpSpPr>
+      <p:sp>
+        <p:nvSpPr>
+          <p:cNvPr id="199" name="正方形/長方形 198">
+            <a:extLst>
+              <a:ext uri="{FF2B5EF4-FFF2-40B4-BE49-F238E27FC236}">
+                <a16:creationId xmlns:a16="http://schemas.microsoft.com/office/drawing/2014/main" id="{6F21EC42-B56E-4A0C-9D89-D4FE3451D56E}"/>
+              </a:ext>
+            </a:extLst>
+          </p:cNvPr>
+          <p:cNvSpPr/>
+          <p:nvPr/>
+        </p:nvSpPr>
+        <p:spPr>
+          <a:xfrm>
+            <a:off x="3582032" y="581158"/>
+            <a:ext cx="1263617" cy="1288642"/>
+          </a:xfrm>
+          <a:prstGeom prst="rect">
+            <a:avLst/>
+          </a:prstGeom>
+          <a:solidFill>
+            <a:schemeClr val="accent3">
+              <a:alpha val="80000"/>
+            </a:schemeClr>
+          </a:solidFill>
+          <a:ln>
+            <a:noFill/>
+          </a:ln>
+        </p:spPr>
+        <p:style>
+          <a:lnRef idx="0">
+            <a:scrgbClr r="0" g="0" b="0"/>
+          </a:lnRef>
+          <a:fillRef idx="0">
+            <a:scrgbClr r="0" g="0" b="0"/>
+          </a:fillRef>
+          <a:effectRef idx="0">
+            <a:scrgbClr r="0" g="0" b="0"/>
+          </a:effectRef>
+          <a:fontRef idx="minor">
+            <a:schemeClr val="lt1"/>
+          </a:fontRef>
+        </p:style>
+        <p:txBody>
+          <a:bodyPr rtlCol="0" anchor="b"/>
+          <a:lstStyle/>
+          <a:p>
+            <a:pPr algn="ctr"/>
+            <a:r>
+              <a:rPr kumimoji="1" lang="en-US" altLang="ja-JP" sz="1050" dirty="0">
+                <a:solidFill>
+                  <a:schemeClr val="tx1"/>
+                </a:solidFill>
+              </a:rPr>
+              <a:t>Netty</a:t>
+            </a:r>
+            <a:r>
+              <a:rPr kumimoji="1" lang="ja-JP" altLang="en-US" sz="1050" dirty="0">
+                <a:solidFill>
+                  <a:schemeClr val="tx1"/>
+                </a:solidFill>
+              </a:rPr>
+              <a:t>側</a:t>
+            </a:r>
+            <a:r>
+              <a:rPr lang="ja-JP" altLang="en-US" sz="1050" dirty="0">
+                <a:solidFill>
+                  <a:schemeClr val="tx1"/>
+                </a:solidFill>
+              </a:rPr>
+              <a:t>で隠蔽</a:t>
+            </a:r>
+            <a:endParaRPr kumimoji="1" lang="ja-JP" altLang="en-US" sz="1050" dirty="0">
+              <a:solidFill>
+                <a:schemeClr val="tx1"/>
+              </a:solidFill>
+            </a:endParaRPr>
+          </a:p>
+        </p:txBody>
+      </p:sp>
+      <p:sp>
+        <p:nvSpPr>
+          <p:cNvPr id="89" name="正方形/長方形 88">
+            <a:extLst>
+              <a:ext uri="{FF2B5EF4-FFF2-40B4-BE49-F238E27FC236}">
+                <a16:creationId xmlns:a16="http://schemas.microsoft.com/office/drawing/2014/main" id="{3894F609-F036-491E-A49A-F85D6503E2A7}"/>
+              </a:ext>
+            </a:extLst>
+          </p:cNvPr>
+          <p:cNvSpPr/>
+          <p:nvPr/>
+        </p:nvSpPr>
+        <p:spPr>
+          <a:xfrm>
+            <a:off x="97448" y="152404"/>
+            <a:ext cx="8476029" cy="5302734"/>
+          </a:xfrm>
+          <a:prstGeom prst="rect">
+            <a:avLst/>
+          </a:prstGeom>
+          <a:noFill/>
+          <a:ln w="3175">
+            <a:solidFill>
+              <a:schemeClr val="bg2"/>
+            </a:solidFill>
+          </a:ln>
+        </p:spPr>
+        <p:style>
+          <a:lnRef idx="2">
+            <a:schemeClr val="accent1">
+              <a:shade val="50000"/>
+            </a:schemeClr>
+          </a:lnRef>
+          <a:fillRef idx="1">
+            <a:schemeClr val="accent1"/>
+          </a:fillRef>
+          <a:effectRef idx="0">
+            <a:schemeClr val="accent1"/>
+          </a:effectRef>
+          <a:fontRef idx="minor">
+            <a:schemeClr val="lt1"/>
+          </a:fontRef>
+        </p:style>
+        <p:txBody>
+          <a:bodyPr rtlCol="0" anchor="ctr"/>
+          <a:lstStyle/>
+          <a:p>
+            <a:pPr algn="ctr"/>
+            <a:endParaRPr kumimoji="1" lang="ja-JP" altLang="en-US" dirty="0"/>
+          </a:p>
+        </p:txBody>
+      </p:sp>
+      <p:sp>
+        <p:nvSpPr>
+          <p:cNvPr id="154" name="正方形/長方形 153">
+            <a:extLst>
+              <a:ext uri="{FF2B5EF4-FFF2-40B4-BE49-F238E27FC236}">
+                <a16:creationId xmlns:a16="http://schemas.microsoft.com/office/drawing/2014/main" id="{95E7DFB3-F438-40A5-A648-53C17956F9DF}"/>
+              </a:ext>
+            </a:extLst>
+          </p:cNvPr>
+          <p:cNvSpPr/>
+          <p:nvPr/>
+        </p:nvSpPr>
+        <p:spPr>
+          <a:xfrm>
+            <a:off x="3638057" y="777521"/>
+            <a:ext cx="1141046" cy="433743"/>
+          </a:xfrm>
+          <a:prstGeom prst="rect">
+            <a:avLst/>
+          </a:prstGeom>
+          <a:noFill/>
+          <a:ln>
+            <a:solidFill>
+              <a:schemeClr val="accent3"/>
+            </a:solidFill>
+            <a:prstDash val="sysDash"/>
+          </a:ln>
+        </p:spPr>
+        <p:style>
+          <a:lnRef idx="2">
+            <a:schemeClr val="accent1">
+              <a:shade val="50000"/>
+            </a:schemeClr>
+          </a:lnRef>
+          <a:fillRef idx="1">
+            <a:schemeClr val="accent1"/>
+          </a:fillRef>
+          <a:effectRef idx="0">
+            <a:schemeClr val="accent1"/>
+          </a:effectRef>
+          <a:fontRef idx="minor">
+            <a:schemeClr val="lt1"/>
+          </a:fontRef>
+        </p:style>
+        <p:txBody>
+          <a:bodyPr rtlCol="0" anchor="ctr"/>
+          <a:lstStyle/>
+          <a:p>
+            <a:pPr algn="ctr"/>
+            <a:endParaRPr kumimoji="1" lang="ja-JP" altLang="en-US" dirty="0"/>
+          </a:p>
+        </p:txBody>
+      </p:sp>
+      <p:cxnSp>
+        <p:nvCxnSpPr>
+          <p:cNvPr id="104" name="直線コネクタ 103">
+            <a:extLst>
+              <a:ext uri="{FF2B5EF4-FFF2-40B4-BE49-F238E27FC236}">
+                <a16:creationId xmlns:a16="http://schemas.microsoft.com/office/drawing/2014/main" id="{B7A3C515-C8B8-46EA-9F22-BDCA63F9FB31}"/>
+              </a:ext>
+            </a:extLst>
+          </p:cNvPr>
+          <p:cNvCxnSpPr>
+            <a:cxnSpLocks/>
+            <a:stCxn id="106" idx="2"/>
+          </p:cNvCxnSpPr>
+          <p:nvPr/>
+        </p:nvCxnSpPr>
+        <p:spPr>
+          <a:xfrm>
+            <a:off x="7967449" y="781417"/>
+            <a:ext cx="0" cy="3292256"/>
+          </a:xfrm>
+          <a:prstGeom prst="line">
+            <a:avLst/>
+          </a:prstGeom>
+        </p:spPr>
+        <p:style>
+          <a:lnRef idx="1">
+            <a:schemeClr val="accent1"/>
+          </a:lnRef>
+          <a:fillRef idx="0">
+            <a:schemeClr val="accent1"/>
+          </a:fillRef>
+          <a:effectRef idx="0">
+            <a:schemeClr val="accent1"/>
+          </a:effectRef>
+          <a:fontRef idx="minor">
+            <a:schemeClr val="tx1"/>
+          </a:fontRef>
+        </p:style>
+      </p:cxnSp>
+      <p:cxnSp>
+        <p:nvCxnSpPr>
+          <p:cNvPr id="50" name="直線コネクタ 49">
+            <a:extLst>
+              <a:ext uri="{FF2B5EF4-FFF2-40B4-BE49-F238E27FC236}">
+                <a16:creationId xmlns:a16="http://schemas.microsoft.com/office/drawing/2014/main" id="{6EF6045A-C45A-40D6-9E9E-A86A71B614EC}"/>
+              </a:ext>
+            </a:extLst>
+          </p:cNvPr>
+          <p:cNvCxnSpPr>
+            <a:cxnSpLocks/>
+            <a:stCxn id="52" idx="2"/>
+          </p:cNvCxnSpPr>
+          <p:nvPr/>
+        </p:nvCxnSpPr>
+        <p:spPr>
+          <a:xfrm>
+            <a:off x="4189040" y="562579"/>
+            <a:ext cx="0" cy="898898"/>
+          </a:xfrm>
+          <a:prstGeom prst="line">
+            <a:avLst/>
+          </a:prstGeom>
+        </p:spPr>
+        <p:style>
+          <a:lnRef idx="1">
+            <a:schemeClr val="accent1"/>
+          </a:lnRef>
+          <a:fillRef idx="0">
+            <a:schemeClr val="accent1"/>
+          </a:fillRef>
+          <a:effectRef idx="0">
+            <a:schemeClr val="accent1"/>
+          </a:effectRef>
+          <a:fontRef idx="minor">
+            <a:schemeClr val="tx1"/>
+          </a:fontRef>
+        </p:style>
+      </p:cxnSp>
+      <p:cxnSp>
+        <p:nvCxnSpPr>
+          <p:cNvPr id="51" name="直線コネクタ 50">
+            <a:extLst>
+              <a:ext uri="{FF2B5EF4-FFF2-40B4-BE49-F238E27FC236}">
+                <a16:creationId xmlns:a16="http://schemas.microsoft.com/office/drawing/2014/main" id="{E4D45F89-61C5-4AD7-B988-C8CB732C85E6}"/>
+              </a:ext>
+            </a:extLst>
+          </p:cNvPr>
+          <p:cNvCxnSpPr>
+            <a:cxnSpLocks/>
+            <a:stCxn id="56" idx="2"/>
+            <a:endCxn id="62" idx="0"/>
+          </p:cNvCxnSpPr>
+          <p:nvPr/>
+        </p:nvCxnSpPr>
+        <p:spPr>
+          <a:xfrm>
+            <a:off x="703387" y="803014"/>
+            <a:ext cx="0" cy="3725996"/>
+          </a:xfrm>
+          <a:prstGeom prst="line">
+            <a:avLst/>
+          </a:prstGeom>
+        </p:spPr>
+        <p:style>
+          <a:lnRef idx="1">
+            <a:schemeClr val="accent1"/>
+          </a:lnRef>
+          <a:fillRef idx="0">
+            <a:schemeClr val="accent1"/>
+          </a:fillRef>
+          <a:effectRef idx="0">
+            <a:schemeClr val="accent1"/>
+          </a:effectRef>
+          <a:fontRef idx="minor">
+            <a:schemeClr val="tx1"/>
+          </a:fontRef>
+        </p:style>
+      </p:cxnSp>
+      <p:sp>
+        <p:nvSpPr>
+          <p:cNvPr id="52" name="四角形: 角を丸くする 51">
+            <a:extLst>
+              <a:ext uri="{FF2B5EF4-FFF2-40B4-BE49-F238E27FC236}">
+                <a16:creationId xmlns:a16="http://schemas.microsoft.com/office/drawing/2014/main" id="{265AE887-5752-4913-829E-7234530797AD}"/>
+              </a:ext>
+            </a:extLst>
+          </p:cNvPr>
+          <p:cNvSpPr/>
+          <p:nvPr/>
+        </p:nvSpPr>
+        <p:spPr>
+          <a:xfrm>
+            <a:off x="3755286" y="210888"/>
+            <a:ext cx="867508" cy="351691"/>
+          </a:xfrm>
+          <a:prstGeom prst="roundRect">
+            <a:avLst/>
+          </a:prstGeom>
+        </p:spPr>
+        <p:style>
+          <a:lnRef idx="1">
+            <a:schemeClr val="accent6"/>
+          </a:lnRef>
+          <a:fillRef idx="2">
+            <a:schemeClr val="accent6"/>
+          </a:fillRef>
+          <a:effectRef idx="1">
+            <a:schemeClr val="accent6"/>
+          </a:effectRef>
+          <a:fontRef idx="minor">
+            <a:schemeClr val="dk1"/>
+          </a:fontRef>
+        </p:style>
+        <p:txBody>
+          <a:bodyPr rtlCol="0" anchor="ctr"/>
+          <a:lstStyle/>
+          <a:p>
+            <a:pPr algn="ctr"/>
+            <a:r>
+              <a:rPr kumimoji="1" lang="ja-JP" altLang="en-US" sz="1050" dirty="0"/>
+              <a:t>サーバ側</a:t>
+            </a:r>
+            <a:endParaRPr kumimoji="1" lang="en-US" altLang="ja-JP" sz="1050" dirty="0"/>
+          </a:p>
+          <a:p>
+            <a:pPr algn="ctr"/>
+            <a:r>
+              <a:rPr kumimoji="1" lang="ja-JP" altLang="en-US" sz="1050" dirty="0"/>
+              <a:t>スレッド</a:t>
+            </a:r>
+          </a:p>
+        </p:txBody>
+      </p:sp>
+      <p:sp>
+        <p:nvSpPr>
+          <p:cNvPr id="53" name="四角形: 角を丸くする 52">
+            <a:extLst>
+              <a:ext uri="{FF2B5EF4-FFF2-40B4-BE49-F238E27FC236}">
+                <a16:creationId xmlns:a16="http://schemas.microsoft.com/office/drawing/2014/main" id="{C1632F11-DE6F-479C-A1C9-3C2802796F18}"/>
+              </a:ext>
+            </a:extLst>
+          </p:cNvPr>
+          <p:cNvSpPr/>
+          <p:nvPr/>
+        </p:nvSpPr>
+        <p:spPr>
+          <a:xfrm>
+            <a:off x="3755286" y="957256"/>
+            <a:ext cx="867508" cy="218831"/>
+          </a:xfrm>
+          <a:prstGeom prst="roundRect">
+            <a:avLst/>
+          </a:prstGeom>
+          <a:solidFill>
+            <a:schemeClr val="accent4">
+              <a:lumMod val="20000"/>
+              <a:lumOff val="80000"/>
+            </a:schemeClr>
+          </a:solidFill>
+          <a:ln>
+            <a:solidFill>
+              <a:schemeClr val="accent3"/>
+            </a:solidFill>
+          </a:ln>
+        </p:spPr>
+        <p:style>
+          <a:lnRef idx="1">
+            <a:schemeClr val="accent4"/>
+          </a:lnRef>
+          <a:fillRef idx="2">
+            <a:schemeClr val="accent4"/>
+          </a:fillRef>
+          <a:effectRef idx="1">
+            <a:schemeClr val="accent4"/>
+          </a:effectRef>
+          <a:fontRef idx="minor">
+            <a:schemeClr val="dk1"/>
+          </a:fontRef>
+        </p:style>
+        <p:txBody>
+          <a:bodyPr rtlCol="0" anchor="ctr"/>
+          <a:lstStyle/>
+          <a:p>
+            <a:pPr algn="ctr"/>
+            <a:r>
+              <a:rPr kumimoji="1" lang="en-US" altLang="ja-JP" sz="1050" dirty="0"/>
+              <a:t>accept</a:t>
+            </a:r>
+            <a:endParaRPr kumimoji="1" lang="ja-JP" altLang="en-US" sz="1050" dirty="0"/>
+          </a:p>
+        </p:txBody>
+      </p:sp>
+      <p:sp>
+        <p:nvSpPr>
+          <p:cNvPr id="55" name="四角形: 角を丸くする 54">
+            <a:extLst>
+              <a:ext uri="{FF2B5EF4-FFF2-40B4-BE49-F238E27FC236}">
+                <a16:creationId xmlns:a16="http://schemas.microsoft.com/office/drawing/2014/main" id="{9BEB701A-961B-4FE4-A8D6-F9127B6B1BF5}"/>
+              </a:ext>
+            </a:extLst>
+          </p:cNvPr>
+          <p:cNvSpPr/>
+          <p:nvPr/>
+        </p:nvSpPr>
+        <p:spPr>
+          <a:xfrm>
+            <a:off x="269633" y="965195"/>
+            <a:ext cx="867508" cy="218831"/>
+          </a:xfrm>
+          <a:prstGeom prst="roundRect">
+            <a:avLst/>
+          </a:prstGeom>
+          <a:solidFill>
+            <a:schemeClr val="accent2">
+              <a:lumMod val="20000"/>
+              <a:lumOff val="80000"/>
+            </a:schemeClr>
+          </a:solidFill>
+          <a:ln>
+            <a:solidFill>
+              <a:schemeClr val="accent3"/>
+            </a:solidFill>
+          </a:ln>
+        </p:spPr>
+        <p:style>
+          <a:lnRef idx="1">
+            <a:schemeClr val="accent4"/>
+          </a:lnRef>
+          <a:fillRef idx="2">
+            <a:schemeClr val="accent4"/>
+          </a:fillRef>
+          <a:effectRef idx="1">
+            <a:schemeClr val="accent4"/>
+          </a:effectRef>
+          <a:fontRef idx="minor">
+            <a:schemeClr val="dk1"/>
+          </a:fontRef>
+        </p:style>
+        <p:txBody>
+          <a:bodyPr rtlCol="0" anchor="ctr"/>
+          <a:lstStyle/>
+          <a:p>
+            <a:pPr algn="ctr"/>
+            <a:r>
+              <a:rPr kumimoji="1" lang="en-US" altLang="ja-JP" sz="1050" dirty="0"/>
+              <a:t>connect</a:t>
+            </a:r>
+            <a:endParaRPr kumimoji="1" lang="ja-JP" altLang="en-US" sz="1050" dirty="0"/>
+          </a:p>
+        </p:txBody>
+      </p:sp>
+      <p:sp>
+        <p:nvSpPr>
+          <p:cNvPr id="56" name="四角形: 角を丸くする 55">
+            <a:extLst>
+              <a:ext uri="{FF2B5EF4-FFF2-40B4-BE49-F238E27FC236}">
+                <a16:creationId xmlns:a16="http://schemas.microsoft.com/office/drawing/2014/main" id="{816BE863-B0F8-4A16-8386-9F8F0DFCB60C}"/>
+              </a:ext>
+            </a:extLst>
+          </p:cNvPr>
+          <p:cNvSpPr/>
+          <p:nvPr/>
+        </p:nvSpPr>
+        <p:spPr>
+          <a:xfrm>
+            <a:off x="152402" y="591998"/>
+            <a:ext cx="1101970" cy="211016"/>
+          </a:xfrm>
+          <a:prstGeom prst="roundRect">
+            <a:avLst/>
+          </a:prstGeom>
+        </p:spPr>
+        <p:style>
+          <a:lnRef idx="1">
+            <a:schemeClr val="accent6"/>
+          </a:lnRef>
+          <a:fillRef idx="2">
+            <a:schemeClr val="accent6"/>
+          </a:fillRef>
+          <a:effectRef idx="1">
+            <a:schemeClr val="accent6"/>
+          </a:effectRef>
+          <a:fontRef idx="minor">
+            <a:schemeClr val="dk1"/>
+          </a:fontRef>
+        </p:style>
+        <p:txBody>
+          <a:bodyPr rtlCol="0" anchor="ctr"/>
+          <a:lstStyle/>
+          <a:p>
+            <a:pPr algn="ctr"/>
+            <a:r>
+              <a:rPr kumimoji="1" lang="ja-JP" altLang="en-US" sz="1050" dirty="0"/>
+              <a:t>クライアント</a:t>
+            </a:r>
+          </a:p>
+        </p:txBody>
+      </p:sp>
+      <p:sp>
+        <p:nvSpPr>
+          <p:cNvPr id="57" name="四角形: 角を丸くする 56">
+            <a:extLst>
+              <a:ext uri="{FF2B5EF4-FFF2-40B4-BE49-F238E27FC236}">
+                <a16:creationId xmlns:a16="http://schemas.microsoft.com/office/drawing/2014/main" id="{8303F506-FD23-42F3-BE60-271DC3F4FBD2}"/>
+              </a:ext>
+            </a:extLst>
+          </p:cNvPr>
+          <p:cNvSpPr/>
+          <p:nvPr/>
+        </p:nvSpPr>
+        <p:spPr>
+          <a:xfrm>
+            <a:off x="269633" y="2317266"/>
+            <a:ext cx="867508" cy="203198"/>
+          </a:xfrm>
+          <a:prstGeom prst="roundRect">
+            <a:avLst/>
+          </a:prstGeom>
+          <a:solidFill>
+            <a:schemeClr val="accent5">
+              <a:lumMod val="40000"/>
+              <a:lumOff val="60000"/>
+            </a:schemeClr>
+          </a:solidFill>
+          <a:ln>
+            <a:solidFill>
+              <a:schemeClr val="accent3"/>
+            </a:solidFill>
+          </a:ln>
+        </p:spPr>
+        <p:style>
+          <a:lnRef idx="1">
+            <a:schemeClr val="accent4"/>
+          </a:lnRef>
+          <a:fillRef idx="2">
+            <a:schemeClr val="accent4"/>
+          </a:fillRef>
+          <a:effectRef idx="1">
+            <a:schemeClr val="accent4"/>
+          </a:effectRef>
+          <a:fontRef idx="minor">
+            <a:schemeClr val="dk1"/>
+          </a:fontRef>
+        </p:style>
+        <p:txBody>
+          <a:bodyPr rtlCol="0" anchor="ctr"/>
+          <a:lstStyle/>
+          <a:p>
+            <a:pPr algn="ctr"/>
+            <a:r>
+              <a:rPr kumimoji="1" lang="en-US" altLang="ja-JP" sz="1050" dirty="0"/>
+              <a:t>write</a:t>
+            </a:r>
+          </a:p>
+        </p:txBody>
+      </p:sp>
+      <p:sp>
+        <p:nvSpPr>
+          <p:cNvPr id="59" name="四角形: 角を丸くする 58">
+            <a:extLst>
+              <a:ext uri="{FF2B5EF4-FFF2-40B4-BE49-F238E27FC236}">
+                <a16:creationId xmlns:a16="http://schemas.microsoft.com/office/drawing/2014/main" id="{71826C5F-A328-46DA-A675-342D9E3930FC}"/>
+              </a:ext>
+            </a:extLst>
+          </p:cNvPr>
+          <p:cNvSpPr/>
+          <p:nvPr/>
+        </p:nvSpPr>
+        <p:spPr>
+          <a:xfrm>
+            <a:off x="269633" y="2911228"/>
+            <a:ext cx="867508" cy="203198"/>
+          </a:xfrm>
+          <a:prstGeom prst="roundRect">
+            <a:avLst/>
+          </a:prstGeom>
+          <a:ln>
+            <a:solidFill>
+              <a:schemeClr val="accent3"/>
+            </a:solidFill>
+          </a:ln>
+        </p:spPr>
+        <p:style>
+          <a:lnRef idx="1">
+            <a:schemeClr val="accent4"/>
+          </a:lnRef>
+          <a:fillRef idx="2">
+            <a:schemeClr val="accent4"/>
+          </a:fillRef>
+          <a:effectRef idx="1">
+            <a:schemeClr val="accent4"/>
+          </a:effectRef>
+          <a:fontRef idx="minor">
+            <a:schemeClr val="dk1"/>
+          </a:fontRef>
+        </p:style>
+        <p:txBody>
+          <a:bodyPr rtlCol="0" anchor="ctr"/>
+          <a:lstStyle/>
+          <a:p>
+            <a:pPr algn="ctr"/>
+            <a:r>
+              <a:rPr kumimoji="1" lang="en-US" altLang="ja-JP" sz="1050" dirty="0"/>
+              <a:t>read</a:t>
+            </a:r>
+          </a:p>
+        </p:txBody>
+      </p:sp>
+      <p:sp>
+        <p:nvSpPr>
+          <p:cNvPr id="61" name="四角形: 角を丸くする 60">
+            <a:extLst>
+              <a:ext uri="{FF2B5EF4-FFF2-40B4-BE49-F238E27FC236}">
+                <a16:creationId xmlns:a16="http://schemas.microsoft.com/office/drawing/2014/main" id="{80ED8253-0BEF-4518-AD3D-E9B0C735105D}"/>
+              </a:ext>
+            </a:extLst>
+          </p:cNvPr>
+          <p:cNvSpPr/>
+          <p:nvPr/>
+        </p:nvSpPr>
+        <p:spPr>
+          <a:xfrm>
+            <a:off x="269633" y="3747474"/>
+            <a:ext cx="867508" cy="203198"/>
+          </a:xfrm>
+          <a:prstGeom prst="roundRect">
+            <a:avLst/>
+          </a:prstGeom>
+          <a:solidFill>
+            <a:schemeClr val="accent5">
+              <a:lumMod val="40000"/>
+              <a:lumOff val="60000"/>
+            </a:schemeClr>
+          </a:solidFill>
+          <a:ln>
+            <a:solidFill>
+              <a:schemeClr val="accent3"/>
+            </a:solidFill>
+          </a:ln>
+        </p:spPr>
+        <p:style>
+          <a:lnRef idx="1">
+            <a:schemeClr val="accent4"/>
+          </a:lnRef>
+          <a:fillRef idx="2">
+            <a:schemeClr val="accent4"/>
+          </a:fillRef>
+          <a:effectRef idx="1">
+            <a:schemeClr val="accent4"/>
+          </a:effectRef>
+          <a:fontRef idx="minor">
+            <a:schemeClr val="dk1"/>
+          </a:fontRef>
+        </p:style>
+        <p:txBody>
+          <a:bodyPr rtlCol="0" anchor="ctr"/>
+          <a:lstStyle/>
+          <a:p>
+            <a:pPr algn="ctr"/>
+            <a:r>
+              <a:rPr kumimoji="1" lang="en-US" altLang="ja-JP" sz="1050" dirty="0"/>
+              <a:t>write</a:t>
+            </a:r>
+          </a:p>
+        </p:txBody>
+      </p:sp>
+      <p:sp>
+        <p:nvSpPr>
+          <p:cNvPr id="62" name="四角形: 角を丸くする 61">
+            <a:extLst>
+              <a:ext uri="{FF2B5EF4-FFF2-40B4-BE49-F238E27FC236}">
+                <a16:creationId xmlns:a16="http://schemas.microsoft.com/office/drawing/2014/main" id="{154D76E4-57B4-4B69-8E1D-270B9663A5C9}"/>
+              </a:ext>
+            </a:extLst>
+          </p:cNvPr>
+          <p:cNvSpPr/>
+          <p:nvPr/>
+        </p:nvSpPr>
+        <p:spPr>
+          <a:xfrm>
+            <a:off x="269633" y="4529010"/>
+            <a:ext cx="867508" cy="218831"/>
+          </a:xfrm>
+          <a:prstGeom prst="roundRect">
+            <a:avLst/>
+          </a:prstGeom>
+          <a:solidFill>
+            <a:schemeClr val="bg1">
+              <a:lumMod val="85000"/>
+            </a:schemeClr>
+          </a:solidFill>
+          <a:ln>
+            <a:solidFill>
+              <a:schemeClr val="accent3"/>
+            </a:solidFill>
+          </a:ln>
+        </p:spPr>
+        <p:style>
+          <a:lnRef idx="1">
+            <a:schemeClr val="accent4"/>
+          </a:lnRef>
+          <a:fillRef idx="2">
+            <a:schemeClr val="accent4"/>
+          </a:fillRef>
+          <a:effectRef idx="1">
+            <a:schemeClr val="accent4"/>
+          </a:effectRef>
+          <a:fontRef idx="minor">
+            <a:schemeClr val="dk1"/>
+          </a:fontRef>
+        </p:style>
+        <p:txBody>
+          <a:bodyPr rtlCol="0" anchor="ctr"/>
+          <a:lstStyle/>
+          <a:p>
+            <a:pPr algn="ctr"/>
+            <a:r>
+              <a:rPr kumimoji="1" lang="en-US" altLang="ja-JP" sz="1050" dirty="0"/>
+              <a:t>close</a:t>
+            </a:r>
+            <a:endParaRPr kumimoji="1" lang="ja-JP" altLang="en-US" sz="1050" dirty="0"/>
+          </a:p>
+        </p:txBody>
+      </p:sp>
+      <p:cxnSp>
+        <p:nvCxnSpPr>
+          <p:cNvPr id="64" name="直線コネクタ 63">
+            <a:extLst>
+              <a:ext uri="{FF2B5EF4-FFF2-40B4-BE49-F238E27FC236}">
+                <a16:creationId xmlns:a16="http://schemas.microsoft.com/office/drawing/2014/main" id="{C15A57CD-BD4A-48F8-9B0B-A8768B18EB5A}"/>
+              </a:ext>
+            </a:extLst>
+          </p:cNvPr>
+          <p:cNvCxnSpPr>
+            <a:cxnSpLocks/>
+            <a:stCxn id="66" idx="2"/>
+            <a:endCxn id="70" idx="0"/>
+          </p:cNvCxnSpPr>
+          <p:nvPr/>
+        </p:nvCxnSpPr>
+        <p:spPr>
+          <a:xfrm>
+            <a:off x="4845649" y="2137400"/>
+            <a:ext cx="0" cy="2819407"/>
+          </a:xfrm>
+          <a:prstGeom prst="line">
+            <a:avLst/>
+          </a:prstGeom>
+        </p:spPr>
+        <p:style>
+          <a:lnRef idx="1">
+            <a:schemeClr val="accent1"/>
+          </a:lnRef>
+          <a:fillRef idx="0">
+            <a:schemeClr val="accent1"/>
+          </a:fillRef>
+          <a:effectRef idx="0">
+            <a:schemeClr val="accent1"/>
+          </a:effectRef>
+          <a:fontRef idx="minor">
+            <a:schemeClr val="tx1"/>
+          </a:fontRef>
+        </p:style>
+      </p:cxnSp>
+      <p:sp>
+        <p:nvSpPr>
+          <p:cNvPr id="65" name="四角形: 角を丸くする 64">
+            <a:extLst>
+              <a:ext uri="{FF2B5EF4-FFF2-40B4-BE49-F238E27FC236}">
+                <a16:creationId xmlns:a16="http://schemas.microsoft.com/office/drawing/2014/main" id="{9B52EBBC-4639-4588-A88B-82CB26AB3ABA}"/>
+              </a:ext>
+            </a:extLst>
+          </p:cNvPr>
+          <p:cNvSpPr/>
+          <p:nvPr/>
+        </p:nvSpPr>
+        <p:spPr>
+          <a:xfrm>
+            <a:off x="4411895" y="2338656"/>
+            <a:ext cx="867508" cy="218831"/>
+          </a:xfrm>
+          <a:prstGeom prst="roundRect">
+            <a:avLst/>
+          </a:prstGeom>
+          <a:solidFill>
+            <a:schemeClr val="accent2">
+              <a:lumMod val="20000"/>
+              <a:lumOff val="80000"/>
+            </a:schemeClr>
+          </a:solidFill>
+          <a:ln>
+            <a:solidFill>
+              <a:schemeClr val="accent3"/>
+            </a:solidFill>
+          </a:ln>
+        </p:spPr>
+        <p:style>
+          <a:lnRef idx="1">
+            <a:schemeClr val="accent4"/>
+          </a:lnRef>
+          <a:fillRef idx="2">
+            <a:schemeClr val="accent4"/>
+          </a:fillRef>
+          <a:effectRef idx="1">
+            <a:schemeClr val="accent4"/>
+          </a:effectRef>
+          <a:fontRef idx="minor">
+            <a:schemeClr val="dk1"/>
+          </a:fontRef>
+        </p:style>
+        <p:txBody>
+          <a:bodyPr rtlCol="0" anchor="ctr"/>
+          <a:lstStyle/>
+          <a:p>
+            <a:pPr algn="ctr"/>
+            <a:r>
+              <a:rPr kumimoji="1" lang="en-US" altLang="ja-JP" sz="1050" dirty="0"/>
+              <a:t>connect</a:t>
+            </a:r>
+            <a:endParaRPr kumimoji="1" lang="ja-JP" altLang="en-US" sz="1050" dirty="0"/>
+          </a:p>
+        </p:txBody>
+      </p:sp>
+      <p:sp>
+        <p:nvSpPr>
+          <p:cNvPr id="66" name="四角形: 角を丸くする 65">
+            <a:extLst>
+              <a:ext uri="{FF2B5EF4-FFF2-40B4-BE49-F238E27FC236}">
+                <a16:creationId xmlns:a16="http://schemas.microsoft.com/office/drawing/2014/main" id="{59C80BD6-CA9A-41CE-B36E-C8943E69C349}"/>
+              </a:ext>
+            </a:extLst>
+          </p:cNvPr>
+          <p:cNvSpPr/>
+          <p:nvPr/>
+        </p:nvSpPr>
+        <p:spPr>
+          <a:xfrm>
+            <a:off x="4294664" y="1926384"/>
+            <a:ext cx="1101970" cy="211016"/>
+          </a:xfrm>
+          <a:prstGeom prst="roundRect">
+            <a:avLst/>
+          </a:prstGeom>
+        </p:spPr>
+        <p:style>
+          <a:lnRef idx="1">
+            <a:schemeClr val="accent6"/>
+          </a:lnRef>
+          <a:fillRef idx="2">
+            <a:schemeClr val="accent6"/>
+          </a:fillRef>
+          <a:effectRef idx="1">
+            <a:schemeClr val="accent6"/>
+          </a:effectRef>
+          <a:fontRef idx="minor">
+            <a:schemeClr val="dk1"/>
+          </a:fontRef>
+        </p:style>
+        <p:txBody>
+          <a:bodyPr rtlCol="0" anchor="ctr"/>
+          <a:lstStyle/>
+          <a:p>
+            <a:pPr algn="ctr"/>
+            <a:r>
+              <a:rPr kumimoji="1" lang="ja-JP" altLang="en-US" sz="1050" dirty="0"/>
+              <a:t>クライアント</a:t>
+            </a:r>
+          </a:p>
+        </p:txBody>
+      </p:sp>
+      <p:sp>
+        <p:nvSpPr>
+          <p:cNvPr id="67" name="四角形: 角を丸くする 66">
+            <a:extLst>
+              <a:ext uri="{FF2B5EF4-FFF2-40B4-BE49-F238E27FC236}">
+                <a16:creationId xmlns:a16="http://schemas.microsoft.com/office/drawing/2014/main" id="{77F6E5E2-F114-44BA-9578-F2D3CB6C2B94}"/>
+              </a:ext>
+            </a:extLst>
+          </p:cNvPr>
+          <p:cNvSpPr/>
+          <p:nvPr/>
+        </p:nvSpPr>
+        <p:spPr>
+          <a:xfrm>
+            <a:off x="4411895" y="3167083"/>
+            <a:ext cx="867508" cy="203198"/>
+          </a:xfrm>
+          <a:prstGeom prst="roundRect">
+            <a:avLst/>
+          </a:prstGeom>
+          <a:solidFill>
+            <a:schemeClr val="accent5">
+              <a:lumMod val="40000"/>
+              <a:lumOff val="60000"/>
+            </a:schemeClr>
+          </a:solidFill>
+          <a:ln>
+            <a:solidFill>
+              <a:schemeClr val="accent3"/>
+            </a:solidFill>
+          </a:ln>
+        </p:spPr>
+        <p:style>
+          <a:lnRef idx="1">
+            <a:schemeClr val="accent4"/>
+          </a:lnRef>
+          <a:fillRef idx="2">
+            <a:schemeClr val="accent4"/>
+          </a:fillRef>
+          <a:effectRef idx="1">
+            <a:schemeClr val="accent4"/>
+          </a:effectRef>
+          <a:fontRef idx="minor">
+            <a:schemeClr val="dk1"/>
+          </a:fontRef>
+        </p:style>
+        <p:txBody>
+          <a:bodyPr rtlCol="0" anchor="ctr"/>
+          <a:lstStyle/>
+          <a:p>
+            <a:pPr algn="ctr"/>
+            <a:r>
+              <a:rPr kumimoji="1" lang="en-US" altLang="ja-JP" sz="1050" dirty="0"/>
+              <a:t>write</a:t>
+            </a:r>
+          </a:p>
+        </p:txBody>
+      </p:sp>
+      <p:sp>
+        <p:nvSpPr>
+          <p:cNvPr id="68" name="四角形: 角を丸くする 67">
+            <a:extLst>
+              <a:ext uri="{FF2B5EF4-FFF2-40B4-BE49-F238E27FC236}">
+                <a16:creationId xmlns:a16="http://schemas.microsoft.com/office/drawing/2014/main" id="{D993B6CC-05F4-4C8F-9057-9B49A7E8C52E}"/>
+              </a:ext>
+            </a:extLst>
+          </p:cNvPr>
+          <p:cNvSpPr/>
+          <p:nvPr/>
+        </p:nvSpPr>
+        <p:spPr>
+          <a:xfrm>
+            <a:off x="4411895" y="3972074"/>
+            <a:ext cx="867508" cy="203198"/>
+          </a:xfrm>
+          <a:prstGeom prst="roundRect">
+            <a:avLst/>
+          </a:prstGeom>
+          <a:ln>
+            <a:solidFill>
+              <a:schemeClr val="accent3"/>
+            </a:solidFill>
+          </a:ln>
+        </p:spPr>
+        <p:style>
+          <a:lnRef idx="1">
+            <a:schemeClr val="accent4"/>
+          </a:lnRef>
+          <a:fillRef idx="2">
+            <a:schemeClr val="accent4"/>
+          </a:fillRef>
+          <a:effectRef idx="1">
+            <a:schemeClr val="accent4"/>
+          </a:effectRef>
+          <a:fontRef idx="minor">
+            <a:schemeClr val="dk1"/>
+          </a:fontRef>
+        </p:style>
+        <p:txBody>
+          <a:bodyPr rtlCol="0" anchor="ctr"/>
+          <a:lstStyle/>
+          <a:p>
+            <a:pPr algn="ctr"/>
+            <a:r>
+              <a:rPr kumimoji="1" lang="en-US" altLang="ja-JP" sz="1050" dirty="0"/>
+              <a:t>read</a:t>
+            </a:r>
+          </a:p>
+        </p:txBody>
+      </p:sp>
+      <p:sp>
+        <p:nvSpPr>
+          <p:cNvPr id="69" name="四角形: 角を丸くする 68">
+            <a:extLst>
+              <a:ext uri="{FF2B5EF4-FFF2-40B4-BE49-F238E27FC236}">
+                <a16:creationId xmlns:a16="http://schemas.microsoft.com/office/drawing/2014/main" id="{70980BDE-1466-4F1A-A248-52C223B127E5}"/>
+              </a:ext>
+            </a:extLst>
+          </p:cNvPr>
+          <p:cNvSpPr/>
+          <p:nvPr/>
+        </p:nvSpPr>
+        <p:spPr>
+          <a:xfrm>
+            <a:off x="7533695" y="2352308"/>
+            <a:ext cx="867508" cy="203198"/>
+          </a:xfrm>
+          <a:prstGeom prst="roundRect">
+            <a:avLst/>
+          </a:prstGeom>
+          <a:solidFill>
+            <a:schemeClr val="accent5">
+              <a:lumMod val="40000"/>
+              <a:lumOff val="60000"/>
+            </a:schemeClr>
+          </a:solidFill>
+          <a:ln>
+            <a:solidFill>
+              <a:schemeClr val="accent3"/>
+            </a:solidFill>
+          </a:ln>
+        </p:spPr>
+        <p:style>
+          <a:lnRef idx="1">
+            <a:schemeClr val="accent4"/>
+          </a:lnRef>
+          <a:fillRef idx="2">
+            <a:schemeClr val="accent4"/>
+          </a:fillRef>
+          <a:effectRef idx="1">
+            <a:schemeClr val="accent4"/>
+          </a:effectRef>
+          <a:fontRef idx="minor">
+            <a:schemeClr val="dk1"/>
+          </a:fontRef>
+        </p:style>
+        <p:txBody>
+          <a:bodyPr rtlCol="0" anchor="ctr"/>
+          <a:lstStyle/>
+          <a:p>
+            <a:pPr algn="ctr"/>
+            <a:r>
+              <a:rPr kumimoji="1" lang="en-US" altLang="ja-JP" sz="1050" dirty="0"/>
+              <a:t>write</a:t>
+            </a:r>
+          </a:p>
+        </p:txBody>
+      </p:sp>
+      <p:sp>
+        <p:nvSpPr>
+          <p:cNvPr id="70" name="四角形: 角を丸くする 69">
+            <a:extLst>
+              <a:ext uri="{FF2B5EF4-FFF2-40B4-BE49-F238E27FC236}">
+                <a16:creationId xmlns:a16="http://schemas.microsoft.com/office/drawing/2014/main" id="{F43E4798-A71B-4EB5-B491-86CA0046FB84}"/>
+              </a:ext>
+            </a:extLst>
+          </p:cNvPr>
+          <p:cNvSpPr/>
+          <p:nvPr/>
+        </p:nvSpPr>
+        <p:spPr>
+          <a:xfrm>
+            <a:off x="4411895" y="4956807"/>
+            <a:ext cx="867508" cy="218831"/>
+          </a:xfrm>
+          <a:prstGeom prst="roundRect">
+            <a:avLst/>
+          </a:prstGeom>
+          <a:solidFill>
+            <a:schemeClr val="bg1">
+              <a:lumMod val="85000"/>
+            </a:schemeClr>
+          </a:solidFill>
+          <a:ln>
+            <a:solidFill>
+              <a:schemeClr val="accent3"/>
+            </a:solidFill>
+          </a:ln>
+        </p:spPr>
+        <p:style>
+          <a:lnRef idx="1">
+            <a:schemeClr val="accent4"/>
+          </a:lnRef>
+          <a:fillRef idx="2">
+            <a:schemeClr val="accent4"/>
+          </a:fillRef>
+          <a:effectRef idx="1">
+            <a:schemeClr val="accent4"/>
+          </a:effectRef>
+          <a:fontRef idx="minor">
+            <a:schemeClr val="dk1"/>
+          </a:fontRef>
+        </p:style>
+        <p:txBody>
+          <a:bodyPr rtlCol="0" anchor="ctr"/>
+          <a:lstStyle/>
+          <a:p>
+            <a:pPr algn="ctr"/>
+            <a:r>
+              <a:rPr kumimoji="1" lang="en-US" altLang="ja-JP" sz="1050" dirty="0"/>
+              <a:t>close</a:t>
+            </a:r>
+            <a:endParaRPr kumimoji="1" lang="ja-JP" altLang="en-US" sz="1050" dirty="0"/>
+          </a:p>
+        </p:txBody>
+      </p:sp>
+      <p:cxnSp>
+        <p:nvCxnSpPr>
+          <p:cNvPr id="80" name="直線矢印コネクタ 79">
+            <a:extLst>
+              <a:ext uri="{FF2B5EF4-FFF2-40B4-BE49-F238E27FC236}">
+                <a16:creationId xmlns:a16="http://schemas.microsoft.com/office/drawing/2014/main" id="{AB8CFC69-3437-4B4D-87E0-179A6FDFD7BC}"/>
+              </a:ext>
+            </a:extLst>
+          </p:cNvPr>
+          <p:cNvCxnSpPr>
+            <a:cxnSpLocks/>
+            <a:stCxn id="57" idx="3"/>
+          </p:cNvCxnSpPr>
+          <p:nvPr/>
+        </p:nvCxnSpPr>
+        <p:spPr>
+          <a:xfrm>
+            <a:off x="1137141" y="2418865"/>
+            <a:ext cx="1309073" cy="0"/>
+          </a:xfrm>
+          <a:prstGeom prst="straightConnector1">
+            <a:avLst/>
+          </a:prstGeom>
+          <a:ln>
+            <a:tailEnd type="triangle"/>
+          </a:ln>
+        </p:spPr>
+        <p:style>
+          <a:lnRef idx="1">
+            <a:schemeClr val="accent1"/>
+          </a:lnRef>
+          <a:fillRef idx="0">
+            <a:schemeClr val="accent1"/>
+          </a:fillRef>
+          <a:effectRef idx="0">
+            <a:schemeClr val="accent1"/>
+          </a:effectRef>
+          <a:fontRef idx="minor">
+            <a:schemeClr val="tx1"/>
+          </a:fontRef>
+        </p:style>
+      </p:cxnSp>
+      <p:cxnSp>
+        <p:nvCxnSpPr>
+          <p:cNvPr id="81" name="直線矢印コネクタ 80">
+            <a:extLst>
+              <a:ext uri="{FF2B5EF4-FFF2-40B4-BE49-F238E27FC236}">
+                <a16:creationId xmlns:a16="http://schemas.microsoft.com/office/drawing/2014/main" id="{A6245926-C407-4F12-B466-B44FAC0977D5}"/>
+              </a:ext>
+            </a:extLst>
+          </p:cNvPr>
+          <p:cNvCxnSpPr>
+            <a:cxnSpLocks/>
+            <a:stCxn id="61" idx="3"/>
+          </p:cNvCxnSpPr>
+          <p:nvPr/>
+        </p:nvCxnSpPr>
+        <p:spPr>
+          <a:xfrm>
+            <a:off x="1137141" y="3849073"/>
+            <a:ext cx="1309073" cy="0"/>
+          </a:xfrm>
+          <a:prstGeom prst="straightConnector1">
+            <a:avLst/>
+          </a:prstGeom>
+          <a:ln>
+            <a:tailEnd type="triangle"/>
+          </a:ln>
+        </p:spPr>
+        <p:style>
+          <a:lnRef idx="1">
+            <a:schemeClr val="accent1"/>
+          </a:lnRef>
+          <a:fillRef idx="0">
+            <a:schemeClr val="accent1"/>
+          </a:fillRef>
+          <a:effectRef idx="0">
+            <a:schemeClr val="accent1"/>
+          </a:effectRef>
+          <a:fontRef idx="minor">
+            <a:schemeClr val="tx1"/>
+          </a:fontRef>
+        </p:style>
+      </p:cxnSp>
+      <p:cxnSp>
+        <p:nvCxnSpPr>
+          <p:cNvPr id="82" name="直線矢印コネクタ 81">
+            <a:extLst>
+              <a:ext uri="{FF2B5EF4-FFF2-40B4-BE49-F238E27FC236}">
+                <a16:creationId xmlns:a16="http://schemas.microsoft.com/office/drawing/2014/main" id="{D1ED9E29-D476-4A49-A293-5684428B8F89}"/>
+              </a:ext>
+            </a:extLst>
+          </p:cNvPr>
+          <p:cNvCxnSpPr>
+            <a:cxnSpLocks/>
+            <a:endCxn id="59" idx="3"/>
+          </p:cNvCxnSpPr>
+          <p:nvPr/>
+        </p:nvCxnSpPr>
+        <p:spPr>
+          <a:xfrm flipH="1">
+            <a:off x="1137141" y="3012827"/>
+            <a:ext cx="1309073" cy="0"/>
+          </a:xfrm>
+          <a:prstGeom prst="straightConnector1">
+            <a:avLst/>
+          </a:prstGeom>
+          <a:ln>
+            <a:tailEnd type="triangle"/>
+          </a:ln>
+        </p:spPr>
+        <p:style>
+          <a:lnRef idx="1">
+            <a:schemeClr val="accent1"/>
+          </a:lnRef>
+          <a:fillRef idx="0">
+            <a:schemeClr val="accent1"/>
+          </a:fillRef>
+          <a:effectRef idx="0">
+            <a:schemeClr val="accent1"/>
+          </a:effectRef>
+          <a:fontRef idx="minor">
+            <a:schemeClr val="tx1"/>
+          </a:fontRef>
+        </p:style>
+      </p:cxnSp>
+      <p:cxnSp>
+        <p:nvCxnSpPr>
+          <p:cNvPr id="83" name="直線矢印コネクタ 82">
+            <a:extLst>
+              <a:ext uri="{FF2B5EF4-FFF2-40B4-BE49-F238E27FC236}">
+                <a16:creationId xmlns:a16="http://schemas.microsoft.com/office/drawing/2014/main" id="{DF2AADCE-547C-48F2-B29D-330516267CC7}"/>
+              </a:ext>
+            </a:extLst>
+          </p:cNvPr>
+          <p:cNvCxnSpPr>
+            <a:cxnSpLocks/>
+            <a:endCxn id="62" idx="3"/>
+          </p:cNvCxnSpPr>
+          <p:nvPr/>
+        </p:nvCxnSpPr>
+        <p:spPr>
+          <a:xfrm flipH="1">
+            <a:off x="1137141" y="4638426"/>
+            <a:ext cx="1309073" cy="0"/>
+          </a:xfrm>
+          <a:prstGeom prst="straightConnector1">
+            <a:avLst/>
+          </a:prstGeom>
+          <a:ln>
+            <a:headEnd type="triangle" w="med" len="med"/>
+            <a:tailEnd type="triangle" w="med" len="med"/>
+          </a:ln>
+        </p:spPr>
+        <p:style>
+          <a:lnRef idx="1">
+            <a:schemeClr val="accent1"/>
+          </a:lnRef>
+          <a:fillRef idx="0">
+            <a:schemeClr val="accent1"/>
+          </a:fillRef>
+          <a:effectRef idx="0">
+            <a:schemeClr val="accent1"/>
+          </a:effectRef>
+          <a:fontRef idx="minor">
+            <a:schemeClr val="tx1"/>
+          </a:fontRef>
+        </p:style>
+      </p:cxnSp>
+      <p:cxnSp>
+        <p:nvCxnSpPr>
+          <p:cNvPr id="85" name="直線矢印コネクタ 84">
+            <a:extLst>
+              <a:ext uri="{FF2B5EF4-FFF2-40B4-BE49-F238E27FC236}">
+                <a16:creationId xmlns:a16="http://schemas.microsoft.com/office/drawing/2014/main" id="{073F7F64-0B3E-4444-9925-28208A898D16}"/>
+              </a:ext>
+            </a:extLst>
+          </p:cNvPr>
+          <p:cNvCxnSpPr>
+            <a:cxnSpLocks/>
+            <a:stCxn id="69" idx="1"/>
+            <a:endCxn id="185" idx="3"/>
+          </p:cNvCxnSpPr>
+          <p:nvPr/>
+        </p:nvCxnSpPr>
+        <p:spPr>
+          <a:xfrm flipH="1">
+            <a:off x="6687678" y="2453907"/>
+            <a:ext cx="846017" cy="1850"/>
+          </a:xfrm>
+          <a:prstGeom prst="straightConnector1">
+            <a:avLst/>
+          </a:prstGeom>
+          <a:ln>
+            <a:tailEnd type="triangle"/>
+          </a:ln>
+        </p:spPr>
+        <p:style>
+          <a:lnRef idx="1">
+            <a:schemeClr val="accent1"/>
+          </a:lnRef>
+          <a:fillRef idx="0">
+            <a:schemeClr val="accent1"/>
+          </a:fillRef>
+          <a:effectRef idx="0">
+            <a:schemeClr val="accent1"/>
+          </a:effectRef>
+          <a:fontRef idx="minor">
+            <a:schemeClr val="tx1"/>
+          </a:fontRef>
+        </p:style>
+      </p:cxnSp>
+      <p:cxnSp>
+        <p:nvCxnSpPr>
+          <p:cNvPr id="86" name="直線矢印コネクタ 85">
+            <a:extLst>
+              <a:ext uri="{FF2B5EF4-FFF2-40B4-BE49-F238E27FC236}">
+                <a16:creationId xmlns:a16="http://schemas.microsoft.com/office/drawing/2014/main" id="{63CFEE1C-6C1B-4E2B-8728-8BB1A97C0622}"/>
+              </a:ext>
+            </a:extLst>
+          </p:cNvPr>
+          <p:cNvCxnSpPr>
+            <a:cxnSpLocks/>
+            <a:stCxn id="67" idx="1"/>
+          </p:cNvCxnSpPr>
+          <p:nvPr/>
+        </p:nvCxnSpPr>
+        <p:spPr>
+          <a:xfrm flipH="1">
+            <a:off x="3318938" y="3268682"/>
+            <a:ext cx="1092957" cy="0"/>
+          </a:xfrm>
+          <a:prstGeom prst="straightConnector1">
+            <a:avLst/>
+          </a:prstGeom>
+          <a:ln>
+            <a:tailEnd type="triangle"/>
+          </a:ln>
+        </p:spPr>
+        <p:style>
+          <a:lnRef idx="1">
+            <a:schemeClr val="accent1"/>
+          </a:lnRef>
+          <a:fillRef idx="0">
+            <a:schemeClr val="accent1"/>
+          </a:fillRef>
+          <a:effectRef idx="0">
+            <a:schemeClr val="accent1"/>
+          </a:effectRef>
+          <a:fontRef idx="minor">
+            <a:schemeClr val="tx1"/>
+          </a:fontRef>
+        </p:style>
+      </p:cxnSp>
+      <p:cxnSp>
+        <p:nvCxnSpPr>
+          <p:cNvPr id="87" name="直線矢印コネクタ 86">
+            <a:extLst>
+              <a:ext uri="{FF2B5EF4-FFF2-40B4-BE49-F238E27FC236}">
+                <a16:creationId xmlns:a16="http://schemas.microsoft.com/office/drawing/2014/main" id="{D8B624D8-5AB8-48AE-B0BA-051E608C94E1}"/>
+              </a:ext>
+            </a:extLst>
+          </p:cNvPr>
+          <p:cNvCxnSpPr>
+            <a:cxnSpLocks/>
+            <a:endCxn id="68" idx="1"/>
+          </p:cNvCxnSpPr>
+          <p:nvPr/>
+        </p:nvCxnSpPr>
+        <p:spPr>
+          <a:xfrm>
+            <a:off x="3318938" y="4073673"/>
+            <a:ext cx="1092957" cy="0"/>
+          </a:xfrm>
+          <a:prstGeom prst="straightConnector1">
+            <a:avLst/>
+          </a:prstGeom>
+          <a:ln>
+            <a:tailEnd type="triangle"/>
+          </a:ln>
+        </p:spPr>
+        <p:style>
+          <a:lnRef idx="1">
+            <a:schemeClr val="accent1"/>
+          </a:lnRef>
+          <a:fillRef idx="0">
+            <a:schemeClr val="accent1"/>
+          </a:fillRef>
+          <a:effectRef idx="0">
+            <a:schemeClr val="accent1"/>
+          </a:effectRef>
+          <a:fontRef idx="minor">
+            <a:schemeClr val="tx1"/>
+          </a:fontRef>
+        </p:style>
+      </p:cxnSp>
+      <p:cxnSp>
+        <p:nvCxnSpPr>
+          <p:cNvPr id="88" name="直線矢印コネクタ 87">
+            <a:extLst>
+              <a:ext uri="{FF2B5EF4-FFF2-40B4-BE49-F238E27FC236}">
+                <a16:creationId xmlns:a16="http://schemas.microsoft.com/office/drawing/2014/main" id="{A888E63B-2205-41B5-AA93-CA35264A63D5}"/>
+              </a:ext>
+            </a:extLst>
+          </p:cNvPr>
+          <p:cNvCxnSpPr>
+            <a:cxnSpLocks/>
+            <a:stCxn id="70" idx="1"/>
+            <a:endCxn id="138" idx="3"/>
+          </p:cNvCxnSpPr>
+          <p:nvPr/>
+        </p:nvCxnSpPr>
+        <p:spPr>
+          <a:xfrm flipH="1">
+            <a:off x="3318938" y="5066223"/>
+            <a:ext cx="1092957" cy="6812"/>
+          </a:xfrm>
+          <a:prstGeom prst="straightConnector1">
+            <a:avLst/>
+          </a:prstGeom>
+          <a:ln>
+            <a:headEnd type="triangle" w="med" len="med"/>
+            <a:tailEnd type="triangle" w="med" len="med"/>
+          </a:ln>
+        </p:spPr>
+        <p:style>
+          <a:lnRef idx="1">
+            <a:schemeClr val="accent1"/>
+          </a:lnRef>
+          <a:fillRef idx="0">
+            <a:schemeClr val="accent1"/>
+          </a:fillRef>
+          <a:effectRef idx="0">
+            <a:schemeClr val="accent1"/>
+          </a:effectRef>
+          <a:fontRef idx="minor">
+            <a:schemeClr val="tx1"/>
+          </a:fontRef>
+        </p:style>
+      </p:cxnSp>
+      <p:sp>
+        <p:nvSpPr>
+          <p:cNvPr id="91" name="テキスト ボックス 90">
+            <a:extLst>
+              <a:ext uri="{FF2B5EF4-FFF2-40B4-BE49-F238E27FC236}">
+                <a16:creationId xmlns:a16="http://schemas.microsoft.com/office/drawing/2014/main" id="{1264D60E-E502-404C-B16E-8D22E31D3CAE}"/>
+              </a:ext>
+            </a:extLst>
+          </p:cNvPr>
+          <p:cNvSpPr txBox="1"/>
+          <p:nvPr/>
+        </p:nvSpPr>
+        <p:spPr>
+          <a:xfrm>
+            <a:off x="633050" y="4259384"/>
+            <a:ext cx="393056" cy="253916"/>
+          </a:xfrm>
+          <a:prstGeom prst="rect">
+            <a:avLst/>
+          </a:prstGeom>
+          <a:noFill/>
+        </p:spPr>
+        <p:txBody>
+          <a:bodyPr wrap="none" rtlCol="0">
+            <a:spAutoFit/>
+          </a:bodyPr>
+          <a:lstStyle/>
+          <a:p>
+            <a:r>
+              <a:rPr kumimoji="1" lang="en-US" altLang="ja-JP" sz="1050" dirty="0"/>
+              <a:t>(...)</a:t>
+            </a:r>
+            <a:endParaRPr kumimoji="1" lang="ja-JP" altLang="en-US" sz="1050" dirty="0"/>
+          </a:p>
+        </p:txBody>
+      </p:sp>
+      <p:sp>
+        <p:nvSpPr>
+          <p:cNvPr id="94" name="テキスト ボックス 93">
+            <a:extLst>
+              <a:ext uri="{FF2B5EF4-FFF2-40B4-BE49-F238E27FC236}">
+                <a16:creationId xmlns:a16="http://schemas.microsoft.com/office/drawing/2014/main" id="{941EA8FE-701D-4487-AA41-6182BE832DC6}"/>
+              </a:ext>
+            </a:extLst>
+          </p:cNvPr>
+          <p:cNvSpPr txBox="1"/>
+          <p:nvPr/>
+        </p:nvSpPr>
+        <p:spPr>
+          <a:xfrm>
+            <a:off x="4776120" y="4671550"/>
+            <a:ext cx="393056" cy="253916"/>
+          </a:xfrm>
+          <a:prstGeom prst="rect">
+            <a:avLst/>
+          </a:prstGeom>
+          <a:noFill/>
+        </p:spPr>
+        <p:txBody>
+          <a:bodyPr wrap="none" rtlCol="0">
+            <a:spAutoFit/>
+          </a:bodyPr>
+          <a:lstStyle/>
+          <a:p>
+            <a:r>
+              <a:rPr kumimoji="1" lang="en-US" altLang="ja-JP" sz="1050" dirty="0"/>
+              <a:t>(...)</a:t>
+            </a:r>
+            <a:endParaRPr kumimoji="1" lang="ja-JP" altLang="en-US" sz="1050" dirty="0"/>
+          </a:p>
+        </p:txBody>
+      </p:sp>
+      <p:sp>
+        <p:nvSpPr>
+          <p:cNvPr id="96" name="四角形: 角を丸くする 95">
+            <a:extLst>
+              <a:ext uri="{FF2B5EF4-FFF2-40B4-BE49-F238E27FC236}">
+                <a16:creationId xmlns:a16="http://schemas.microsoft.com/office/drawing/2014/main" id="{1C990B7F-0A68-48D5-9519-41072300EA7F}"/>
+              </a:ext>
+            </a:extLst>
+          </p:cNvPr>
+          <p:cNvSpPr/>
+          <p:nvPr/>
+        </p:nvSpPr>
+        <p:spPr>
+          <a:xfrm>
+            <a:off x="3755286" y="675909"/>
+            <a:ext cx="867508" cy="218831"/>
+          </a:xfrm>
+          <a:prstGeom prst="roundRect">
+            <a:avLst/>
+          </a:prstGeom>
+          <a:solidFill>
+            <a:srgbClr val="FFCCCC"/>
+          </a:solidFill>
+          <a:ln>
+            <a:solidFill>
+              <a:schemeClr val="accent3"/>
+            </a:solidFill>
+          </a:ln>
+        </p:spPr>
+        <p:style>
+          <a:lnRef idx="1">
+            <a:schemeClr val="accent4"/>
+          </a:lnRef>
+          <a:fillRef idx="2">
+            <a:schemeClr val="accent4"/>
+          </a:fillRef>
+          <a:effectRef idx="1">
+            <a:schemeClr val="accent4"/>
+          </a:effectRef>
+          <a:fontRef idx="minor">
+            <a:schemeClr val="dk1"/>
+          </a:fontRef>
+        </p:style>
+        <p:txBody>
+          <a:bodyPr rtlCol="0" anchor="ctr"/>
+          <a:lstStyle/>
+          <a:p>
+            <a:pPr algn="ctr"/>
+            <a:r>
+              <a:rPr lang="en-US" altLang="ja-JP" sz="1050" dirty="0"/>
+              <a:t>select</a:t>
+            </a:r>
+            <a:endParaRPr kumimoji="1" lang="ja-JP" altLang="en-US" sz="1050" dirty="0"/>
+          </a:p>
+        </p:txBody>
+      </p:sp>
+      <p:sp>
+        <p:nvSpPr>
+          <p:cNvPr id="106" name="四角形: 角を丸くする 105">
+            <a:extLst>
+              <a:ext uri="{FF2B5EF4-FFF2-40B4-BE49-F238E27FC236}">
+                <a16:creationId xmlns:a16="http://schemas.microsoft.com/office/drawing/2014/main" id="{A2F6C5EA-1EB5-4AD9-A501-D50211D0092E}"/>
+              </a:ext>
+            </a:extLst>
+          </p:cNvPr>
+          <p:cNvSpPr/>
+          <p:nvPr/>
+        </p:nvSpPr>
+        <p:spPr>
+          <a:xfrm>
+            <a:off x="7416464" y="570401"/>
+            <a:ext cx="1101970" cy="211016"/>
+          </a:xfrm>
+          <a:prstGeom prst="roundRect">
+            <a:avLst/>
+          </a:prstGeom>
+        </p:spPr>
+        <p:style>
+          <a:lnRef idx="1">
+            <a:schemeClr val="accent6"/>
+          </a:lnRef>
+          <a:fillRef idx="2">
+            <a:schemeClr val="accent6"/>
+          </a:fillRef>
+          <a:effectRef idx="1">
+            <a:schemeClr val="accent6"/>
+          </a:effectRef>
+          <a:fontRef idx="minor">
+            <a:schemeClr val="dk1"/>
+          </a:fontRef>
+        </p:style>
+        <p:txBody>
+          <a:bodyPr rtlCol="0" anchor="ctr"/>
+          <a:lstStyle/>
+          <a:p>
+            <a:pPr algn="ctr"/>
+            <a:r>
+              <a:rPr kumimoji="1" lang="ja-JP" altLang="en-US" sz="1050" dirty="0"/>
+              <a:t>クライアント</a:t>
+            </a:r>
+          </a:p>
+        </p:txBody>
+      </p:sp>
+      <p:sp>
+        <p:nvSpPr>
+          <p:cNvPr id="108" name="四角形: 角を丸くする 107">
+            <a:extLst>
+              <a:ext uri="{FF2B5EF4-FFF2-40B4-BE49-F238E27FC236}">
+                <a16:creationId xmlns:a16="http://schemas.microsoft.com/office/drawing/2014/main" id="{6A783EE0-9E6D-44CB-9B34-91F3C37F4375}"/>
+              </a:ext>
+            </a:extLst>
+          </p:cNvPr>
+          <p:cNvSpPr/>
+          <p:nvPr/>
+        </p:nvSpPr>
+        <p:spPr>
+          <a:xfrm>
+            <a:off x="7533695" y="2926720"/>
+            <a:ext cx="867508" cy="203198"/>
+          </a:xfrm>
+          <a:prstGeom prst="roundRect">
+            <a:avLst/>
+          </a:prstGeom>
+          <a:ln>
+            <a:solidFill>
+              <a:schemeClr val="accent3"/>
+            </a:solidFill>
+          </a:ln>
+        </p:spPr>
+        <p:style>
+          <a:lnRef idx="1">
+            <a:schemeClr val="accent4"/>
+          </a:lnRef>
+          <a:fillRef idx="2">
+            <a:schemeClr val="accent4"/>
+          </a:fillRef>
+          <a:effectRef idx="1">
+            <a:schemeClr val="accent4"/>
+          </a:effectRef>
+          <a:fontRef idx="minor">
+            <a:schemeClr val="dk1"/>
+          </a:fontRef>
+        </p:style>
+        <p:txBody>
+          <a:bodyPr rtlCol="0" anchor="ctr"/>
+          <a:lstStyle/>
+          <a:p>
+            <a:pPr algn="ctr"/>
+            <a:r>
+              <a:rPr kumimoji="1" lang="en-US" altLang="ja-JP" sz="1050" dirty="0"/>
+              <a:t>read</a:t>
+            </a:r>
+          </a:p>
+        </p:txBody>
+      </p:sp>
+      <p:sp>
+        <p:nvSpPr>
+          <p:cNvPr id="110" name="四角形: 角を丸くする 109">
+            <a:extLst>
+              <a:ext uri="{FF2B5EF4-FFF2-40B4-BE49-F238E27FC236}">
+                <a16:creationId xmlns:a16="http://schemas.microsoft.com/office/drawing/2014/main" id="{9BA7CEAD-065A-4904-9177-9996CA9F6D8A}"/>
+              </a:ext>
+            </a:extLst>
+          </p:cNvPr>
+          <p:cNvSpPr/>
+          <p:nvPr/>
+        </p:nvSpPr>
+        <p:spPr>
+          <a:xfrm>
+            <a:off x="7533695" y="3643691"/>
+            <a:ext cx="867508" cy="218831"/>
+          </a:xfrm>
+          <a:prstGeom prst="roundRect">
+            <a:avLst/>
+          </a:prstGeom>
+          <a:solidFill>
+            <a:schemeClr val="bg1">
+              <a:lumMod val="85000"/>
+            </a:schemeClr>
+          </a:solidFill>
+          <a:ln>
+            <a:solidFill>
+              <a:schemeClr val="accent3"/>
+            </a:solidFill>
+          </a:ln>
+        </p:spPr>
+        <p:style>
+          <a:lnRef idx="1">
+            <a:schemeClr val="accent4"/>
+          </a:lnRef>
+          <a:fillRef idx="2">
+            <a:schemeClr val="accent4"/>
+          </a:fillRef>
+          <a:effectRef idx="1">
+            <a:schemeClr val="accent4"/>
+          </a:effectRef>
+          <a:fontRef idx="minor">
+            <a:schemeClr val="dk1"/>
+          </a:fontRef>
+        </p:style>
+        <p:txBody>
+          <a:bodyPr rtlCol="0" anchor="ctr"/>
+          <a:lstStyle/>
+          <a:p>
+            <a:pPr algn="ctr"/>
+            <a:r>
+              <a:rPr kumimoji="1" lang="en-US" altLang="ja-JP" sz="1050" dirty="0"/>
+              <a:t>close</a:t>
+            </a:r>
+            <a:endParaRPr kumimoji="1" lang="ja-JP" altLang="en-US" sz="1050" dirty="0"/>
+          </a:p>
+        </p:txBody>
+      </p:sp>
+      <p:cxnSp>
+        <p:nvCxnSpPr>
+          <p:cNvPr id="113" name="直線矢印コネクタ 112">
+            <a:extLst>
+              <a:ext uri="{FF2B5EF4-FFF2-40B4-BE49-F238E27FC236}">
+                <a16:creationId xmlns:a16="http://schemas.microsoft.com/office/drawing/2014/main" id="{D801A632-A759-4AA9-B900-2B14FDA08D91}"/>
+              </a:ext>
+            </a:extLst>
+          </p:cNvPr>
+          <p:cNvCxnSpPr>
+            <a:cxnSpLocks/>
+            <a:stCxn id="114" idx="1"/>
+            <a:endCxn id="53" idx="3"/>
+          </p:cNvCxnSpPr>
+          <p:nvPr/>
+        </p:nvCxnSpPr>
+        <p:spPr>
+          <a:xfrm flipH="1">
+            <a:off x="4622794" y="1062770"/>
+            <a:ext cx="2910901" cy="3902"/>
+          </a:xfrm>
+          <a:prstGeom prst="straightConnector1">
+            <a:avLst/>
+          </a:prstGeom>
+          <a:ln>
+            <a:tailEnd type="triangle"/>
+          </a:ln>
+        </p:spPr>
+        <p:style>
+          <a:lnRef idx="1">
+            <a:schemeClr val="accent1"/>
+          </a:lnRef>
+          <a:fillRef idx="0">
+            <a:schemeClr val="accent1"/>
+          </a:fillRef>
+          <a:effectRef idx="0">
+            <a:schemeClr val="accent1"/>
+          </a:effectRef>
+          <a:fontRef idx="minor">
+            <a:schemeClr val="tx1"/>
+          </a:fontRef>
+        </p:style>
+      </p:cxnSp>
+      <p:sp>
+        <p:nvSpPr>
+          <p:cNvPr id="114" name="四角形: 角を丸くする 113">
+            <a:extLst>
+              <a:ext uri="{FF2B5EF4-FFF2-40B4-BE49-F238E27FC236}">
+                <a16:creationId xmlns:a16="http://schemas.microsoft.com/office/drawing/2014/main" id="{4219D9EA-6797-49DE-847B-75327CE00527}"/>
+              </a:ext>
+            </a:extLst>
+          </p:cNvPr>
+          <p:cNvSpPr/>
+          <p:nvPr/>
+        </p:nvSpPr>
+        <p:spPr>
+          <a:xfrm>
+            <a:off x="7533695" y="953354"/>
+            <a:ext cx="867508" cy="218831"/>
+          </a:xfrm>
+          <a:prstGeom prst="roundRect">
+            <a:avLst/>
+          </a:prstGeom>
+          <a:solidFill>
+            <a:schemeClr val="accent2">
+              <a:lumMod val="20000"/>
+              <a:lumOff val="80000"/>
+            </a:schemeClr>
+          </a:solidFill>
+          <a:ln>
+            <a:solidFill>
+              <a:schemeClr val="accent3"/>
+            </a:solidFill>
+          </a:ln>
+        </p:spPr>
+        <p:style>
+          <a:lnRef idx="1">
+            <a:schemeClr val="accent4"/>
+          </a:lnRef>
+          <a:fillRef idx="2">
+            <a:schemeClr val="accent4"/>
+          </a:fillRef>
+          <a:effectRef idx="1">
+            <a:schemeClr val="accent4"/>
+          </a:effectRef>
+          <a:fontRef idx="minor">
+            <a:schemeClr val="dk1"/>
+          </a:fontRef>
+        </p:style>
+        <p:txBody>
+          <a:bodyPr rtlCol="0" anchor="ctr"/>
+          <a:lstStyle/>
+          <a:p>
+            <a:pPr algn="ctr"/>
+            <a:r>
+              <a:rPr kumimoji="1" lang="en-US" altLang="ja-JP" sz="1050" dirty="0"/>
+              <a:t>connect</a:t>
+            </a:r>
+            <a:endParaRPr kumimoji="1" lang="ja-JP" altLang="en-US" sz="1050" dirty="0"/>
+          </a:p>
+        </p:txBody>
+      </p:sp>
+      <p:cxnSp>
+        <p:nvCxnSpPr>
+          <p:cNvPr id="124" name="直線矢印コネクタ 123">
+            <a:extLst>
+              <a:ext uri="{FF2B5EF4-FFF2-40B4-BE49-F238E27FC236}">
+                <a16:creationId xmlns:a16="http://schemas.microsoft.com/office/drawing/2014/main" id="{3948EC9E-21F5-4630-A6EB-FA1BEC8A80C5}"/>
+              </a:ext>
+            </a:extLst>
+          </p:cNvPr>
+          <p:cNvCxnSpPr>
+            <a:cxnSpLocks/>
+            <a:stCxn id="186" idx="3"/>
+            <a:endCxn id="108" idx="1"/>
+          </p:cNvCxnSpPr>
+          <p:nvPr/>
+        </p:nvCxnSpPr>
+        <p:spPr>
+          <a:xfrm>
+            <a:off x="6687678" y="3026274"/>
+            <a:ext cx="846017" cy="2045"/>
+          </a:xfrm>
+          <a:prstGeom prst="straightConnector1">
+            <a:avLst/>
+          </a:prstGeom>
+          <a:ln>
+            <a:tailEnd type="triangle"/>
+          </a:ln>
+        </p:spPr>
+        <p:style>
+          <a:lnRef idx="1">
+            <a:schemeClr val="accent1"/>
+          </a:lnRef>
+          <a:fillRef idx="0">
+            <a:schemeClr val="accent1"/>
+          </a:fillRef>
+          <a:effectRef idx="0">
+            <a:schemeClr val="accent1"/>
+          </a:effectRef>
+          <a:fontRef idx="minor">
+            <a:schemeClr val="tx1"/>
+          </a:fontRef>
+        </p:style>
+      </p:cxnSp>
+      <p:cxnSp>
+        <p:nvCxnSpPr>
+          <p:cNvPr id="134" name="直線矢印コネクタ 133">
+            <a:extLst>
+              <a:ext uri="{FF2B5EF4-FFF2-40B4-BE49-F238E27FC236}">
+                <a16:creationId xmlns:a16="http://schemas.microsoft.com/office/drawing/2014/main" id="{53D92F73-B314-4D7A-B3F2-C5E2332174F8}"/>
+              </a:ext>
+            </a:extLst>
+          </p:cNvPr>
+          <p:cNvCxnSpPr>
+            <a:cxnSpLocks/>
+            <a:stCxn id="110" idx="1"/>
+            <a:endCxn id="188" idx="3"/>
+          </p:cNvCxnSpPr>
+          <p:nvPr/>
+        </p:nvCxnSpPr>
+        <p:spPr>
+          <a:xfrm flipH="1">
+            <a:off x="6687678" y="3753107"/>
+            <a:ext cx="846017" cy="0"/>
+          </a:xfrm>
+          <a:prstGeom prst="straightConnector1">
+            <a:avLst/>
+          </a:prstGeom>
+          <a:ln>
+            <a:headEnd type="triangle" w="med" len="med"/>
+            <a:tailEnd type="triangle" w="med" len="med"/>
+          </a:ln>
+        </p:spPr>
+        <p:style>
+          <a:lnRef idx="1">
+            <a:schemeClr val="accent1"/>
+          </a:lnRef>
+          <a:fillRef idx="0">
+            <a:schemeClr val="accent1"/>
+          </a:fillRef>
+          <a:effectRef idx="0">
+            <a:schemeClr val="accent1"/>
+          </a:effectRef>
+          <a:fontRef idx="minor">
+            <a:schemeClr val="tx1"/>
+          </a:fontRef>
+        </p:style>
+      </p:cxnSp>
+      <p:sp>
+        <p:nvSpPr>
+          <p:cNvPr id="141" name="テキスト ボックス 140">
+            <a:extLst>
+              <a:ext uri="{FF2B5EF4-FFF2-40B4-BE49-F238E27FC236}">
+                <a16:creationId xmlns:a16="http://schemas.microsoft.com/office/drawing/2014/main" id="{1BAAA4B3-6A48-4462-8866-A5DEB5AA90C9}"/>
+              </a:ext>
+            </a:extLst>
+          </p:cNvPr>
+          <p:cNvSpPr txBox="1"/>
+          <p:nvPr/>
+        </p:nvSpPr>
+        <p:spPr>
+          <a:xfrm>
+            <a:off x="7897920" y="3420145"/>
+            <a:ext cx="393056" cy="253916"/>
+          </a:xfrm>
+          <a:prstGeom prst="rect">
+            <a:avLst/>
+          </a:prstGeom>
+          <a:noFill/>
+        </p:spPr>
+        <p:txBody>
+          <a:bodyPr wrap="none" rtlCol="0">
+            <a:spAutoFit/>
+          </a:bodyPr>
+          <a:lstStyle/>
+          <a:p>
+            <a:r>
+              <a:rPr kumimoji="1" lang="en-US" altLang="ja-JP" sz="1050" dirty="0"/>
+              <a:t>(...)</a:t>
+            </a:r>
+            <a:endParaRPr kumimoji="1" lang="ja-JP" altLang="en-US" sz="1050" dirty="0"/>
+          </a:p>
+        </p:txBody>
+      </p:sp>
+      <p:sp>
+        <p:nvSpPr>
+          <p:cNvPr id="76" name="円柱 75">
+            <a:extLst>
+              <a:ext uri="{FF2B5EF4-FFF2-40B4-BE49-F238E27FC236}">
+                <a16:creationId xmlns:a16="http://schemas.microsoft.com/office/drawing/2014/main" id="{2496346B-927E-4DC9-B844-974F86124EBC}"/>
+              </a:ext>
+            </a:extLst>
+          </p:cNvPr>
+          <p:cNvSpPr/>
+          <p:nvPr/>
+        </p:nvSpPr>
+        <p:spPr>
+          <a:xfrm rot="16200000">
+            <a:off x="-324819" y="2733424"/>
+            <a:ext cx="4040533" cy="418123"/>
+          </a:xfrm>
+          <a:prstGeom prst="can">
+            <a:avLst/>
+          </a:prstGeom>
+          <a:solidFill>
+            <a:schemeClr val="accent1">
+              <a:alpha val="50000"/>
+            </a:schemeClr>
+          </a:solidFill>
+          <a:ln>
+            <a:noFill/>
+          </a:ln>
+        </p:spPr>
+        <p:style>
+          <a:lnRef idx="0">
+            <a:scrgbClr r="0" g="0" b="0"/>
+          </a:lnRef>
+          <a:fillRef idx="0">
+            <a:scrgbClr r="0" g="0" b="0"/>
+          </a:fillRef>
+          <a:effectRef idx="0">
+            <a:scrgbClr r="0" g="0" b="0"/>
+          </a:effectRef>
+          <a:fontRef idx="minor">
+            <a:schemeClr val="lt1"/>
+          </a:fontRef>
+        </p:style>
+        <p:txBody>
+          <a:bodyPr rtlCol="0" anchor="ctr"/>
+          <a:lstStyle/>
+          <a:p>
+            <a:pPr algn="ctr"/>
+            <a:r>
+              <a:rPr kumimoji="1" lang="en-US" altLang="ja-JP" sz="1050" dirty="0">
+                <a:solidFill>
+                  <a:schemeClr val="tx2"/>
+                </a:solidFill>
+              </a:rPr>
+              <a:t>ChannelHandler</a:t>
+            </a:r>
+            <a:endParaRPr kumimoji="1" lang="ja-JP" altLang="en-US" sz="1050" dirty="0">
+              <a:solidFill>
+                <a:schemeClr val="tx2"/>
+              </a:solidFill>
+            </a:endParaRPr>
+          </a:p>
+        </p:txBody>
+      </p:sp>
+      <p:sp>
+        <p:nvSpPr>
+          <p:cNvPr id="77" name="円柱 76">
+            <a:extLst>
+              <a:ext uri="{FF2B5EF4-FFF2-40B4-BE49-F238E27FC236}">
+                <a16:creationId xmlns:a16="http://schemas.microsoft.com/office/drawing/2014/main" id="{CAC30087-43A1-4DD6-B723-F2B2E47E57C5}"/>
+              </a:ext>
+            </a:extLst>
+          </p:cNvPr>
+          <p:cNvSpPr/>
+          <p:nvPr/>
+        </p:nvSpPr>
+        <p:spPr>
+          <a:xfrm rot="16200000">
+            <a:off x="2437971" y="3512478"/>
+            <a:ext cx="3060796" cy="418123"/>
+          </a:xfrm>
+          <a:prstGeom prst="can">
+            <a:avLst/>
+          </a:prstGeom>
+          <a:solidFill>
+            <a:schemeClr val="accent1">
+              <a:alpha val="50000"/>
+            </a:schemeClr>
+          </a:solidFill>
+          <a:ln>
+            <a:noFill/>
+          </a:ln>
+        </p:spPr>
+        <p:style>
+          <a:lnRef idx="0">
+            <a:scrgbClr r="0" g="0" b="0"/>
+          </a:lnRef>
+          <a:fillRef idx="0">
+            <a:scrgbClr r="0" g="0" b="0"/>
+          </a:fillRef>
+          <a:effectRef idx="0">
+            <a:scrgbClr r="0" g="0" b="0"/>
+          </a:effectRef>
+          <a:fontRef idx="minor">
+            <a:schemeClr val="lt1"/>
+          </a:fontRef>
+        </p:style>
+        <p:txBody>
+          <a:bodyPr rtlCol="0" anchor="ctr"/>
+          <a:lstStyle/>
+          <a:p>
+            <a:pPr algn="ctr"/>
+            <a:r>
+              <a:rPr kumimoji="1" lang="en-US" altLang="ja-JP" sz="1050" dirty="0">
+                <a:solidFill>
+                  <a:schemeClr val="tx2"/>
+                </a:solidFill>
+              </a:rPr>
+              <a:t>ChannelHandler</a:t>
+            </a:r>
+            <a:endParaRPr kumimoji="1" lang="ja-JP" altLang="en-US" sz="1050" dirty="0">
+              <a:solidFill>
+                <a:schemeClr val="tx2"/>
+              </a:solidFill>
+            </a:endParaRPr>
+          </a:p>
+        </p:txBody>
+      </p:sp>
+      <p:sp>
+        <p:nvSpPr>
+          <p:cNvPr id="78" name="円柱 77">
+            <a:extLst>
+              <a:ext uri="{FF2B5EF4-FFF2-40B4-BE49-F238E27FC236}">
+                <a16:creationId xmlns:a16="http://schemas.microsoft.com/office/drawing/2014/main" id="{674A946B-8FB5-4657-8C50-3C8349A1A591}"/>
+              </a:ext>
+            </a:extLst>
+          </p:cNvPr>
+          <p:cNvSpPr/>
+          <p:nvPr/>
+        </p:nvSpPr>
+        <p:spPr>
+          <a:xfrm rot="16200000">
+            <a:off x="5695864" y="2183308"/>
+            <a:ext cx="2940304" cy="418123"/>
+          </a:xfrm>
+          <a:prstGeom prst="can">
+            <a:avLst/>
+          </a:prstGeom>
+          <a:solidFill>
+            <a:schemeClr val="accent1">
+              <a:alpha val="50000"/>
+            </a:schemeClr>
+          </a:solidFill>
+          <a:ln>
+            <a:noFill/>
+          </a:ln>
+        </p:spPr>
+        <p:style>
+          <a:lnRef idx="0">
+            <a:scrgbClr r="0" g="0" b="0"/>
+          </a:lnRef>
+          <a:fillRef idx="0">
+            <a:scrgbClr r="0" g="0" b="0"/>
+          </a:fillRef>
+          <a:effectRef idx="0">
+            <a:scrgbClr r="0" g="0" b="0"/>
+          </a:effectRef>
+          <a:fontRef idx="minor">
+            <a:schemeClr val="lt1"/>
+          </a:fontRef>
+        </p:style>
+        <p:txBody>
+          <a:bodyPr rtlCol="0" anchor="ctr"/>
+          <a:lstStyle/>
+          <a:p>
+            <a:pPr algn="ctr"/>
+            <a:r>
+              <a:rPr kumimoji="1" lang="en-US" altLang="ja-JP" sz="1050" dirty="0">
+                <a:solidFill>
+                  <a:schemeClr val="tx2"/>
+                </a:solidFill>
+              </a:rPr>
+              <a:t>ChannelHandler</a:t>
+            </a:r>
+            <a:endParaRPr kumimoji="1" lang="ja-JP" altLang="en-US" sz="1050" dirty="0">
+              <a:solidFill>
+                <a:schemeClr val="tx2"/>
+              </a:solidFill>
+            </a:endParaRPr>
+          </a:p>
+        </p:txBody>
+      </p:sp>
+      <p:sp>
+        <p:nvSpPr>
+          <p:cNvPr id="92" name="正方形/長方形 91">
+            <a:extLst>
+              <a:ext uri="{FF2B5EF4-FFF2-40B4-BE49-F238E27FC236}">
+                <a16:creationId xmlns:a16="http://schemas.microsoft.com/office/drawing/2014/main" id="{810D7B6F-62E3-41E6-96C1-0366684E9224}"/>
+              </a:ext>
+            </a:extLst>
+          </p:cNvPr>
+          <p:cNvSpPr/>
+          <p:nvPr/>
+        </p:nvSpPr>
+        <p:spPr>
+          <a:xfrm>
+            <a:off x="2334201" y="3575353"/>
+            <a:ext cx="1141046" cy="675956"/>
+          </a:xfrm>
+          <a:prstGeom prst="rect">
+            <a:avLst/>
+          </a:prstGeom>
+          <a:noFill/>
+          <a:ln>
+            <a:solidFill>
+              <a:schemeClr val="accent3"/>
+            </a:solidFill>
+            <a:prstDash val="sysDash"/>
+          </a:ln>
+        </p:spPr>
+        <p:style>
+          <a:lnRef idx="2">
+            <a:schemeClr val="accent1">
+              <a:shade val="50000"/>
+            </a:schemeClr>
+          </a:lnRef>
+          <a:fillRef idx="1">
+            <a:schemeClr val="accent1"/>
+          </a:fillRef>
+          <a:effectRef idx="0">
+            <a:schemeClr val="accent1"/>
+          </a:effectRef>
+          <a:fontRef idx="minor">
+            <a:schemeClr val="lt1"/>
+          </a:fontRef>
+        </p:style>
+        <p:txBody>
+          <a:bodyPr rtlCol="0" anchor="ctr"/>
+          <a:lstStyle/>
+          <a:p>
+            <a:pPr algn="ctr"/>
+            <a:endParaRPr kumimoji="1" lang="ja-JP" altLang="en-US" dirty="0"/>
+          </a:p>
+        </p:txBody>
+      </p:sp>
+      <p:sp>
+        <p:nvSpPr>
+          <p:cNvPr id="93" name="正方形/長方形 92">
+            <a:extLst>
+              <a:ext uri="{FF2B5EF4-FFF2-40B4-BE49-F238E27FC236}">
+                <a16:creationId xmlns:a16="http://schemas.microsoft.com/office/drawing/2014/main" id="{B611D7BB-E59C-42B7-9A4D-76302C388754}"/>
+              </a:ext>
+            </a:extLst>
+          </p:cNvPr>
+          <p:cNvSpPr/>
+          <p:nvPr/>
+        </p:nvSpPr>
+        <p:spPr>
+          <a:xfrm>
+            <a:off x="2334201" y="2747077"/>
+            <a:ext cx="1141046" cy="687671"/>
+          </a:xfrm>
+          <a:prstGeom prst="rect">
+            <a:avLst/>
+          </a:prstGeom>
+          <a:noFill/>
+          <a:ln>
+            <a:solidFill>
+              <a:schemeClr val="accent3"/>
+            </a:solidFill>
+            <a:prstDash val="sysDash"/>
+          </a:ln>
+        </p:spPr>
+        <p:style>
+          <a:lnRef idx="2">
+            <a:schemeClr val="accent1">
+              <a:shade val="50000"/>
+            </a:schemeClr>
+          </a:lnRef>
+          <a:fillRef idx="1">
+            <a:schemeClr val="accent1"/>
+          </a:fillRef>
+          <a:effectRef idx="0">
+            <a:schemeClr val="accent1"/>
+          </a:effectRef>
+          <a:fontRef idx="minor">
+            <a:schemeClr val="lt1"/>
+          </a:fontRef>
+        </p:style>
+        <p:txBody>
+          <a:bodyPr rtlCol="0" anchor="ctr"/>
+          <a:lstStyle/>
+          <a:p>
+            <a:pPr algn="ctr"/>
+            <a:endParaRPr kumimoji="1" lang="ja-JP" altLang="en-US" dirty="0"/>
+          </a:p>
+        </p:txBody>
+      </p:sp>
+      <p:sp>
+        <p:nvSpPr>
+          <p:cNvPr id="95" name="正方形/長方形 94">
+            <a:extLst>
+              <a:ext uri="{FF2B5EF4-FFF2-40B4-BE49-F238E27FC236}">
+                <a16:creationId xmlns:a16="http://schemas.microsoft.com/office/drawing/2014/main" id="{5C1BAFA6-0EDE-4D57-ABF8-32951FF9DF79}"/>
+              </a:ext>
+            </a:extLst>
+          </p:cNvPr>
+          <p:cNvSpPr/>
+          <p:nvPr/>
+        </p:nvSpPr>
+        <p:spPr>
+          <a:xfrm>
+            <a:off x="2334201" y="2145216"/>
+            <a:ext cx="1141046" cy="434001"/>
+          </a:xfrm>
+          <a:prstGeom prst="rect">
+            <a:avLst/>
+          </a:prstGeom>
+          <a:noFill/>
+          <a:ln>
+            <a:solidFill>
+              <a:schemeClr val="accent3"/>
+            </a:solidFill>
+            <a:prstDash val="sysDash"/>
+          </a:ln>
+        </p:spPr>
+        <p:style>
+          <a:lnRef idx="2">
+            <a:schemeClr val="accent1">
+              <a:shade val="50000"/>
+            </a:schemeClr>
+          </a:lnRef>
+          <a:fillRef idx="1">
+            <a:schemeClr val="accent1"/>
+          </a:fillRef>
+          <a:effectRef idx="0">
+            <a:schemeClr val="accent1"/>
+          </a:effectRef>
+          <a:fontRef idx="minor">
+            <a:schemeClr val="lt1"/>
+          </a:fontRef>
+        </p:style>
+        <p:txBody>
+          <a:bodyPr rtlCol="0" anchor="ctr"/>
+          <a:lstStyle/>
+          <a:p>
+            <a:pPr algn="ctr"/>
+            <a:endParaRPr kumimoji="1" lang="ja-JP" altLang="en-US" dirty="0"/>
+          </a:p>
+        </p:txBody>
+      </p:sp>
+      <p:cxnSp>
+        <p:nvCxnSpPr>
+          <p:cNvPr id="100" name="直線コネクタ 99">
+            <a:extLst>
+              <a:ext uri="{FF2B5EF4-FFF2-40B4-BE49-F238E27FC236}">
+                <a16:creationId xmlns:a16="http://schemas.microsoft.com/office/drawing/2014/main" id="{3000368A-BC63-4B4B-81BF-0619B755D6D9}"/>
+              </a:ext>
+            </a:extLst>
+          </p:cNvPr>
+          <p:cNvCxnSpPr>
+            <a:cxnSpLocks/>
+            <a:stCxn id="101" idx="2"/>
+          </p:cNvCxnSpPr>
+          <p:nvPr/>
+        </p:nvCxnSpPr>
+        <p:spPr>
+          <a:xfrm>
+            <a:off x="2885184" y="1930289"/>
+            <a:ext cx="0" cy="3448669"/>
+          </a:xfrm>
+          <a:prstGeom prst="line">
+            <a:avLst/>
+          </a:prstGeom>
+        </p:spPr>
+        <p:style>
+          <a:lnRef idx="1">
+            <a:schemeClr val="accent1"/>
+          </a:lnRef>
+          <a:fillRef idx="0">
+            <a:schemeClr val="accent1"/>
+          </a:fillRef>
+          <a:effectRef idx="0">
+            <a:schemeClr val="accent1"/>
+          </a:effectRef>
+          <a:fontRef idx="minor">
+            <a:schemeClr val="tx1"/>
+          </a:fontRef>
+        </p:style>
+      </p:cxnSp>
+      <p:sp>
+        <p:nvSpPr>
+          <p:cNvPr id="101" name="四角形: 角を丸くする 100">
+            <a:extLst>
+              <a:ext uri="{FF2B5EF4-FFF2-40B4-BE49-F238E27FC236}">
+                <a16:creationId xmlns:a16="http://schemas.microsoft.com/office/drawing/2014/main" id="{74D47FD0-7CCD-44F6-968E-3F909CB19E39}"/>
+              </a:ext>
+            </a:extLst>
+          </p:cNvPr>
+          <p:cNvSpPr/>
+          <p:nvPr/>
+        </p:nvSpPr>
+        <p:spPr>
+          <a:xfrm>
+            <a:off x="2451430" y="1578598"/>
+            <a:ext cx="867508" cy="351691"/>
+          </a:xfrm>
+          <a:prstGeom prst="roundRect">
+            <a:avLst/>
+          </a:prstGeom>
+        </p:spPr>
+        <p:style>
+          <a:lnRef idx="1">
+            <a:schemeClr val="accent6"/>
+          </a:lnRef>
+          <a:fillRef idx="2">
+            <a:schemeClr val="accent6"/>
+          </a:fillRef>
+          <a:effectRef idx="1">
+            <a:schemeClr val="accent6"/>
+          </a:effectRef>
+          <a:fontRef idx="minor">
+            <a:schemeClr val="dk1"/>
+          </a:fontRef>
+        </p:style>
+        <p:txBody>
+          <a:bodyPr rtlCol="0" anchor="ctr"/>
+          <a:lstStyle/>
+          <a:p>
+            <a:pPr algn="ctr"/>
+            <a:r>
+              <a:rPr kumimoji="1" lang="ja-JP" altLang="en-US" sz="1050" dirty="0"/>
+              <a:t>サーバ側</a:t>
+            </a:r>
+            <a:endParaRPr kumimoji="1" lang="en-US" altLang="ja-JP" sz="1050" dirty="0"/>
+          </a:p>
+          <a:p>
+            <a:pPr algn="ctr"/>
+            <a:r>
+              <a:rPr kumimoji="1" lang="ja-JP" altLang="en-US" sz="1050" dirty="0"/>
+              <a:t>スレッド</a:t>
+            </a:r>
+          </a:p>
+        </p:txBody>
+      </p:sp>
+      <p:sp>
+        <p:nvSpPr>
+          <p:cNvPr id="103" name="四角形: 角を丸くする 102">
+            <a:extLst>
+              <a:ext uri="{FF2B5EF4-FFF2-40B4-BE49-F238E27FC236}">
+                <a16:creationId xmlns:a16="http://schemas.microsoft.com/office/drawing/2014/main" id="{6EBF475A-8D63-4355-89D1-EA7FC0CCFF16}"/>
+              </a:ext>
+            </a:extLst>
+          </p:cNvPr>
+          <p:cNvSpPr/>
+          <p:nvPr/>
+        </p:nvSpPr>
+        <p:spPr>
+          <a:xfrm>
+            <a:off x="2451430" y="2332794"/>
+            <a:ext cx="867508" cy="203198"/>
+          </a:xfrm>
+          <a:prstGeom prst="roundRect">
+            <a:avLst/>
+          </a:prstGeom>
+          <a:ln>
+            <a:solidFill>
+              <a:schemeClr val="accent3"/>
+            </a:solidFill>
+          </a:ln>
+        </p:spPr>
+        <p:style>
+          <a:lnRef idx="1">
+            <a:schemeClr val="accent4"/>
+          </a:lnRef>
+          <a:fillRef idx="2">
+            <a:schemeClr val="accent4"/>
+          </a:fillRef>
+          <a:effectRef idx="1">
+            <a:schemeClr val="accent4"/>
+          </a:effectRef>
+          <a:fontRef idx="minor">
+            <a:schemeClr val="dk1"/>
+          </a:fontRef>
+        </p:style>
+        <p:txBody>
+          <a:bodyPr rtlCol="0" anchor="ctr"/>
+          <a:lstStyle/>
+          <a:p>
+            <a:pPr algn="ctr"/>
+            <a:r>
+              <a:rPr kumimoji="1" lang="en-US" altLang="ja-JP" sz="1050" dirty="0"/>
+              <a:t>read</a:t>
+            </a:r>
+          </a:p>
+        </p:txBody>
+      </p:sp>
+      <p:sp>
+        <p:nvSpPr>
+          <p:cNvPr id="105" name="四角形: 角を丸くする 104">
+            <a:extLst>
+              <a:ext uri="{FF2B5EF4-FFF2-40B4-BE49-F238E27FC236}">
+                <a16:creationId xmlns:a16="http://schemas.microsoft.com/office/drawing/2014/main" id="{7CF74844-51DA-499B-83FE-333E9E6C292A}"/>
+              </a:ext>
+            </a:extLst>
+          </p:cNvPr>
+          <p:cNvSpPr/>
+          <p:nvPr/>
+        </p:nvSpPr>
+        <p:spPr>
+          <a:xfrm>
+            <a:off x="2451430" y="2903311"/>
+            <a:ext cx="867508" cy="203198"/>
+          </a:xfrm>
+          <a:prstGeom prst="roundRect">
+            <a:avLst/>
+          </a:prstGeom>
+          <a:solidFill>
+            <a:schemeClr val="accent5">
+              <a:lumMod val="40000"/>
+              <a:lumOff val="60000"/>
+            </a:schemeClr>
+          </a:solidFill>
+          <a:ln>
+            <a:solidFill>
+              <a:schemeClr val="accent3"/>
+            </a:solidFill>
+          </a:ln>
+        </p:spPr>
+        <p:style>
+          <a:lnRef idx="1">
+            <a:schemeClr val="accent4"/>
+          </a:lnRef>
+          <a:fillRef idx="2">
+            <a:schemeClr val="accent4"/>
+          </a:fillRef>
+          <a:effectRef idx="1">
+            <a:schemeClr val="accent4"/>
+          </a:effectRef>
+          <a:fontRef idx="minor">
+            <a:schemeClr val="dk1"/>
+          </a:fontRef>
+        </p:style>
+        <p:txBody>
+          <a:bodyPr rtlCol="0" anchor="ctr"/>
+          <a:lstStyle/>
+          <a:p>
+            <a:pPr algn="ctr"/>
+            <a:r>
+              <a:rPr kumimoji="1" lang="en-US" altLang="ja-JP" sz="1050" dirty="0"/>
+              <a:t>write</a:t>
+            </a:r>
+          </a:p>
+        </p:txBody>
+      </p:sp>
+      <p:sp>
+        <p:nvSpPr>
+          <p:cNvPr id="107" name="四角形: 角を丸くする 106">
+            <a:extLst>
+              <a:ext uri="{FF2B5EF4-FFF2-40B4-BE49-F238E27FC236}">
+                <a16:creationId xmlns:a16="http://schemas.microsoft.com/office/drawing/2014/main" id="{F4C419A9-1C06-4224-9773-953D91156D22}"/>
+              </a:ext>
+            </a:extLst>
+          </p:cNvPr>
+          <p:cNvSpPr/>
+          <p:nvPr/>
+        </p:nvSpPr>
+        <p:spPr>
+          <a:xfrm>
+            <a:off x="2451430" y="3739551"/>
+            <a:ext cx="867508" cy="203198"/>
+          </a:xfrm>
+          <a:prstGeom prst="roundRect">
+            <a:avLst/>
+          </a:prstGeom>
+          <a:ln>
+            <a:solidFill>
+              <a:schemeClr val="accent3"/>
+            </a:solidFill>
+          </a:ln>
+        </p:spPr>
+        <p:style>
+          <a:lnRef idx="1">
+            <a:schemeClr val="accent4"/>
+          </a:lnRef>
+          <a:fillRef idx="2">
+            <a:schemeClr val="accent4"/>
+          </a:fillRef>
+          <a:effectRef idx="1">
+            <a:schemeClr val="accent4"/>
+          </a:effectRef>
+          <a:fontRef idx="minor">
+            <a:schemeClr val="dk1"/>
+          </a:fontRef>
+        </p:style>
+        <p:txBody>
+          <a:bodyPr rtlCol="0" anchor="ctr"/>
+          <a:lstStyle/>
+          <a:p>
+            <a:pPr algn="ctr"/>
+            <a:r>
+              <a:rPr kumimoji="1" lang="en-US" altLang="ja-JP" sz="1050" dirty="0"/>
+              <a:t>read</a:t>
+            </a:r>
+          </a:p>
+        </p:txBody>
+      </p:sp>
+      <p:sp>
+        <p:nvSpPr>
+          <p:cNvPr id="109" name="四角形: 角を丸くする 108">
+            <a:extLst>
+              <a:ext uri="{FF2B5EF4-FFF2-40B4-BE49-F238E27FC236}">
+                <a16:creationId xmlns:a16="http://schemas.microsoft.com/office/drawing/2014/main" id="{84AE4002-A971-423F-87AF-792B4737945E}"/>
+              </a:ext>
+            </a:extLst>
+          </p:cNvPr>
+          <p:cNvSpPr/>
+          <p:nvPr/>
+        </p:nvSpPr>
+        <p:spPr>
+          <a:xfrm>
+            <a:off x="2451430" y="4544542"/>
+            <a:ext cx="867508" cy="218831"/>
+          </a:xfrm>
+          <a:prstGeom prst="roundRect">
+            <a:avLst/>
+          </a:prstGeom>
+          <a:solidFill>
+            <a:schemeClr val="bg1">
+              <a:lumMod val="85000"/>
+            </a:schemeClr>
+          </a:solidFill>
+          <a:ln>
+            <a:solidFill>
+              <a:schemeClr val="accent3"/>
+            </a:solidFill>
+          </a:ln>
+        </p:spPr>
+        <p:style>
+          <a:lnRef idx="1">
+            <a:schemeClr val="accent4"/>
+          </a:lnRef>
+          <a:fillRef idx="2">
+            <a:schemeClr val="accent4"/>
+          </a:fillRef>
+          <a:effectRef idx="1">
+            <a:schemeClr val="accent4"/>
+          </a:effectRef>
+          <a:fontRef idx="minor">
+            <a:schemeClr val="dk1"/>
+          </a:fontRef>
+        </p:style>
+        <p:txBody>
+          <a:bodyPr rtlCol="0" anchor="ctr"/>
+          <a:lstStyle/>
+          <a:p>
+            <a:pPr algn="ctr"/>
+            <a:r>
+              <a:rPr kumimoji="1" lang="en-US" altLang="ja-JP" sz="1050" dirty="0"/>
+              <a:t>close</a:t>
+            </a:r>
+            <a:endParaRPr kumimoji="1" lang="ja-JP" altLang="en-US" sz="1050" dirty="0"/>
+          </a:p>
+        </p:txBody>
+      </p:sp>
+      <p:sp>
+        <p:nvSpPr>
+          <p:cNvPr id="115" name="四角形: 角を丸くする 114">
+            <a:extLst>
+              <a:ext uri="{FF2B5EF4-FFF2-40B4-BE49-F238E27FC236}">
+                <a16:creationId xmlns:a16="http://schemas.microsoft.com/office/drawing/2014/main" id="{027BE332-3F3A-45A2-9701-9B1CEEDB553D}"/>
+              </a:ext>
+            </a:extLst>
+          </p:cNvPr>
+          <p:cNvSpPr/>
+          <p:nvPr/>
+        </p:nvSpPr>
+        <p:spPr>
+          <a:xfrm>
+            <a:off x="2451430" y="3169031"/>
+            <a:ext cx="867508" cy="203198"/>
+          </a:xfrm>
+          <a:prstGeom prst="roundRect">
+            <a:avLst/>
+          </a:prstGeom>
+          <a:ln>
+            <a:solidFill>
+              <a:schemeClr val="accent3"/>
+            </a:solidFill>
+          </a:ln>
+        </p:spPr>
+        <p:style>
+          <a:lnRef idx="1">
+            <a:schemeClr val="accent4"/>
+          </a:lnRef>
+          <a:fillRef idx="2">
+            <a:schemeClr val="accent4"/>
+          </a:fillRef>
+          <a:effectRef idx="1">
+            <a:schemeClr val="accent4"/>
+          </a:effectRef>
+          <a:fontRef idx="minor">
+            <a:schemeClr val="dk1"/>
+          </a:fontRef>
+        </p:style>
+        <p:txBody>
+          <a:bodyPr rtlCol="0" anchor="ctr"/>
+          <a:lstStyle/>
+          <a:p>
+            <a:pPr algn="ctr"/>
+            <a:r>
+              <a:rPr kumimoji="1" lang="en-US" altLang="ja-JP" sz="1050" dirty="0"/>
+              <a:t>read</a:t>
+            </a:r>
+          </a:p>
+        </p:txBody>
+      </p:sp>
+      <p:sp>
+        <p:nvSpPr>
+          <p:cNvPr id="116" name="四角形: 角を丸くする 115">
+            <a:extLst>
+              <a:ext uri="{FF2B5EF4-FFF2-40B4-BE49-F238E27FC236}">
+                <a16:creationId xmlns:a16="http://schemas.microsoft.com/office/drawing/2014/main" id="{5F486677-69F9-4AAD-8D97-4462CFCAFE0A}"/>
+              </a:ext>
+            </a:extLst>
+          </p:cNvPr>
+          <p:cNvSpPr/>
+          <p:nvPr/>
+        </p:nvSpPr>
+        <p:spPr>
+          <a:xfrm>
+            <a:off x="2451430" y="3997461"/>
+            <a:ext cx="867508" cy="203198"/>
+          </a:xfrm>
+          <a:prstGeom prst="roundRect">
+            <a:avLst/>
+          </a:prstGeom>
+          <a:solidFill>
+            <a:schemeClr val="accent5">
+              <a:lumMod val="40000"/>
+              <a:lumOff val="60000"/>
+            </a:schemeClr>
+          </a:solidFill>
+          <a:ln>
+            <a:solidFill>
+              <a:schemeClr val="accent3"/>
+            </a:solidFill>
+          </a:ln>
+        </p:spPr>
+        <p:style>
+          <a:lnRef idx="1">
+            <a:schemeClr val="accent4"/>
+          </a:lnRef>
+          <a:fillRef idx="2">
+            <a:schemeClr val="accent4"/>
+          </a:fillRef>
+          <a:effectRef idx="1">
+            <a:schemeClr val="accent4"/>
+          </a:effectRef>
+          <a:fontRef idx="minor">
+            <a:schemeClr val="dk1"/>
+          </a:fontRef>
+        </p:style>
+        <p:txBody>
+          <a:bodyPr rtlCol="0" anchor="ctr"/>
+          <a:lstStyle/>
+          <a:p>
+            <a:pPr algn="ctr"/>
+            <a:r>
+              <a:rPr kumimoji="1" lang="en-US" altLang="ja-JP" sz="1050" dirty="0"/>
+              <a:t>write</a:t>
+            </a:r>
+          </a:p>
+        </p:txBody>
+      </p:sp>
+      <p:sp>
+        <p:nvSpPr>
+          <p:cNvPr id="126" name="四角形: 角を丸くする 125">
+            <a:extLst>
+              <a:ext uri="{FF2B5EF4-FFF2-40B4-BE49-F238E27FC236}">
+                <a16:creationId xmlns:a16="http://schemas.microsoft.com/office/drawing/2014/main" id="{A6D190D9-C996-4729-8BC6-FCA4A0E8E084}"/>
+              </a:ext>
+            </a:extLst>
+          </p:cNvPr>
+          <p:cNvSpPr/>
+          <p:nvPr/>
+        </p:nvSpPr>
+        <p:spPr>
+          <a:xfrm>
+            <a:off x="2451430" y="2047528"/>
+            <a:ext cx="867508" cy="218831"/>
+          </a:xfrm>
+          <a:prstGeom prst="roundRect">
+            <a:avLst/>
+          </a:prstGeom>
+          <a:solidFill>
+            <a:srgbClr val="FFCCCC"/>
+          </a:solidFill>
+          <a:ln>
+            <a:solidFill>
+              <a:schemeClr val="accent3"/>
+            </a:solidFill>
+          </a:ln>
+        </p:spPr>
+        <p:style>
+          <a:lnRef idx="1">
+            <a:schemeClr val="accent4"/>
+          </a:lnRef>
+          <a:fillRef idx="2">
+            <a:schemeClr val="accent4"/>
+          </a:fillRef>
+          <a:effectRef idx="1">
+            <a:schemeClr val="accent4"/>
+          </a:effectRef>
+          <a:fontRef idx="minor">
+            <a:schemeClr val="dk1"/>
+          </a:fontRef>
+        </p:style>
+        <p:txBody>
+          <a:bodyPr rtlCol="0" anchor="ctr"/>
+          <a:lstStyle/>
+          <a:p>
+            <a:pPr algn="ctr"/>
+            <a:r>
+              <a:rPr lang="en-US" altLang="ja-JP" sz="1050" dirty="0"/>
+              <a:t>select</a:t>
+            </a:r>
+            <a:endParaRPr kumimoji="1" lang="ja-JP" altLang="en-US" sz="1050" dirty="0"/>
+          </a:p>
+        </p:txBody>
+      </p:sp>
+      <p:sp>
+        <p:nvSpPr>
+          <p:cNvPr id="127" name="四角形: 角を丸くする 126">
+            <a:extLst>
+              <a:ext uri="{FF2B5EF4-FFF2-40B4-BE49-F238E27FC236}">
+                <a16:creationId xmlns:a16="http://schemas.microsoft.com/office/drawing/2014/main" id="{D0012657-A99C-4197-A720-3F7E85A21A64}"/>
+              </a:ext>
+            </a:extLst>
+          </p:cNvPr>
+          <p:cNvSpPr/>
+          <p:nvPr/>
+        </p:nvSpPr>
+        <p:spPr>
+          <a:xfrm>
+            <a:off x="2451430" y="2625862"/>
+            <a:ext cx="867508" cy="218831"/>
+          </a:xfrm>
+          <a:prstGeom prst="roundRect">
+            <a:avLst/>
+          </a:prstGeom>
+          <a:solidFill>
+            <a:srgbClr val="FFCCCC"/>
+          </a:solidFill>
+          <a:ln>
+            <a:solidFill>
+              <a:schemeClr val="accent3"/>
+            </a:solidFill>
+          </a:ln>
+        </p:spPr>
+        <p:style>
+          <a:lnRef idx="1">
+            <a:schemeClr val="accent4"/>
+          </a:lnRef>
+          <a:fillRef idx="2">
+            <a:schemeClr val="accent4"/>
+          </a:fillRef>
+          <a:effectRef idx="1">
+            <a:schemeClr val="accent4"/>
+          </a:effectRef>
+          <a:fontRef idx="minor">
+            <a:schemeClr val="dk1"/>
+          </a:fontRef>
+        </p:style>
+        <p:txBody>
+          <a:bodyPr rtlCol="0" anchor="ctr"/>
+          <a:lstStyle/>
+          <a:p>
+            <a:pPr algn="ctr"/>
+            <a:r>
+              <a:rPr lang="en-US" altLang="ja-JP" sz="1050" dirty="0"/>
+              <a:t>select</a:t>
+            </a:r>
+            <a:endParaRPr kumimoji="1" lang="ja-JP" altLang="en-US" sz="1050" dirty="0"/>
+          </a:p>
+        </p:txBody>
+      </p:sp>
+      <p:sp>
+        <p:nvSpPr>
+          <p:cNvPr id="130" name="四角形: 角を丸くする 129">
+            <a:extLst>
+              <a:ext uri="{FF2B5EF4-FFF2-40B4-BE49-F238E27FC236}">
+                <a16:creationId xmlns:a16="http://schemas.microsoft.com/office/drawing/2014/main" id="{501D9E22-2ACB-4D6A-8B11-E19245D5253E}"/>
+              </a:ext>
+            </a:extLst>
+          </p:cNvPr>
+          <p:cNvSpPr/>
+          <p:nvPr/>
+        </p:nvSpPr>
+        <p:spPr>
+          <a:xfrm>
+            <a:off x="2451430" y="3469918"/>
+            <a:ext cx="867508" cy="218831"/>
+          </a:xfrm>
+          <a:prstGeom prst="roundRect">
+            <a:avLst/>
+          </a:prstGeom>
+          <a:solidFill>
+            <a:srgbClr val="FFCCCC"/>
+          </a:solidFill>
+          <a:ln>
+            <a:solidFill>
+              <a:schemeClr val="accent3"/>
+            </a:solidFill>
+          </a:ln>
+        </p:spPr>
+        <p:style>
+          <a:lnRef idx="1">
+            <a:schemeClr val="accent4"/>
+          </a:lnRef>
+          <a:fillRef idx="2">
+            <a:schemeClr val="accent4"/>
+          </a:fillRef>
+          <a:effectRef idx="1">
+            <a:schemeClr val="accent4"/>
+          </a:effectRef>
+          <a:fontRef idx="minor">
+            <a:schemeClr val="dk1"/>
+          </a:fontRef>
+        </p:style>
+        <p:txBody>
+          <a:bodyPr rtlCol="0" anchor="ctr"/>
+          <a:lstStyle/>
+          <a:p>
+            <a:pPr algn="ctr"/>
+            <a:r>
+              <a:rPr lang="en-US" altLang="ja-JP" sz="1050" dirty="0"/>
+              <a:t>select</a:t>
+            </a:r>
+            <a:endParaRPr kumimoji="1" lang="ja-JP" altLang="en-US" sz="1050" dirty="0"/>
+          </a:p>
+        </p:txBody>
+      </p:sp>
+      <p:sp>
+        <p:nvSpPr>
+          <p:cNvPr id="137" name="テキスト ボックス 136">
+            <a:extLst>
+              <a:ext uri="{FF2B5EF4-FFF2-40B4-BE49-F238E27FC236}">
+                <a16:creationId xmlns:a16="http://schemas.microsoft.com/office/drawing/2014/main" id="{CDBCD9B8-2FBF-4413-BA10-31F505D877A0}"/>
+              </a:ext>
+            </a:extLst>
+          </p:cNvPr>
+          <p:cNvSpPr txBox="1"/>
+          <p:nvPr/>
+        </p:nvSpPr>
+        <p:spPr>
+          <a:xfrm>
+            <a:off x="2803934" y="4286638"/>
+            <a:ext cx="393056" cy="253916"/>
+          </a:xfrm>
+          <a:prstGeom prst="rect">
+            <a:avLst/>
+          </a:prstGeom>
+          <a:noFill/>
+        </p:spPr>
+        <p:txBody>
+          <a:bodyPr wrap="none" rtlCol="0">
+            <a:spAutoFit/>
+          </a:bodyPr>
+          <a:lstStyle/>
+          <a:p>
+            <a:r>
+              <a:rPr kumimoji="1" lang="en-US" altLang="ja-JP" sz="1050" dirty="0"/>
+              <a:t>(...)</a:t>
+            </a:r>
+            <a:endParaRPr kumimoji="1" lang="ja-JP" altLang="en-US" sz="1050" dirty="0"/>
+          </a:p>
+        </p:txBody>
+      </p:sp>
+      <p:sp>
+        <p:nvSpPr>
+          <p:cNvPr id="138" name="四角形: 角を丸くする 137">
+            <a:extLst>
+              <a:ext uri="{FF2B5EF4-FFF2-40B4-BE49-F238E27FC236}">
+                <a16:creationId xmlns:a16="http://schemas.microsoft.com/office/drawing/2014/main" id="{A520BF3F-1A34-4580-98DB-B0330215872E}"/>
+              </a:ext>
+            </a:extLst>
+          </p:cNvPr>
+          <p:cNvSpPr/>
+          <p:nvPr/>
+        </p:nvSpPr>
+        <p:spPr>
+          <a:xfrm>
+            <a:off x="2451430" y="4963619"/>
+            <a:ext cx="867508" cy="218831"/>
+          </a:xfrm>
+          <a:prstGeom prst="roundRect">
+            <a:avLst/>
+          </a:prstGeom>
+          <a:solidFill>
+            <a:schemeClr val="bg1">
+              <a:lumMod val="85000"/>
+            </a:schemeClr>
+          </a:solidFill>
+          <a:ln>
+            <a:solidFill>
+              <a:schemeClr val="accent3"/>
+            </a:solidFill>
+          </a:ln>
+        </p:spPr>
+        <p:style>
+          <a:lnRef idx="1">
+            <a:schemeClr val="accent4"/>
+          </a:lnRef>
+          <a:fillRef idx="2">
+            <a:schemeClr val="accent4"/>
+          </a:fillRef>
+          <a:effectRef idx="1">
+            <a:schemeClr val="accent4"/>
+          </a:effectRef>
+          <a:fontRef idx="minor">
+            <a:schemeClr val="dk1"/>
+          </a:fontRef>
+        </p:style>
+        <p:txBody>
+          <a:bodyPr rtlCol="0" anchor="ctr"/>
+          <a:lstStyle/>
+          <a:p>
+            <a:pPr algn="ctr"/>
+            <a:r>
+              <a:rPr kumimoji="1" lang="en-US" altLang="ja-JP" sz="1050" dirty="0"/>
+              <a:t>close</a:t>
+            </a:r>
+            <a:endParaRPr kumimoji="1" lang="ja-JP" altLang="en-US" sz="1050" dirty="0"/>
+          </a:p>
+        </p:txBody>
+      </p:sp>
+      <p:sp>
+        <p:nvSpPr>
+          <p:cNvPr id="139" name="テキスト ボックス 138">
+            <a:extLst>
+              <a:ext uri="{FF2B5EF4-FFF2-40B4-BE49-F238E27FC236}">
+                <a16:creationId xmlns:a16="http://schemas.microsoft.com/office/drawing/2014/main" id="{75B8BF0D-1B68-4F3A-83CB-3CD15D0C8329}"/>
+              </a:ext>
+            </a:extLst>
+          </p:cNvPr>
+          <p:cNvSpPr txBox="1"/>
+          <p:nvPr/>
+        </p:nvSpPr>
+        <p:spPr>
+          <a:xfrm>
+            <a:off x="2803934" y="4766244"/>
+            <a:ext cx="393056" cy="253916"/>
+          </a:xfrm>
+          <a:prstGeom prst="rect">
+            <a:avLst/>
+          </a:prstGeom>
+          <a:noFill/>
+        </p:spPr>
+        <p:txBody>
+          <a:bodyPr wrap="none" rtlCol="0">
+            <a:spAutoFit/>
+          </a:bodyPr>
+          <a:lstStyle/>
+          <a:p>
+            <a:r>
+              <a:rPr kumimoji="1" lang="en-US" altLang="ja-JP" sz="1050" dirty="0"/>
+              <a:t>(...)</a:t>
+            </a:r>
+            <a:endParaRPr kumimoji="1" lang="ja-JP" altLang="en-US" sz="1050" dirty="0"/>
+          </a:p>
+        </p:txBody>
+      </p:sp>
+      <p:sp>
+        <p:nvSpPr>
+          <p:cNvPr id="176" name="矢印: 上カーブ 175">
+            <a:extLst>
+              <a:ext uri="{FF2B5EF4-FFF2-40B4-BE49-F238E27FC236}">
+                <a16:creationId xmlns:a16="http://schemas.microsoft.com/office/drawing/2014/main" id="{6FA7D5E6-E1B3-4DC3-80BC-C6E2BEFF61E2}"/>
+              </a:ext>
+            </a:extLst>
+          </p:cNvPr>
+          <p:cNvSpPr/>
+          <p:nvPr/>
+        </p:nvSpPr>
+        <p:spPr>
+          <a:xfrm>
+            <a:off x="3809994" y="1265860"/>
+            <a:ext cx="758092" cy="382954"/>
+          </a:xfrm>
+          <a:prstGeom prst="curvedUpArrow">
+            <a:avLst/>
+          </a:prstGeom>
+        </p:spPr>
+        <p:style>
+          <a:lnRef idx="1">
+            <a:schemeClr val="accent4"/>
+          </a:lnRef>
+          <a:fillRef idx="2">
+            <a:schemeClr val="accent4"/>
+          </a:fillRef>
+          <a:effectRef idx="1">
+            <a:schemeClr val="accent4"/>
+          </a:effectRef>
+          <a:fontRef idx="minor">
+            <a:schemeClr val="dk1"/>
+          </a:fontRef>
+        </p:style>
+        <p:txBody>
+          <a:bodyPr rtlCol="0" anchor="ctr"/>
+          <a:lstStyle/>
+          <a:p>
+            <a:pPr algn="ctr"/>
+            <a:endParaRPr kumimoji="1" lang="ja-JP" altLang="en-US" dirty="0">
+              <a:solidFill>
+                <a:schemeClr val="tx1"/>
+              </a:solidFill>
+            </a:endParaRPr>
+          </a:p>
+        </p:txBody>
+      </p:sp>
+      <p:cxnSp>
+        <p:nvCxnSpPr>
+          <p:cNvPr id="178" name="直線矢印コネクタ 177">
+            <a:extLst>
+              <a:ext uri="{FF2B5EF4-FFF2-40B4-BE49-F238E27FC236}">
+                <a16:creationId xmlns:a16="http://schemas.microsoft.com/office/drawing/2014/main" id="{332D243E-1D6E-459B-968B-BED89CC15D9F}"/>
+              </a:ext>
+            </a:extLst>
+          </p:cNvPr>
+          <p:cNvCxnSpPr>
+            <a:cxnSpLocks/>
+            <a:stCxn id="53" idx="3"/>
+          </p:cNvCxnSpPr>
+          <p:nvPr/>
+        </p:nvCxnSpPr>
+        <p:spPr>
+          <a:xfrm>
+            <a:off x="4622794" y="1066672"/>
+            <a:ext cx="1197376" cy="543188"/>
+          </a:xfrm>
+          <a:prstGeom prst="straightConnector1">
+            <a:avLst/>
+          </a:prstGeom>
+          <a:ln>
+            <a:tailEnd type="triangle"/>
+          </a:ln>
+        </p:spPr>
+        <p:style>
+          <a:lnRef idx="1">
+            <a:schemeClr val="accent1"/>
+          </a:lnRef>
+          <a:fillRef idx="0">
+            <a:schemeClr val="accent1"/>
+          </a:fillRef>
+          <a:effectRef idx="0">
+            <a:schemeClr val="accent1"/>
+          </a:effectRef>
+          <a:fontRef idx="minor">
+            <a:schemeClr val="tx1"/>
+          </a:fontRef>
+        </p:style>
+      </p:cxnSp>
+      <p:cxnSp>
+        <p:nvCxnSpPr>
+          <p:cNvPr id="24" name="コネクタ: カギ線 23">
+            <a:extLst>
+              <a:ext uri="{FF2B5EF4-FFF2-40B4-BE49-F238E27FC236}">
+                <a16:creationId xmlns:a16="http://schemas.microsoft.com/office/drawing/2014/main" id="{56E1D0FD-77D6-4F13-9180-A6714D8E9964}"/>
+              </a:ext>
+            </a:extLst>
+          </p:cNvPr>
+          <p:cNvCxnSpPr>
+            <a:stCxn id="65" idx="1"/>
+          </p:cNvCxnSpPr>
+          <p:nvPr/>
+        </p:nvCxnSpPr>
+        <p:spPr>
+          <a:xfrm rot="10800000">
+            <a:off x="3993663" y="1265860"/>
+            <a:ext cx="418233" cy="1182212"/>
+          </a:xfrm>
+          <a:prstGeom prst="bentConnector2">
+            <a:avLst/>
+          </a:prstGeom>
+          <a:ln>
+            <a:tailEnd type="triangle"/>
+          </a:ln>
+        </p:spPr>
+        <p:style>
+          <a:lnRef idx="1">
+            <a:schemeClr val="accent1"/>
+          </a:lnRef>
+          <a:fillRef idx="0">
+            <a:schemeClr val="accent1"/>
+          </a:fillRef>
+          <a:effectRef idx="0">
+            <a:schemeClr val="accent1"/>
+          </a:effectRef>
+          <a:fontRef idx="minor">
+            <a:schemeClr val="tx1"/>
+          </a:fontRef>
+        </p:style>
+      </p:cxnSp>
+      <p:cxnSp>
+        <p:nvCxnSpPr>
+          <p:cNvPr id="179" name="直線矢印コネクタ 178">
+            <a:extLst>
+              <a:ext uri="{FF2B5EF4-FFF2-40B4-BE49-F238E27FC236}">
+                <a16:creationId xmlns:a16="http://schemas.microsoft.com/office/drawing/2014/main" id="{D36B250B-FE32-4FE2-A240-3B8535E93077}"/>
+              </a:ext>
+            </a:extLst>
+          </p:cNvPr>
+          <p:cNvCxnSpPr>
+            <a:cxnSpLocks/>
+          </p:cNvCxnSpPr>
+          <p:nvPr/>
+        </p:nvCxnSpPr>
+        <p:spPr>
+          <a:xfrm flipH="1">
+            <a:off x="3373646" y="1262083"/>
+            <a:ext cx="575354" cy="470786"/>
+          </a:xfrm>
+          <a:prstGeom prst="straightConnector1">
+            <a:avLst/>
+          </a:prstGeom>
+          <a:ln>
+            <a:tailEnd type="triangle"/>
+          </a:ln>
+        </p:spPr>
+        <p:style>
+          <a:lnRef idx="1">
+            <a:schemeClr val="accent1"/>
+          </a:lnRef>
+          <a:fillRef idx="0">
+            <a:schemeClr val="accent1"/>
+          </a:fillRef>
+          <a:effectRef idx="0">
+            <a:schemeClr val="accent1"/>
+          </a:effectRef>
+          <a:fontRef idx="minor">
+            <a:schemeClr val="tx1"/>
+          </a:fontRef>
+        </p:style>
+      </p:cxnSp>
+      <p:sp>
+        <p:nvSpPr>
+          <p:cNvPr id="181" name="正方形/長方形 180">
+            <a:extLst>
+              <a:ext uri="{FF2B5EF4-FFF2-40B4-BE49-F238E27FC236}">
+                <a16:creationId xmlns:a16="http://schemas.microsoft.com/office/drawing/2014/main" id="{FA432117-7FEB-4BCE-93BE-318AE2BCBAC3}"/>
+              </a:ext>
+            </a:extLst>
+          </p:cNvPr>
+          <p:cNvSpPr/>
+          <p:nvPr/>
+        </p:nvSpPr>
+        <p:spPr>
+          <a:xfrm>
+            <a:off x="5702941" y="2768442"/>
+            <a:ext cx="1141046" cy="420006"/>
+          </a:xfrm>
+          <a:prstGeom prst="rect">
+            <a:avLst/>
+          </a:prstGeom>
+          <a:noFill/>
+          <a:ln>
+            <a:solidFill>
+              <a:schemeClr val="accent3"/>
+            </a:solidFill>
+            <a:prstDash val="sysDash"/>
+          </a:ln>
+        </p:spPr>
+        <p:style>
+          <a:lnRef idx="2">
+            <a:schemeClr val="accent1">
+              <a:shade val="50000"/>
+            </a:schemeClr>
+          </a:lnRef>
+          <a:fillRef idx="1">
+            <a:schemeClr val="accent1"/>
+          </a:fillRef>
+          <a:effectRef idx="0">
+            <a:schemeClr val="accent1"/>
+          </a:effectRef>
+          <a:fontRef idx="minor">
+            <a:schemeClr val="lt1"/>
+          </a:fontRef>
+        </p:style>
+        <p:txBody>
+          <a:bodyPr rtlCol="0" anchor="ctr"/>
+          <a:lstStyle/>
+          <a:p>
+            <a:pPr algn="ctr"/>
+            <a:endParaRPr kumimoji="1" lang="ja-JP" altLang="en-US" dirty="0"/>
+          </a:p>
+        </p:txBody>
+      </p:sp>
+      <p:sp>
+        <p:nvSpPr>
+          <p:cNvPr id="182" name="正方形/長方形 181">
+            <a:extLst>
+              <a:ext uri="{FF2B5EF4-FFF2-40B4-BE49-F238E27FC236}">
+                <a16:creationId xmlns:a16="http://schemas.microsoft.com/office/drawing/2014/main" id="{DEA3610E-11F4-4C2B-8878-E1F3CEA5137D}"/>
+              </a:ext>
+            </a:extLst>
+          </p:cNvPr>
+          <p:cNvSpPr/>
+          <p:nvPr/>
+        </p:nvSpPr>
+        <p:spPr>
+          <a:xfrm>
+            <a:off x="5702941" y="2166580"/>
+            <a:ext cx="1141046" cy="434001"/>
+          </a:xfrm>
+          <a:prstGeom prst="rect">
+            <a:avLst/>
+          </a:prstGeom>
+          <a:noFill/>
+          <a:ln>
+            <a:solidFill>
+              <a:schemeClr val="accent3"/>
+            </a:solidFill>
+            <a:prstDash val="sysDash"/>
+          </a:ln>
+        </p:spPr>
+        <p:style>
+          <a:lnRef idx="2">
+            <a:schemeClr val="accent1">
+              <a:shade val="50000"/>
+            </a:schemeClr>
+          </a:lnRef>
+          <a:fillRef idx="1">
+            <a:schemeClr val="accent1"/>
+          </a:fillRef>
+          <a:effectRef idx="0">
+            <a:schemeClr val="accent1"/>
+          </a:effectRef>
+          <a:fontRef idx="minor">
+            <a:schemeClr val="lt1"/>
+          </a:fontRef>
+        </p:style>
+        <p:txBody>
+          <a:bodyPr rtlCol="0" anchor="ctr"/>
+          <a:lstStyle/>
+          <a:p>
+            <a:pPr algn="ctr"/>
+            <a:endParaRPr kumimoji="1" lang="ja-JP" altLang="en-US" dirty="0"/>
+          </a:p>
+        </p:txBody>
+      </p:sp>
+      <p:cxnSp>
+        <p:nvCxnSpPr>
+          <p:cNvPr id="183" name="直線コネクタ 182">
+            <a:extLst>
+              <a:ext uri="{FF2B5EF4-FFF2-40B4-BE49-F238E27FC236}">
+                <a16:creationId xmlns:a16="http://schemas.microsoft.com/office/drawing/2014/main" id="{2B0C2351-2EB5-4F60-81DF-5933C3D08CE4}"/>
+              </a:ext>
+            </a:extLst>
+          </p:cNvPr>
+          <p:cNvCxnSpPr>
+            <a:cxnSpLocks/>
+            <a:stCxn id="184" idx="2"/>
+          </p:cNvCxnSpPr>
+          <p:nvPr/>
+        </p:nvCxnSpPr>
+        <p:spPr>
+          <a:xfrm>
+            <a:off x="6253924" y="1951653"/>
+            <a:ext cx="0" cy="2143384"/>
+          </a:xfrm>
+          <a:prstGeom prst="line">
+            <a:avLst/>
+          </a:prstGeom>
+        </p:spPr>
+        <p:style>
+          <a:lnRef idx="1">
+            <a:schemeClr val="accent1"/>
+          </a:lnRef>
+          <a:fillRef idx="0">
+            <a:schemeClr val="accent1"/>
+          </a:fillRef>
+          <a:effectRef idx="0">
+            <a:schemeClr val="accent1"/>
+          </a:effectRef>
+          <a:fontRef idx="minor">
+            <a:schemeClr val="tx1"/>
+          </a:fontRef>
+        </p:style>
+      </p:cxnSp>
+      <p:sp>
+        <p:nvSpPr>
+          <p:cNvPr id="184" name="四角形: 角を丸くする 183">
+            <a:extLst>
+              <a:ext uri="{FF2B5EF4-FFF2-40B4-BE49-F238E27FC236}">
+                <a16:creationId xmlns:a16="http://schemas.microsoft.com/office/drawing/2014/main" id="{D3BD9998-EBAE-41EC-973E-251FE3AD57EB}"/>
+              </a:ext>
+            </a:extLst>
+          </p:cNvPr>
+          <p:cNvSpPr/>
+          <p:nvPr/>
+        </p:nvSpPr>
+        <p:spPr>
+          <a:xfrm>
+            <a:off x="5820170" y="1599962"/>
+            <a:ext cx="867508" cy="351691"/>
+          </a:xfrm>
+          <a:prstGeom prst="roundRect">
+            <a:avLst/>
+          </a:prstGeom>
+        </p:spPr>
+        <p:style>
+          <a:lnRef idx="1">
+            <a:schemeClr val="accent6"/>
+          </a:lnRef>
+          <a:fillRef idx="2">
+            <a:schemeClr val="accent6"/>
+          </a:fillRef>
+          <a:effectRef idx="1">
+            <a:schemeClr val="accent6"/>
+          </a:effectRef>
+          <a:fontRef idx="minor">
+            <a:schemeClr val="dk1"/>
+          </a:fontRef>
+        </p:style>
+        <p:txBody>
+          <a:bodyPr rtlCol="0" anchor="ctr"/>
+          <a:lstStyle/>
+          <a:p>
+            <a:pPr algn="ctr"/>
+            <a:r>
+              <a:rPr kumimoji="1" lang="ja-JP" altLang="en-US" sz="1050" dirty="0"/>
+              <a:t>サーバ側</a:t>
+            </a:r>
+            <a:endParaRPr kumimoji="1" lang="en-US" altLang="ja-JP" sz="1050" dirty="0"/>
+          </a:p>
+          <a:p>
+            <a:pPr algn="ctr"/>
+            <a:r>
+              <a:rPr kumimoji="1" lang="ja-JP" altLang="en-US" sz="1050" dirty="0"/>
+              <a:t>スレッド</a:t>
+            </a:r>
+          </a:p>
+        </p:txBody>
+      </p:sp>
+      <p:sp>
+        <p:nvSpPr>
+          <p:cNvPr id="185" name="四角形: 角を丸くする 184">
+            <a:extLst>
+              <a:ext uri="{FF2B5EF4-FFF2-40B4-BE49-F238E27FC236}">
+                <a16:creationId xmlns:a16="http://schemas.microsoft.com/office/drawing/2014/main" id="{1294C0D0-4509-4DA9-8E07-D34D8AE176D6}"/>
+              </a:ext>
+            </a:extLst>
+          </p:cNvPr>
+          <p:cNvSpPr/>
+          <p:nvPr/>
+        </p:nvSpPr>
+        <p:spPr>
+          <a:xfrm>
+            <a:off x="5820170" y="2354158"/>
+            <a:ext cx="867508" cy="203198"/>
+          </a:xfrm>
+          <a:prstGeom prst="roundRect">
+            <a:avLst/>
+          </a:prstGeom>
+          <a:ln>
+            <a:solidFill>
+              <a:schemeClr val="accent3"/>
+            </a:solidFill>
+          </a:ln>
+        </p:spPr>
+        <p:style>
+          <a:lnRef idx="1">
+            <a:schemeClr val="accent4"/>
+          </a:lnRef>
+          <a:fillRef idx="2">
+            <a:schemeClr val="accent4"/>
+          </a:fillRef>
+          <a:effectRef idx="1">
+            <a:schemeClr val="accent4"/>
+          </a:effectRef>
+          <a:fontRef idx="minor">
+            <a:schemeClr val="dk1"/>
+          </a:fontRef>
+        </p:style>
+        <p:txBody>
+          <a:bodyPr rtlCol="0" anchor="ctr"/>
+          <a:lstStyle/>
+          <a:p>
+            <a:pPr algn="ctr"/>
+            <a:r>
+              <a:rPr kumimoji="1" lang="en-US" altLang="ja-JP" sz="1050" dirty="0"/>
+              <a:t>read</a:t>
+            </a:r>
+          </a:p>
+        </p:txBody>
+      </p:sp>
+      <p:sp>
+        <p:nvSpPr>
+          <p:cNvPr id="186" name="四角形: 角を丸くする 185">
+            <a:extLst>
+              <a:ext uri="{FF2B5EF4-FFF2-40B4-BE49-F238E27FC236}">
+                <a16:creationId xmlns:a16="http://schemas.microsoft.com/office/drawing/2014/main" id="{B3BAA017-78AE-457B-A774-5AE61AA68960}"/>
+              </a:ext>
+            </a:extLst>
+          </p:cNvPr>
+          <p:cNvSpPr/>
+          <p:nvPr/>
+        </p:nvSpPr>
+        <p:spPr>
+          <a:xfrm>
+            <a:off x="5820170" y="2924675"/>
+            <a:ext cx="867508" cy="203198"/>
+          </a:xfrm>
+          <a:prstGeom prst="roundRect">
+            <a:avLst/>
+          </a:prstGeom>
+          <a:solidFill>
+            <a:schemeClr val="accent5">
+              <a:lumMod val="40000"/>
+              <a:lumOff val="60000"/>
+            </a:schemeClr>
+          </a:solidFill>
+          <a:ln>
+            <a:solidFill>
+              <a:schemeClr val="accent3"/>
+            </a:solidFill>
+          </a:ln>
+        </p:spPr>
+        <p:style>
+          <a:lnRef idx="1">
+            <a:schemeClr val="accent4"/>
+          </a:lnRef>
+          <a:fillRef idx="2">
+            <a:schemeClr val="accent4"/>
+          </a:fillRef>
+          <a:effectRef idx="1">
+            <a:schemeClr val="accent4"/>
+          </a:effectRef>
+          <a:fontRef idx="minor">
+            <a:schemeClr val="dk1"/>
+          </a:fontRef>
+        </p:style>
+        <p:txBody>
+          <a:bodyPr rtlCol="0" anchor="ctr"/>
+          <a:lstStyle/>
+          <a:p>
+            <a:pPr algn="ctr"/>
+            <a:r>
+              <a:rPr kumimoji="1" lang="en-US" altLang="ja-JP" sz="1050" dirty="0"/>
+              <a:t>write</a:t>
+            </a:r>
+          </a:p>
+        </p:txBody>
+      </p:sp>
+      <p:sp>
+        <p:nvSpPr>
+          <p:cNvPr id="188" name="四角形: 角を丸くする 187">
+            <a:extLst>
+              <a:ext uri="{FF2B5EF4-FFF2-40B4-BE49-F238E27FC236}">
+                <a16:creationId xmlns:a16="http://schemas.microsoft.com/office/drawing/2014/main" id="{C2623342-4E09-4FC3-BFD7-DC9C737646AB}"/>
+              </a:ext>
+            </a:extLst>
+          </p:cNvPr>
+          <p:cNvSpPr/>
+          <p:nvPr/>
+        </p:nvSpPr>
+        <p:spPr>
+          <a:xfrm>
+            <a:off x="5820170" y="3643691"/>
+            <a:ext cx="867508" cy="218831"/>
+          </a:xfrm>
+          <a:prstGeom prst="roundRect">
+            <a:avLst/>
+          </a:prstGeom>
+          <a:solidFill>
+            <a:schemeClr val="bg1">
+              <a:lumMod val="85000"/>
+            </a:schemeClr>
+          </a:solidFill>
+          <a:ln>
+            <a:solidFill>
+              <a:schemeClr val="accent3"/>
+            </a:solidFill>
+          </a:ln>
+        </p:spPr>
+        <p:style>
+          <a:lnRef idx="1">
+            <a:schemeClr val="accent4"/>
+          </a:lnRef>
+          <a:fillRef idx="2">
+            <a:schemeClr val="accent4"/>
+          </a:fillRef>
+          <a:effectRef idx="1">
+            <a:schemeClr val="accent4"/>
+          </a:effectRef>
+          <a:fontRef idx="minor">
+            <a:schemeClr val="dk1"/>
+          </a:fontRef>
+        </p:style>
+        <p:txBody>
+          <a:bodyPr rtlCol="0" anchor="ctr"/>
+          <a:lstStyle/>
+          <a:p>
+            <a:pPr algn="ctr"/>
+            <a:r>
+              <a:rPr kumimoji="1" lang="en-US" altLang="ja-JP" sz="1050" dirty="0"/>
+              <a:t>close</a:t>
+            </a:r>
+            <a:endParaRPr kumimoji="1" lang="ja-JP" altLang="en-US" sz="1050" dirty="0"/>
+          </a:p>
+        </p:txBody>
+      </p:sp>
+      <p:sp>
+        <p:nvSpPr>
+          <p:cNvPr id="191" name="四角形: 角を丸くする 190">
+            <a:extLst>
+              <a:ext uri="{FF2B5EF4-FFF2-40B4-BE49-F238E27FC236}">
+                <a16:creationId xmlns:a16="http://schemas.microsoft.com/office/drawing/2014/main" id="{66B389F4-8A5D-4630-8C29-E93830665AA7}"/>
+              </a:ext>
+            </a:extLst>
+          </p:cNvPr>
+          <p:cNvSpPr/>
+          <p:nvPr/>
+        </p:nvSpPr>
+        <p:spPr>
+          <a:xfrm>
+            <a:off x="5820170" y="2068892"/>
+            <a:ext cx="867508" cy="218831"/>
+          </a:xfrm>
+          <a:prstGeom prst="roundRect">
+            <a:avLst/>
+          </a:prstGeom>
+          <a:solidFill>
+            <a:srgbClr val="FFCCCC"/>
+          </a:solidFill>
+          <a:ln>
+            <a:solidFill>
+              <a:schemeClr val="accent3"/>
+            </a:solidFill>
+          </a:ln>
+        </p:spPr>
+        <p:style>
+          <a:lnRef idx="1">
+            <a:schemeClr val="accent4"/>
+          </a:lnRef>
+          <a:fillRef idx="2">
+            <a:schemeClr val="accent4"/>
+          </a:fillRef>
+          <a:effectRef idx="1">
+            <a:schemeClr val="accent4"/>
+          </a:effectRef>
+          <a:fontRef idx="minor">
+            <a:schemeClr val="dk1"/>
+          </a:fontRef>
+        </p:style>
+        <p:txBody>
+          <a:bodyPr rtlCol="0" anchor="ctr"/>
+          <a:lstStyle/>
+          <a:p>
+            <a:pPr algn="ctr"/>
+            <a:r>
+              <a:rPr lang="en-US" altLang="ja-JP" sz="1050" dirty="0"/>
+              <a:t>select</a:t>
+            </a:r>
+            <a:endParaRPr kumimoji="1" lang="ja-JP" altLang="en-US" sz="1050" dirty="0"/>
+          </a:p>
+        </p:txBody>
+      </p:sp>
+      <p:sp>
+        <p:nvSpPr>
+          <p:cNvPr id="192" name="四角形: 角を丸くする 191">
+            <a:extLst>
+              <a:ext uri="{FF2B5EF4-FFF2-40B4-BE49-F238E27FC236}">
+                <a16:creationId xmlns:a16="http://schemas.microsoft.com/office/drawing/2014/main" id="{39FDB0D1-8F20-491A-BA30-D8DA1E4F482D}"/>
+              </a:ext>
+            </a:extLst>
+          </p:cNvPr>
+          <p:cNvSpPr/>
+          <p:nvPr/>
+        </p:nvSpPr>
+        <p:spPr>
+          <a:xfrm>
+            <a:off x="5820170" y="2647226"/>
+            <a:ext cx="867508" cy="218831"/>
+          </a:xfrm>
+          <a:prstGeom prst="roundRect">
+            <a:avLst/>
+          </a:prstGeom>
+          <a:solidFill>
+            <a:srgbClr val="FFCCCC"/>
+          </a:solidFill>
+          <a:ln>
+            <a:solidFill>
+              <a:schemeClr val="accent3"/>
+            </a:solidFill>
+          </a:ln>
+        </p:spPr>
+        <p:style>
+          <a:lnRef idx="1">
+            <a:schemeClr val="accent4"/>
+          </a:lnRef>
+          <a:fillRef idx="2">
+            <a:schemeClr val="accent4"/>
+          </a:fillRef>
+          <a:effectRef idx="1">
+            <a:schemeClr val="accent4"/>
+          </a:effectRef>
+          <a:fontRef idx="minor">
+            <a:schemeClr val="dk1"/>
+          </a:fontRef>
+        </p:style>
+        <p:txBody>
+          <a:bodyPr rtlCol="0" anchor="ctr"/>
+          <a:lstStyle/>
+          <a:p>
+            <a:pPr algn="ctr"/>
+            <a:r>
+              <a:rPr lang="en-US" altLang="ja-JP" sz="1050" dirty="0"/>
+              <a:t>select</a:t>
+            </a:r>
+            <a:endParaRPr kumimoji="1" lang="ja-JP" altLang="en-US" sz="1050" dirty="0"/>
+          </a:p>
+        </p:txBody>
+      </p:sp>
+      <p:sp>
+        <p:nvSpPr>
+          <p:cNvPr id="194" name="テキスト ボックス 193">
+            <a:extLst>
+              <a:ext uri="{FF2B5EF4-FFF2-40B4-BE49-F238E27FC236}">
+                <a16:creationId xmlns:a16="http://schemas.microsoft.com/office/drawing/2014/main" id="{48D3D411-343A-43E2-94D9-DFCE3ABA20E1}"/>
+              </a:ext>
+            </a:extLst>
+          </p:cNvPr>
+          <p:cNvSpPr txBox="1"/>
+          <p:nvPr/>
+        </p:nvSpPr>
+        <p:spPr>
+          <a:xfrm>
+            <a:off x="6172674" y="3385787"/>
+            <a:ext cx="393056" cy="253916"/>
+          </a:xfrm>
+          <a:prstGeom prst="rect">
+            <a:avLst/>
+          </a:prstGeom>
+          <a:noFill/>
+        </p:spPr>
+        <p:txBody>
+          <a:bodyPr wrap="none" rtlCol="0">
+            <a:spAutoFit/>
+          </a:bodyPr>
+          <a:lstStyle/>
+          <a:p>
+            <a:r>
+              <a:rPr kumimoji="1" lang="en-US" altLang="ja-JP" sz="1050" dirty="0"/>
+              <a:t>(...)</a:t>
+            </a:r>
+            <a:endParaRPr kumimoji="1" lang="ja-JP" altLang="en-US" sz="1050" dirty="0"/>
+          </a:p>
+        </p:txBody>
+      </p:sp>
+      <p:cxnSp>
+        <p:nvCxnSpPr>
+          <p:cNvPr id="177" name="直線矢印コネクタ 176">
+            <a:extLst>
+              <a:ext uri="{FF2B5EF4-FFF2-40B4-BE49-F238E27FC236}">
+                <a16:creationId xmlns:a16="http://schemas.microsoft.com/office/drawing/2014/main" id="{892BF74D-A7AB-4C01-9167-A25A56873A4F}"/>
+              </a:ext>
+            </a:extLst>
+          </p:cNvPr>
+          <p:cNvCxnSpPr>
+            <a:cxnSpLocks/>
+            <a:stCxn id="55" idx="3"/>
+          </p:cNvCxnSpPr>
+          <p:nvPr/>
+        </p:nvCxnSpPr>
+        <p:spPr>
+          <a:xfrm>
+            <a:off x="1137141" y="1074611"/>
+            <a:ext cx="2618145" cy="0"/>
+          </a:xfrm>
+          <a:prstGeom prst="straightConnector1">
+            <a:avLst/>
+          </a:prstGeom>
+          <a:ln>
+            <a:tailEnd type="triangle"/>
+          </a:ln>
+        </p:spPr>
+        <p:style>
+          <a:lnRef idx="1">
+            <a:schemeClr val="accent1"/>
+          </a:lnRef>
+          <a:fillRef idx="0">
+            <a:schemeClr val="accent1"/>
+          </a:fillRef>
+          <a:effectRef idx="0">
+            <a:schemeClr val="accent1"/>
+          </a:effectRef>
+          <a:fontRef idx="minor">
+            <a:schemeClr val="tx1"/>
+          </a:fontRef>
+        </p:style>
+      </p:cxnSp>
+      <p:sp>
+        <p:nvSpPr>
+          <p:cNvPr id="2" name="正方形/長方形 1">
+            <a:extLst>
+              <a:ext uri="{FF2B5EF4-FFF2-40B4-BE49-F238E27FC236}">
+                <a16:creationId xmlns:a16="http://schemas.microsoft.com/office/drawing/2014/main" id="{204A518B-5E60-4834-BB73-20FD9A9DB1BE}"/>
+              </a:ext>
+            </a:extLst>
+          </p:cNvPr>
+          <p:cNvSpPr/>
+          <p:nvPr/>
+        </p:nvSpPr>
+        <p:spPr>
+          <a:xfrm>
+            <a:off x="2182881" y="1996819"/>
+            <a:ext cx="1455289" cy="3255119"/>
+          </a:xfrm>
+          <a:prstGeom prst="rect">
+            <a:avLst/>
+          </a:prstGeom>
+          <a:solidFill>
+            <a:schemeClr val="accent3">
+              <a:alpha val="80000"/>
+            </a:schemeClr>
+          </a:solidFill>
+          <a:ln>
+            <a:noFill/>
+          </a:ln>
+        </p:spPr>
+        <p:style>
+          <a:lnRef idx="0">
+            <a:scrgbClr r="0" g="0" b="0"/>
+          </a:lnRef>
+          <a:fillRef idx="0">
+            <a:scrgbClr r="0" g="0" b="0"/>
+          </a:fillRef>
+          <a:effectRef idx="0">
+            <a:scrgbClr r="0" g="0" b="0"/>
+          </a:effectRef>
+          <a:fontRef idx="minor">
+            <a:schemeClr val="lt1"/>
+          </a:fontRef>
+        </p:style>
+        <p:txBody>
+          <a:bodyPr rtlCol="0" anchor="ctr"/>
+          <a:lstStyle/>
+          <a:p>
+            <a:pPr algn="ctr"/>
+            <a:r>
+              <a:rPr kumimoji="1" lang="en-US" altLang="ja-JP" dirty="0">
+                <a:solidFill>
+                  <a:schemeClr val="tx1"/>
+                </a:solidFill>
+              </a:rPr>
+              <a:t>Netty</a:t>
+            </a:r>
+            <a:r>
+              <a:rPr kumimoji="1" lang="ja-JP" altLang="en-US" dirty="0">
+                <a:solidFill>
+                  <a:schemeClr val="tx1"/>
+                </a:solidFill>
+              </a:rPr>
+              <a:t>側</a:t>
+            </a:r>
+            <a:endParaRPr kumimoji="1" lang="en-US" altLang="ja-JP" dirty="0">
+              <a:solidFill>
+                <a:schemeClr val="tx1"/>
+              </a:solidFill>
+            </a:endParaRPr>
+          </a:p>
+          <a:p>
+            <a:pPr algn="ctr"/>
+            <a:r>
+              <a:rPr lang="ja-JP" altLang="en-US" dirty="0">
+                <a:solidFill>
+                  <a:schemeClr val="tx1"/>
+                </a:solidFill>
+              </a:rPr>
+              <a:t>で隠蔽</a:t>
+            </a:r>
+            <a:endParaRPr kumimoji="1" lang="ja-JP" altLang="en-US" dirty="0">
+              <a:solidFill>
+                <a:schemeClr val="tx1"/>
+              </a:solidFill>
+            </a:endParaRPr>
+          </a:p>
+        </p:txBody>
+      </p:sp>
+      <p:sp>
+        <p:nvSpPr>
+          <p:cNvPr id="197" name="正方形/長方形 196">
+            <a:extLst>
+              <a:ext uri="{FF2B5EF4-FFF2-40B4-BE49-F238E27FC236}">
+                <a16:creationId xmlns:a16="http://schemas.microsoft.com/office/drawing/2014/main" id="{B9153CBF-40E0-4A5E-8978-25BD9335A2D1}"/>
+              </a:ext>
+            </a:extLst>
+          </p:cNvPr>
+          <p:cNvSpPr/>
+          <p:nvPr/>
+        </p:nvSpPr>
+        <p:spPr>
+          <a:xfrm>
+            <a:off x="5629653" y="2027978"/>
+            <a:ext cx="1281956" cy="1914771"/>
+          </a:xfrm>
+          <a:prstGeom prst="rect">
+            <a:avLst/>
+          </a:prstGeom>
+          <a:solidFill>
+            <a:schemeClr val="accent3">
+              <a:alpha val="80000"/>
+            </a:schemeClr>
+          </a:solidFill>
+          <a:ln>
+            <a:noFill/>
+          </a:ln>
+        </p:spPr>
+        <p:style>
+          <a:lnRef idx="0">
+            <a:scrgbClr r="0" g="0" b="0"/>
+          </a:lnRef>
+          <a:fillRef idx="0">
+            <a:scrgbClr r="0" g="0" b="0"/>
+          </a:fillRef>
+          <a:effectRef idx="0">
+            <a:scrgbClr r="0" g="0" b="0"/>
+          </a:effectRef>
+          <a:fontRef idx="minor">
+            <a:schemeClr val="lt1"/>
+          </a:fontRef>
+        </p:style>
+        <p:txBody>
+          <a:bodyPr rtlCol="0" anchor="ctr"/>
+          <a:lstStyle/>
+          <a:p>
+            <a:pPr algn="ctr"/>
+            <a:r>
+              <a:rPr kumimoji="1" lang="en-US" altLang="ja-JP" dirty="0">
+                <a:solidFill>
+                  <a:schemeClr val="tx1"/>
+                </a:solidFill>
+              </a:rPr>
+              <a:t>Netty</a:t>
+            </a:r>
+            <a:r>
+              <a:rPr kumimoji="1" lang="ja-JP" altLang="en-US" dirty="0">
+                <a:solidFill>
+                  <a:schemeClr val="tx1"/>
+                </a:solidFill>
+              </a:rPr>
+              <a:t>側</a:t>
+            </a:r>
+            <a:endParaRPr kumimoji="1" lang="en-US" altLang="ja-JP" dirty="0">
+              <a:solidFill>
+                <a:schemeClr val="tx1"/>
+              </a:solidFill>
+            </a:endParaRPr>
+          </a:p>
+          <a:p>
+            <a:pPr algn="ctr"/>
+            <a:r>
+              <a:rPr lang="ja-JP" altLang="en-US" dirty="0">
+                <a:solidFill>
+                  <a:schemeClr val="tx1"/>
+                </a:solidFill>
+              </a:rPr>
+              <a:t>で隠蔽</a:t>
+            </a:r>
+            <a:endParaRPr kumimoji="1" lang="ja-JP" altLang="en-US" dirty="0">
+              <a:solidFill>
+                <a:schemeClr val="tx1"/>
+              </a:solidFill>
+            </a:endParaRPr>
+          </a:p>
+        </p:txBody>
+      </p:sp>
+      <p:cxnSp>
+        <p:nvCxnSpPr>
+          <p:cNvPr id="200" name="直線矢印コネクタ 199">
+            <a:extLst>
+              <a:ext uri="{FF2B5EF4-FFF2-40B4-BE49-F238E27FC236}">
+                <a16:creationId xmlns:a16="http://schemas.microsoft.com/office/drawing/2014/main" id="{45930B74-9C9E-46FD-A5E7-88B6B85540A5}"/>
+              </a:ext>
+            </a:extLst>
+          </p:cNvPr>
+          <p:cNvCxnSpPr>
+            <a:cxnSpLocks/>
+          </p:cNvCxnSpPr>
+          <p:nvPr/>
+        </p:nvCxnSpPr>
+        <p:spPr>
+          <a:xfrm flipH="1">
+            <a:off x="3149259" y="1128355"/>
+            <a:ext cx="557457" cy="422978"/>
+          </a:xfrm>
+          <a:prstGeom prst="straightConnector1">
+            <a:avLst/>
+          </a:prstGeom>
+          <a:ln>
+            <a:tailEnd type="triangle"/>
+          </a:ln>
+        </p:spPr>
+        <p:style>
+          <a:lnRef idx="1">
+            <a:schemeClr val="accent1"/>
+          </a:lnRef>
+          <a:fillRef idx="0">
+            <a:schemeClr val="accent1"/>
+          </a:fillRef>
+          <a:effectRef idx="0">
+            <a:schemeClr val="accent1"/>
+          </a:effectRef>
+          <a:fontRef idx="minor">
+            <a:schemeClr val="tx1"/>
+          </a:fontRef>
+        </p:style>
+      </p:cxnSp>
+    </p:spTree>
+    <p:extLst>
+      <p:ext uri="{BB962C8B-B14F-4D97-AF65-F5344CB8AC3E}">
+        <p14:creationId xmlns:p14="http://schemas.microsoft.com/office/powerpoint/2010/main" val="785822696"/>
+      </p:ext>
+    </p:extLst>
+  </p:cSld>
+  <p:clrMapOvr>
+    <a:masterClrMapping/>
+  </p:clrMapOvr>
+</p:sld>
+</file>
+
+<file path=ppt/slides/slide8.xml><?xml version="1.0" encoding="utf-8"?>
+<p:sld xmlns:a="http://schemas.openxmlformats.org/drawingml/2006/main" xmlns:r="http://schemas.openxmlformats.org/officeDocument/2006/relationships" xmlns:p="http://schemas.openxmlformats.org/presentationml/2006/main">
+  <p:cSld>
+    <p:spTree>
+      <p:nvGrpSpPr>
+        <p:cNvPr id="1" name=""/>
+        <p:cNvGrpSpPr/>
+        <p:nvPr/>
+      </p:nvGrpSpPr>
+      <p:grpSpPr>
+        <a:xfrm>
+          <a:off x="0" y="0"/>
+          <a:ext cx="0" cy="0"/>
+          <a:chOff x="0" y="0"/>
+          <a:chExt cx="0" cy="0"/>
+        </a:xfrm>
+      </p:grpSpPr>
+      <p:sp>
+        <p:nvSpPr>
+          <p:cNvPr id="23" name="正方形/長方形 22">
+            <a:extLst>
+              <a:ext uri="{FF2B5EF4-FFF2-40B4-BE49-F238E27FC236}">
+                <a16:creationId xmlns:a16="http://schemas.microsoft.com/office/drawing/2014/main" id="{A7271E2A-A2A0-47A3-829B-A8FDBD96453C}"/>
+              </a:ext>
+            </a:extLst>
+          </p:cNvPr>
+          <p:cNvSpPr/>
+          <p:nvPr/>
+        </p:nvSpPr>
+        <p:spPr>
+          <a:xfrm>
+            <a:off x="97448" y="152404"/>
+            <a:ext cx="4630860" cy="4450858"/>
+          </a:xfrm>
+          <a:prstGeom prst="rect">
+            <a:avLst/>
+          </a:prstGeom>
+          <a:noFill/>
+          <a:ln w="3175">
+            <a:solidFill>
+              <a:schemeClr val="bg2"/>
+            </a:solidFill>
+          </a:ln>
+        </p:spPr>
+        <p:style>
+          <a:lnRef idx="2">
+            <a:schemeClr val="accent1">
+              <a:shade val="50000"/>
+            </a:schemeClr>
+          </a:lnRef>
+          <a:fillRef idx="1">
+            <a:schemeClr val="accent1"/>
+          </a:fillRef>
+          <a:effectRef idx="0">
+            <a:schemeClr val="accent1"/>
+          </a:effectRef>
+          <a:fontRef idx="minor">
+            <a:schemeClr val="lt1"/>
+          </a:fontRef>
+        </p:style>
+        <p:txBody>
+          <a:bodyPr rtlCol="0" anchor="ctr"/>
+          <a:lstStyle/>
+          <a:p>
+            <a:pPr algn="ctr"/>
+            <a:endParaRPr kumimoji="1" lang="ja-JP" altLang="en-US" dirty="0"/>
+          </a:p>
+        </p:txBody>
+      </p:sp>
+      <p:sp>
+        <p:nvSpPr>
+          <p:cNvPr id="12" name="四角形: 角を丸くする 11">
+            <a:extLst>
+              <a:ext uri="{FF2B5EF4-FFF2-40B4-BE49-F238E27FC236}">
+                <a16:creationId xmlns:a16="http://schemas.microsoft.com/office/drawing/2014/main" id="{56575021-9A6F-4850-80DB-9C2737575968}"/>
+              </a:ext>
+            </a:extLst>
+          </p:cNvPr>
+          <p:cNvSpPr/>
+          <p:nvPr/>
+        </p:nvSpPr>
+        <p:spPr>
+          <a:xfrm>
+            <a:off x="367324" y="638923"/>
+            <a:ext cx="1883507" cy="406400"/>
+          </a:xfrm>
+          <a:prstGeom prst="roundRect">
+            <a:avLst/>
+          </a:prstGeom>
+        </p:spPr>
+        <p:style>
+          <a:lnRef idx="1">
+            <a:schemeClr val="accent4"/>
+          </a:lnRef>
+          <a:fillRef idx="2">
+            <a:schemeClr val="accent4"/>
+          </a:fillRef>
+          <a:effectRef idx="1">
+            <a:schemeClr val="accent4"/>
+          </a:effectRef>
+          <a:fontRef idx="minor">
+            <a:schemeClr val="dk1"/>
+          </a:fontRef>
+        </p:style>
+        <p:txBody>
+          <a:bodyPr rtlCol="0" anchor="ctr"/>
+          <a:lstStyle/>
+          <a:p>
+            <a:pPr algn="ctr"/>
+            <a:r>
+              <a:rPr kumimoji="1" lang="en-US" altLang="ja-JP" sz="1050" dirty="0"/>
+              <a:t>ChannelInboundHandler</a:t>
+            </a:r>
+            <a:endParaRPr kumimoji="1" lang="ja-JP" altLang="en-US" sz="1050" dirty="0"/>
+          </a:p>
+        </p:txBody>
+      </p:sp>
+      <p:sp>
+        <p:nvSpPr>
+          <p:cNvPr id="16" name="矢印: 折線 15">
+            <a:extLst>
+              <a:ext uri="{FF2B5EF4-FFF2-40B4-BE49-F238E27FC236}">
+                <a16:creationId xmlns:a16="http://schemas.microsoft.com/office/drawing/2014/main" id="{867A01F0-047E-4462-A524-B5480D2FBC26}"/>
+              </a:ext>
+            </a:extLst>
+          </p:cNvPr>
+          <p:cNvSpPr/>
+          <p:nvPr/>
+        </p:nvSpPr>
+        <p:spPr>
+          <a:xfrm rot="5400000">
+            <a:off x="2653322" y="449393"/>
+            <a:ext cx="500185" cy="1195756"/>
+          </a:xfrm>
+          <a:prstGeom prst="bentArrow">
+            <a:avLst/>
+          </a:prstGeom>
+        </p:spPr>
+        <p:style>
+          <a:lnRef idx="1">
+            <a:schemeClr val="accent3"/>
+          </a:lnRef>
+          <a:fillRef idx="2">
+            <a:schemeClr val="accent3"/>
+          </a:fillRef>
+          <a:effectRef idx="1">
+            <a:schemeClr val="accent3"/>
+          </a:effectRef>
+          <a:fontRef idx="minor">
+            <a:schemeClr val="dk1"/>
+          </a:fontRef>
+        </p:style>
+        <p:txBody>
+          <a:bodyPr rtlCol="0" anchor="ctr"/>
+          <a:lstStyle/>
+          <a:p>
+            <a:pPr algn="ctr"/>
+            <a:endParaRPr kumimoji="1" lang="ja-JP" altLang="en-US" dirty="0">
+              <a:solidFill>
+                <a:schemeClr val="tx1"/>
+              </a:solidFill>
+            </a:endParaRPr>
+          </a:p>
+        </p:txBody>
+      </p:sp>
+      <p:sp>
+        <p:nvSpPr>
+          <p:cNvPr id="17" name="矢印: 上 16">
+            <a:extLst>
+              <a:ext uri="{FF2B5EF4-FFF2-40B4-BE49-F238E27FC236}">
+                <a16:creationId xmlns:a16="http://schemas.microsoft.com/office/drawing/2014/main" id="{A7D406D0-152F-4843-BD11-29B714F3CD7F}"/>
+              </a:ext>
+            </a:extLst>
+          </p:cNvPr>
+          <p:cNvSpPr/>
+          <p:nvPr/>
+        </p:nvSpPr>
+        <p:spPr>
+          <a:xfrm>
+            <a:off x="1180124" y="1109796"/>
+            <a:ext cx="250092" cy="2852606"/>
+          </a:xfrm>
+          <a:prstGeom prst="upArrow">
+            <a:avLst/>
+          </a:prstGeom>
+        </p:spPr>
+        <p:style>
+          <a:lnRef idx="1">
+            <a:schemeClr val="accent3"/>
+          </a:lnRef>
+          <a:fillRef idx="2">
+            <a:schemeClr val="accent3"/>
+          </a:fillRef>
+          <a:effectRef idx="1">
+            <a:schemeClr val="accent3"/>
+          </a:effectRef>
+          <a:fontRef idx="minor">
+            <a:schemeClr val="dk1"/>
+          </a:fontRef>
+        </p:style>
+        <p:txBody>
+          <a:bodyPr rtlCol="0" anchor="ctr"/>
+          <a:lstStyle/>
+          <a:p>
+            <a:pPr algn="ctr"/>
+            <a:endParaRPr kumimoji="1" lang="ja-JP" altLang="en-US" dirty="0"/>
+          </a:p>
+        </p:txBody>
+      </p:sp>
+      <p:sp>
+        <p:nvSpPr>
+          <p:cNvPr id="18" name="矢印: 上 17">
+            <a:extLst>
+              <a:ext uri="{FF2B5EF4-FFF2-40B4-BE49-F238E27FC236}">
+                <a16:creationId xmlns:a16="http://schemas.microsoft.com/office/drawing/2014/main" id="{4BF00173-7CF9-4CDD-A41F-006F1D8103BB}"/>
+              </a:ext>
+            </a:extLst>
+          </p:cNvPr>
+          <p:cNvSpPr/>
+          <p:nvPr/>
+        </p:nvSpPr>
+        <p:spPr>
+          <a:xfrm rot="10800000">
+            <a:off x="3251201" y="1543544"/>
+            <a:ext cx="250092" cy="2418858"/>
+          </a:xfrm>
+          <a:prstGeom prst="upArrow">
+            <a:avLst/>
+          </a:prstGeom>
+        </p:spPr>
+        <p:style>
+          <a:lnRef idx="1">
+            <a:schemeClr val="accent3"/>
+          </a:lnRef>
+          <a:fillRef idx="2">
+            <a:schemeClr val="accent3"/>
+          </a:fillRef>
+          <a:effectRef idx="1">
+            <a:schemeClr val="accent3"/>
+          </a:effectRef>
+          <a:fontRef idx="minor">
+            <a:schemeClr val="dk1"/>
+          </a:fontRef>
+        </p:style>
+        <p:txBody>
+          <a:bodyPr rtlCol="0" anchor="ctr"/>
+          <a:lstStyle/>
+          <a:p>
+            <a:pPr algn="ctr"/>
+            <a:endParaRPr kumimoji="1" lang="ja-JP" altLang="en-US" dirty="0"/>
+          </a:p>
+        </p:txBody>
+      </p:sp>
+      <p:sp>
+        <p:nvSpPr>
+          <p:cNvPr id="14" name="正方形/長方形 13">
+            <a:extLst>
+              <a:ext uri="{FF2B5EF4-FFF2-40B4-BE49-F238E27FC236}">
+                <a16:creationId xmlns:a16="http://schemas.microsoft.com/office/drawing/2014/main" id="{6A86D00E-7074-4397-A4F1-D5666DC00149}"/>
+              </a:ext>
+            </a:extLst>
+          </p:cNvPr>
+          <p:cNvSpPr/>
+          <p:nvPr/>
+        </p:nvSpPr>
+        <p:spPr>
+          <a:xfrm>
+            <a:off x="289170" y="1830756"/>
+            <a:ext cx="4103077" cy="705341"/>
+          </a:xfrm>
+          <a:prstGeom prst="rect">
+            <a:avLst/>
+          </a:prstGeom>
+          <a:solidFill>
+            <a:schemeClr val="accent5">
+              <a:lumMod val="20000"/>
+              <a:lumOff val="80000"/>
+            </a:schemeClr>
+          </a:solidFill>
+        </p:spPr>
+        <p:style>
+          <a:lnRef idx="1">
+            <a:schemeClr val="accent5"/>
+          </a:lnRef>
+          <a:fillRef idx="2">
+            <a:schemeClr val="accent5"/>
+          </a:fillRef>
+          <a:effectRef idx="1">
+            <a:schemeClr val="accent5"/>
+          </a:effectRef>
+          <a:fontRef idx="minor">
+            <a:schemeClr val="dk1"/>
+          </a:fontRef>
+        </p:style>
+        <p:txBody>
+          <a:bodyPr rtlCol="0" anchor="t"/>
+          <a:lstStyle/>
+          <a:p>
+            <a:pPr algn="ctr"/>
+            <a:r>
+              <a:rPr lang="en-US" altLang="ja-JP" sz="1050" dirty="0"/>
+              <a:t>ChannelDuplexHandler</a:t>
+            </a:r>
+          </a:p>
+        </p:txBody>
+      </p:sp>
+      <p:sp>
+        <p:nvSpPr>
+          <p:cNvPr id="5" name="四角形: 角を丸くする 4">
+            <a:extLst>
+              <a:ext uri="{FF2B5EF4-FFF2-40B4-BE49-F238E27FC236}">
+                <a16:creationId xmlns:a16="http://schemas.microsoft.com/office/drawing/2014/main" id="{5B7BFA15-BE28-418A-9C83-C4C564E195DF}"/>
+              </a:ext>
+            </a:extLst>
+          </p:cNvPr>
+          <p:cNvSpPr/>
+          <p:nvPr/>
+        </p:nvSpPr>
+        <p:spPr>
+          <a:xfrm>
+            <a:off x="367324" y="3329359"/>
+            <a:ext cx="3950678" cy="429846"/>
+          </a:xfrm>
+          <a:prstGeom prst="roundRect">
+            <a:avLst/>
+          </a:prstGeom>
+        </p:spPr>
+        <p:style>
+          <a:lnRef idx="1">
+            <a:schemeClr val="accent6"/>
+          </a:lnRef>
+          <a:fillRef idx="2">
+            <a:schemeClr val="accent6"/>
+          </a:fillRef>
+          <a:effectRef idx="1">
+            <a:schemeClr val="accent6"/>
+          </a:effectRef>
+          <a:fontRef idx="minor">
+            <a:schemeClr val="dk1"/>
+          </a:fontRef>
+        </p:style>
+        <p:txBody>
+          <a:bodyPr rtlCol="0" anchor="ctr"/>
+          <a:lstStyle/>
+          <a:p>
+            <a:pPr algn="ctr"/>
+            <a:r>
+              <a:rPr kumimoji="1" lang="en-US" altLang="ja-JP" dirty="0"/>
+              <a:t>Netty I/O EventLoop</a:t>
+            </a:r>
+            <a:endParaRPr kumimoji="1" lang="ja-JP" altLang="en-US" dirty="0"/>
+          </a:p>
+        </p:txBody>
+      </p:sp>
+      <p:sp>
+        <p:nvSpPr>
+          <p:cNvPr id="6" name="四角形: 角を丸くする 5">
+            <a:extLst>
+              <a:ext uri="{FF2B5EF4-FFF2-40B4-BE49-F238E27FC236}">
+                <a16:creationId xmlns:a16="http://schemas.microsoft.com/office/drawing/2014/main" id="{EC562777-089F-4AE3-B338-B5E91CC19F8E}"/>
+              </a:ext>
+            </a:extLst>
+          </p:cNvPr>
+          <p:cNvSpPr/>
+          <p:nvPr/>
+        </p:nvSpPr>
+        <p:spPr>
+          <a:xfrm>
+            <a:off x="367324" y="2649418"/>
+            <a:ext cx="1883507" cy="406400"/>
+          </a:xfrm>
+          <a:prstGeom prst="roundRect">
+            <a:avLst/>
+          </a:prstGeom>
+        </p:spPr>
+        <p:style>
+          <a:lnRef idx="1">
+            <a:schemeClr val="accent4"/>
+          </a:lnRef>
+          <a:fillRef idx="2">
+            <a:schemeClr val="accent4"/>
+          </a:fillRef>
+          <a:effectRef idx="1">
+            <a:schemeClr val="accent4"/>
+          </a:effectRef>
+          <a:fontRef idx="minor">
+            <a:schemeClr val="dk1"/>
+          </a:fontRef>
+        </p:style>
+        <p:txBody>
+          <a:bodyPr rtlCol="0" anchor="ctr"/>
+          <a:lstStyle/>
+          <a:p>
+            <a:pPr algn="ctr"/>
+            <a:r>
+              <a:rPr kumimoji="1" lang="en-US" altLang="ja-JP" sz="1050" dirty="0"/>
+              <a:t>ChannelInboundHandler</a:t>
+            </a:r>
+            <a:endParaRPr kumimoji="1" lang="ja-JP" altLang="en-US" sz="1050" dirty="0"/>
+          </a:p>
+        </p:txBody>
+      </p:sp>
+      <p:sp>
+        <p:nvSpPr>
+          <p:cNvPr id="7" name="四角形: 角を丸くする 6">
+            <a:extLst>
+              <a:ext uri="{FF2B5EF4-FFF2-40B4-BE49-F238E27FC236}">
+                <a16:creationId xmlns:a16="http://schemas.microsoft.com/office/drawing/2014/main" id="{135B9DCD-4CAC-4E52-96EF-480B890ED932}"/>
+              </a:ext>
+            </a:extLst>
+          </p:cNvPr>
+          <p:cNvSpPr/>
+          <p:nvPr/>
+        </p:nvSpPr>
+        <p:spPr>
+          <a:xfrm>
+            <a:off x="2434494" y="2649418"/>
+            <a:ext cx="1883507" cy="406400"/>
+          </a:xfrm>
+          <a:prstGeom prst="roundRect">
+            <a:avLst/>
+          </a:prstGeom>
+        </p:spPr>
+        <p:style>
+          <a:lnRef idx="1">
+            <a:schemeClr val="accent5"/>
+          </a:lnRef>
+          <a:fillRef idx="2">
+            <a:schemeClr val="accent5"/>
+          </a:fillRef>
+          <a:effectRef idx="1">
+            <a:schemeClr val="accent5"/>
+          </a:effectRef>
+          <a:fontRef idx="minor">
+            <a:schemeClr val="dk1"/>
+          </a:fontRef>
+        </p:style>
+        <p:txBody>
+          <a:bodyPr rtlCol="0" anchor="ctr"/>
+          <a:lstStyle/>
+          <a:p>
+            <a:pPr algn="ctr"/>
+            <a:r>
+              <a:rPr kumimoji="1" lang="en-US" altLang="ja-JP" sz="1050" dirty="0"/>
+              <a:t>ChannelOutboundHandler</a:t>
+            </a:r>
+            <a:endParaRPr kumimoji="1" lang="ja-JP" altLang="en-US" sz="1050" dirty="0"/>
+          </a:p>
+        </p:txBody>
+      </p:sp>
+      <p:sp>
+        <p:nvSpPr>
+          <p:cNvPr id="8" name="四角形: 角を丸くする 7">
+            <a:extLst>
+              <a:ext uri="{FF2B5EF4-FFF2-40B4-BE49-F238E27FC236}">
+                <a16:creationId xmlns:a16="http://schemas.microsoft.com/office/drawing/2014/main" id="{C3347EA8-0F5E-4E5B-A4D5-4E941E824CA3}"/>
+              </a:ext>
+            </a:extLst>
+          </p:cNvPr>
+          <p:cNvSpPr/>
+          <p:nvPr/>
+        </p:nvSpPr>
+        <p:spPr>
+          <a:xfrm>
+            <a:off x="367324" y="2067177"/>
+            <a:ext cx="1883507" cy="406400"/>
+          </a:xfrm>
+          <a:prstGeom prst="roundRect">
+            <a:avLst/>
+          </a:prstGeom>
+        </p:spPr>
+        <p:style>
+          <a:lnRef idx="1">
+            <a:schemeClr val="accent4"/>
+          </a:lnRef>
+          <a:fillRef idx="2">
+            <a:schemeClr val="accent4"/>
+          </a:fillRef>
+          <a:effectRef idx="1">
+            <a:schemeClr val="accent4"/>
+          </a:effectRef>
+          <a:fontRef idx="minor">
+            <a:schemeClr val="dk1"/>
+          </a:fontRef>
+        </p:style>
+        <p:txBody>
+          <a:bodyPr rtlCol="0" anchor="ctr"/>
+          <a:lstStyle/>
+          <a:p>
+            <a:pPr algn="ctr"/>
+            <a:r>
+              <a:rPr kumimoji="1" lang="en-US" altLang="ja-JP" sz="1050" dirty="0"/>
+              <a:t>ChannelInboundHandler</a:t>
+            </a:r>
+            <a:endParaRPr kumimoji="1" lang="ja-JP" altLang="en-US" sz="1050" dirty="0"/>
+          </a:p>
+        </p:txBody>
+      </p:sp>
+      <p:sp>
+        <p:nvSpPr>
+          <p:cNvPr id="9" name="四角形: 角を丸くする 8">
+            <a:extLst>
+              <a:ext uri="{FF2B5EF4-FFF2-40B4-BE49-F238E27FC236}">
+                <a16:creationId xmlns:a16="http://schemas.microsoft.com/office/drawing/2014/main" id="{58E46DAA-4734-44C7-8DED-B72CE2497BC3}"/>
+              </a:ext>
+            </a:extLst>
+          </p:cNvPr>
+          <p:cNvSpPr/>
+          <p:nvPr/>
+        </p:nvSpPr>
+        <p:spPr>
+          <a:xfrm>
+            <a:off x="2434494" y="2067177"/>
+            <a:ext cx="1883507" cy="406400"/>
+          </a:xfrm>
+          <a:prstGeom prst="roundRect">
+            <a:avLst/>
+          </a:prstGeom>
+        </p:spPr>
+        <p:style>
+          <a:lnRef idx="1">
+            <a:schemeClr val="accent5"/>
+          </a:lnRef>
+          <a:fillRef idx="2">
+            <a:schemeClr val="accent5"/>
+          </a:fillRef>
+          <a:effectRef idx="1">
+            <a:schemeClr val="accent5"/>
+          </a:effectRef>
+          <a:fontRef idx="minor">
+            <a:schemeClr val="dk1"/>
+          </a:fontRef>
+        </p:style>
+        <p:txBody>
+          <a:bodyPr rtlCol="0" anchor="ctr"/>
+          <a:lstStyle/>
+          <a:p>
+            <a:pPr algn="ctr"/>
+            <a:r>
+              <a:rPr kumimoji="1" lang="en-US" altLang="ja-JP" sz="1050" dirty="0"/>
+              <a:t>ChannelOutboundHandler</a:t>
+            </a:r>
+            <a:endParaRPr kumimoji="1" lang="ja-JP" altLang="en-US" sz="1050" dirty="0"/>
+          </a:p>
+        </p:txBody>
+      </p:sp>
+      <p:sp>
+        <p:nvSpPr>
+          <p:cNvPr id="10" name="四角形: 角を丸くする 9">
+            <a:extLst>
+              <a:ext uri="{FF2B5EF4-FFF2-40B4-BE49-F238E27FC236}">
+                <a16:creationId xmlns:a16="http://schemas.microsoft.com/office/drawing/2014/main" id="{8A31EAE7-DDB0-4F4E-906C-0F801527A763}"/>
+              </a:ext>
+            </a:extLst>
+          </p:cNvPr>
+          <p:cNvSpPr/>
+          <p:nvPr/>
+        </p:nvSpPr>
+        <p:spPr>
+          <a:xfrm>
+            <a:off x="367324" y="1328622"/>
+            <a:ext cx="1883507" cy="406400"/>
+          </a:xfrm>
+          <a:prstGeom prst="roundRect">
+            <a:avLst/>
+          </a:prstGeom>
+        </p:spPr>
+        <p:style>
+          <a:lnRef idx="1">
+            <a:schemeClr val="accent4"/>
+          </a:lnRef>
+          <a:fillRef idx="2">
+            <a:schemeClr val="accent4"/>
+          </a:fillRef>
+          <a:effectRef idx="1">
+            <a:schemeClr val="accent4"/>
+          </a:effectRef>
+          <a:fontRef idx="minor">
+            <a:schemeClr val="dk1"/>
+          </a:fontRef>
+        </p:style>
+        <p:txBody>
+          <a:bodyPr rtlCol="0" anchor="ctr"/>
+          <a:lstStyle/>
+          <a:p>
+            <a:pPr algn="ctr"/>
+            <a:r>
+              <a:rPr kumimoji="1" lang="en-US" altLang="ja-JP" sz="1050" dirty="0"/>
+              <a:t>ChannelInboundHandler</a:t>
+            </a:r>
+            <a:endParaRPr kumimoji="1" lang="ja-JP" altLang="en-US" sz="1050" dirty="0"/>
+          </a:p>
+        </p:txBody>
+      </p:sp>
+      <p:sp>
+        <p:nvSpPr>
+          <p:cNvPr id="11" name="四角形: 角を丸くする 10">
+            <a:extLst>
+              <a:ext uri="{FF2B5EF4-FFF2-40B4-BE49-F238E27FC236}">
+                <a16:creationId xmlns:a16="http://schemas.microsoft.com/office/drawing/2014/main" id="{0313B156-A6F7-4AD3-B787-C0FF5A76B988}"/>
+              </a:ext>
+            </a:extLst>
+          </p:cNvPr>
+          <p:cNvSpPr/>
+          <p:nvPr/>
+        </p:nvSpPr>
+        <p:spPr>
+          <a:xfrm>
+            <a:off x="2434494" y="1328622"/>
+            <a:ext cx="1883507" cy="406400"/>
+          </a:xfrm>
+          <a:prstGeom prst="roundRect">
+            <a:avLst/>
+          </a:prstGeom>
+        </p:spPr>
+        <p:style>
+          <a:lnRef idx="1">
+            <a:schemeClr val="accent5"/>
+          </a:lnRef>
+          <a:fillRef idx="2">
+            <a:schemeClr val="accent5"/>
+          </a:fillRef>
+          <a:effectRef idx="1">
+            <a:schemeClr val="accent5"/>
+          </a:effectRef>
+          <a:fontRef idx="minor">
+            <a:schemeClr val="dk1"/>
+          </a:fontRef>
+        </p:style>
+        <p:txBody>
+          <a:bodyPr rtlCol="0" anchor="ctr"/>
+          <a:lstStyle/>
+          <a:p>
+            <a:pPr algn="ctr"/>
+            <a:r>
+              <a:rPr kumimoji="1" lang="en-US" altLang="ja-JP" sz="1050" dirty="0"/>
+              <a:t>ChannelOutboundHandler</a:t>
+            </a:r>
+            <a:endParaRPr kumimoji="1" lang="ja-JP" altLang="en-US" sz="1050" dirty="0"/>
+          </a:p>
+        </p:txBody>
+      </p:sp>
+      <p:sp>
+        <p:nvSpPr>
+          <p:cNvPr id="19" name="正方形/長方形 18">
+            <a:extLst>
+              <a:ext uri="{FF2B5EF4-FFF2-40B4-BE49-F238E27FC236}">
+                <a16:creationId xmlns:a16="http://schemas.microsoft.com/office/drawing/2014/main" id="{FB5D4763-C456-41D1-9BB5-461F9C692BCF}"/>
+              </a:ext>
+            </a:extLst>
+          </p:cNvPr>
+          <p:cNvSpPr/>
+          <p:nvPr/>
+        </p:nvSpPr>
+        <p:spPr>
+          <a:xfrm>
+            <a:off x="226647" y="304802"/>
+            <a:ext cx="4267200" cy="2922954"/>
+          </a:xfrm>
+          <a:prstGeom prst="rect">
+            <a:avLst/>
+          </a:prstGeom>
+          <a:noFill/>
+          <a:ln w="9525">
+            <a:solidFill>
+              <a:srgbClr val="7030A0"/>
+            </a:solidFill>
+            <a:prstDash val="dash"/>
+          </a:ln>
+        </p:spPr>
+        <p:style>
+          <a:lnRef idx="2">
+            <a:schemeClr val="accent1">
+              <a:shade val="50000"/>
+            </a:schemeClr>
+          </a:lnRef>
+          <a:fillRef idx="1">
+            <a:schemeClr val="accent1"/>
+          </a:fillRef>
+          <a:effectRef idx="0">
+            <a:schemeClr val="accent1"/>
+          </a:effectRef>
+          <a:fontRef idx="minor">
+            <a:schemeClr val="lt1"/>
+          </a:fontRef>
+        </p:style>
+        <p:txBody>
+          <a:bodyPr rtlCol="0" anchor="t"/>
+          <a:lstStyle/>
+          <a:p>
+            <a:pPr algn="ctr"/>
+            <a:r>
+              <a:rPr kumimoji="1" lang="en-US" altLang="ja-JP" sz="1050" dirty="0">
+                <a:solidFill>
+                  <a:schemeClr val="tx1"/>
+                </a:solidFill>
+              </a:rPr>
+              <a:t>Channel Pipeline</a:t>
+            </a:r>
+            <a:endParaRPr kumimoji="1" lang="ja-JP" altLang="en-US" sz="1050" dirty="0">
+              <a:solidFill>
+                <a:schemeClr val="tx1"/>
+              </a:solidFill>
+            </a:endParaRPr>
+          </a:p>
+        </p:txBody>
+      </p:sp>
+      <p:sp>
+        <p:nvSpPr>
+          <p:cNvPr id="20" name="テキスト ボックス 19">
+            <a:extLst>
+              <a:ext uri="{FF2B5EF4-FFF2-40B4-BE49-F238E27FC236}">
+                <a16:creationId xmlns:a16="http://schemas.microsoft.com/office/drawing/2014/main" id="{5088820F-B9BD-4BB1-B6FD-4D71F325ABFC}"/>
+              </a:ext>
+            </a:extLst>
+          </p:cNvPr>
+          <p:cNvSpPr txBox="1"/>
+          <p:nvPr/>
+        </p:nvSpPr>
+        <p:spPr>
+          <a:xfrm>
+            <a:off x="2314096" y="580400"/>
+            <a:ext cx="2124299" cy="253916"/>
+          </a:xfrm>
+          <a:prstGeom prst="rect">
+            <a:avLst/>
+          </a:prstGeom>
+          <a:noFill/>
+        </p:spPr>
+        <p:txBody>
+          <a:bodyPr wrap="none" rtlCol="0">
+            <a:spAutoFit/>
+          </a:bodyPr>
+          <a:lstStyle/>
+          <a:p>
+            <a:r>
+              <a:rPr lang="en-US" altLang="ja-JP" sz="1050" dirty="0"/>
+              <a:t>ChannelHandlerContext.write()</a:t>
+            </a:r>
+            <a:endParaRPr kumimoji="1" lang="ja-JP" altLang="en-US" sz="1050" dirty="0"/>
+          </a:p>
+        </p:txBody>
+      </p:sp>
+      <p:sp>
+        <p:nvSpPr>
+          <p:cNvPr id="21" name="正方形/長方形 20">
+            <a:extLst>
+              <a:ext uri="{FF2B5EF4-FFF2-40B4-BE49-F238E27FC236}">
+                <a16:creationId xmlns:a16="http://schemas.microsoft.com/office/drawing/2014/main" id="{B6B05CAA-BB7D-4BD2-90C0-C3F7AB0D1CFE}"/>
+              </a:ext>
+            </a:extLst>
+          </p:cNvPr>
+          <p:cNvSpPr/>
+          <p:nvPr/>
+        </p:nvSpPr>
+        <p:spPr>
+          <a:xfrm>
+            <a:off x="894862" y="4058140"/>
+            <a:ext cx="820615" cy="386864"/>
+          </a:xfrm>
+          <a:prstGeom prst="rect">
+            <a:avLst/>
+          </a:prstGeom>
+        </p:spPr>
+        <p:style>
+          <a:lnRef idx="1">
+            <a:schemeClr val="accent2"/>
+          </a:lnRef>
+          <a:fillRef idx="2">
+            <a:schemeClr val="accent2"/>
+          </a:fillRef>
+          <a:effectRef idx="1">
+            <a:schemeClr val="accent2"/>
+          </a:effectRef>
+          <a:fontRef idx="minor">
+            <a:schemeClr val="dk1"/>
+          </a:fontRef>
+        </p:style>
+        <p:txBody>
+          <a:bodyPr rtlCol="0" anchor="ctr"/>
+          <a:lstStyle/>
+          <a:p>
+            <a:pPr algn="ctr"/>
+            <a:r>
+              <a:rPr kumimoji="1" lang="en-US" altLang="ja-JP" dirty="0"/>
+              <a:t>IN</a:t>
+            </a:r>
+            <a:endParaRPr kumimoji="1" lang="ja-JP" altLang="en-US" dirty="0"/>
+          </a:p>
+        </p:txBody>
+      </p:sp>
+      <p:sp>
+        <p:nvSpPr>
+          <p:cNvPr id="22" name="正方形/長方形 21">
+            <a:extLst>
+              <a:ext uri="{FF2B5EF4-FFF2-40B4-BE49-F238E27FC236}">
+                <a16:creationId xmlns:a16="http://schemas.microsoft.com/office/drawing/2014/main" id="{7DEF3CC7-4B4E-435B-AB00-BC9B98B0FA27}"/>
+              </a:ext>
+            </a:extLst>
+          </p:cNvPr>
+          <p:cNvSpPr/>
+          <p:nvPr/>
+        </p:nvSpPr>
+        <p:spPr>
+          <a:xfrm>
+            <a:off x="2965937" y="4058140"/>
+            <a:ext cx="820615" cy="386864"/>
+          </a:xfrm>
+          <a:prstGeom prst="rect">
+            <a:avLst/>
+          </a:prstGeom>
+        </p:spPr>
+        <p:style>
+          <a:lnRef idx="1">
+            <a:schemeClr val="accent2"/>
+          </a:lnRef>
+          <a:fillRef idx="2">
+            <a:schemeClr val="accent2"/>
+          </a:fillRef>
+          <a:effectRef idx="1">
+            <a:schemeClr val="accent2"/>
+          </a:effectRef>
+          <a:fontRef idx="minor">
+            <a:schemeClr val="dk1"/>
+          </a:fontRef>
+        </p:style>
+        <p:txBody>
+          <a:bodyPr rtlCol="0" anchor="ctr"/>
+          <a:lstStyle/>
+          <a:p>
+            <a:pPr algn="ctr"/>
+            <a:r>
+              <a:rPr kumimoji="1" lang="en-US" altLang="ja-JP" dirty="0"/>
+              <a:t>OUT</a:t>
+            </a:r>
+            <a:endParaRPr kumimoji="1" lang="ja-JP" altLang="en-US" dirty="0"/>
+          </a:p>
+        </p:txBody>
+      </p:sp>
+    </p:spTree>
+    <p:extLst>
+      <p:ext uri="{BB962C8B-B14F-4D97-AF65-F5344CB8AC3E}">
+        <p14:creationId xmlns:p14="http://schemas.microsoft.com/office/powerpoint/2010/main" val="2783406628"/>
+      </p:ext>
+    </p:extLst>
+  </p:cSld>
+  <p:clrMapOvr>
+    <a:masterClrMapping/>
+  </p:clrMapOvr>
+</p:sld>
+</file>
+
+<file path=ppt/slides/slide9.xml><?xml version="1.0" encoding="utf-8"?>
+<p:sld xmlns:a="http://schemas.openxmlformats.org/drawingml/2006/main" xmlns:r="http://schemas.openxmlformats.org/officeDocument/2006/relationships" xmlns:p="http://schemas.openxmlformats.org/presentationml/2006/main">
+  <p:cSld>
+    <p:spTree>
+      <p:nvGrpSpPr>
+        <p:cNvPr id="1" name=""/>
+        <p:cNvGrpSpPr/>
+        <p:nvPr/>
+      </p:nvGrpSpPr>
+      <p:grpSpPr>
+        <a:xfrm>
+          <a:off x="0" y="0"/>
+          <a:ext cx="0" cy="0"/>
+          <a:chOff x="0" y="0"/>
+          <a:chExt cx="0" cy="0"/>
+        </a:xfrm>
+      </p:grpSpPr>
+      <p:sp>
+        <p:nvSpPr>
+          <p:cNvPr id="2" name="正方形/長方形 1">
+            <a:extLst>
+              <a:ext uri="{FF2B5EF4-FFF2-40B4-BE49-F238E27FC236}">
+                <a16:creationId xmlns:a16="http://schemas.microsoft.com/office/drawing/2014/main" id="{204A518B-5E60-4834-BB73-20FD9A9DB1BE}"/>
+              </a:ext>
+            </a:extLst>
+          </p:cNvPr>
+          <p:cNvSpPr/>
+          <p:nvPr/>
+        </p:nvSpPr>
+        <p:spPr>
+          <a:xfrm>
+            <a:off x="1406869" y="1078523"/>
+            <a:ext cx="2516454" cy="3878361"/>
+          </a:xfrm>
+          <a:prstGeom prst="rect">
+            <a:avLst/>
+          </a:prstGeom>
+          <a:solidFill>
+            <a:schemeClr val="accent3">
+              <a:alpha val="80000"/>
+            </a:schemeClr>
+          </a:solidFill>
+          <a:ln>
+            <a:noFill/>
+          </a:ln>
+        </p:spPr>
+        <p:style>
+          <a:lnRef idx="0">
+            <a:scrgbClr r="0" g="0" b="0"/>
+          </a:lnRef>
+          <a:fillRef idx="0">
+            <a:scrgbClr r="0" g="0" b="0"/>
+          </a:fillRef>
+          <a:effectRef idx="0">
+            <a:scrgbClr r="0" g="0" b="0"/>
+          </a:effectRef>
+          <a:fontRef idx="minor">
+            <a:schemeClr val="lt1"/>
+          </a:fontRef>
+        </p:style>
+        <p:txBody>
+          <a:bodyPr rtlCol="0" anchor="b"/>
+          <a:lstStyle/>
+          <a:p>
+            <a:pPr algn="ctr"/>
+            <a:r>
+              <a:rPr kumimoji="1" lang="en-US" altLang="ja-JP" dirty="0">
+                <a:solidFill>
+                  <a:schemeClr val="tx1"/>
+                </a:solidFill>
+              </a:rPr>
+              <a:t>Netty</a:t>
+            </a:r>
+            <a:endParaRPr kumimoji="1" lang="ja-JP" altLang="en-US" dirty="0">
+              <a:solidFill>
+                <a:schemeClr val="tx1"/>
+              </a:solidFill>
+            </a:endParaRPr>
+          </a:p>
+        </p:txBody>
+      </p:sp>
+      <p:sp>
+        <p:nvSpPr>
+          <p:cNvPr id="89" name="正方形/長方形 88">
+            <a:extLst>
+              <a:ext uri="{FF2B5EF4-FFF2-40B4-BE49-F238E27FC236}">
+                <a16:creationId xmlns:a16="http://schemas.microsoft.com/office/drawing/2014/main" id="{3894F609-F036-491E-A49A-F85D6503E2A7}"/>
+              </a:ext>
+            </a:extLst>
+          </p:cNvPr>
+          <p:cNvSpPr/>
+          <p:nvPr/>
+        </p:nvSpPr>
+        <p:spPr>
+          <a:xfrm>
+            <a:off x="97449" y="152404"/>
+            <a:ext cx="5310798" cy="4997934"/>
+          </a:xfrm>
+          <a:prstGeom prst="rect">
+            <a:avLst/>
+          </a:prstGeom>
+          <a:noFill/>
+          <a:ln w="3175">
+            <a:solidFill>
+              <a:schemeClr val="bg2"/>
+            </a:solidFill>
+          </a:ln>
+        </p:spPr>
+        <p:style>
+          <a:lnRef idx="2">
+            <a:schemeClr val="accent1">
+              <a:shade val="50000"/>
+            </a:schemeClr>
+          </a:lnRef>
+          <a:fillRef idx="1">
+            <a:schemeClr val="accent1"/>
+          </a:fillRef>
+          <a:effectRef idx="0">
+            <a:schemeClr val="accent1"/>
+          </a:effectRef>
+          <a:fontRef idx="minor">
+            <a:schemeClr val="lt1"/>
+          </a:fontRef>
+        </p:style>
+        <p:txBody>
+          <a:bodyPr rtlCol="0" anchor="ctr"/>
+          <a:lstStyle/>
+          <a:p>
+            <a:pPr algn="ctr"/>
+            <a:endParaRPr kumimoji="1" lang="ja-JP" altLang="en-US" dirty="0"/>
+          </a:p>
+        </p:txBody>
+      </p:sp>
+      <p:sp>
+        <p:nvSpPr>
+          <p:cNvPr id="155" name="正方形/長方形 154">
+            <a:extLst>
+              <a:ext uri="{FF2B5EF4-FFF2-40B4-BE49-F238E27FC236}">
+                <a16:creationId xmlns:a16="http://schemas.microsoft.com/office/drawing/2014/main" id="{5E8FFB1E-1FDE-42ED-A690-15FB2C455437}"/>
+              </a:ext>
+            </a:extLst>
+          </p:cNvPr>
+          <p:cNvSpPr/>
+          <p:nvPr/>
+        </p:nvSpPr>
+        <p:spPr>
+          <a:xfrm>
+            <a:off x="1516183" y="1379412"/>
+            <a:ext cx="2308316" cy="3094809"/>
+          </a:xfrm>
+          <a:prstGeom prst="rect">
+            <a:avLst/>
+          </a:prstGeom>
+          <a:noFill/>
+          <a:ln>
+            <a:solidFill>
+              <a:schemeClr val="accent3"/>
+            </a:solidFill>
+            <a:prstDash val="sysDash"/>
+          </a:ln>
+        </p:spPr>
+        <p:style>
+          <a:lnRef idx="2">
+            <a:schemeClr val="accent1">
+              <a:shade val="50000"/>
+            </a:schemeClr>
+          </a:lnRef>
+          <a:fillRef idx="1">
+            <a:schemeClr val="accent1"/>
+          </a:fillRef>
+          <a:effectRef idx="0">
+            <a:schemeClr val="accent1"/>
+          </a:effectRef>
+          <a:fontRef idx="minor">
+            <a:schemeClr val="lt1"/>
+          </a:fontRef>
+        </p:style>
+        <p:txBody>
+          <a:bodyPr rtlCol="0" anchor="ctr"/>
+          <a:lstStyle/>
+          <a:p>
+            <a:pPr algn="ctr"/>
+            <a:endParaRPr kumimoji="1" lang="ja-JP" altLang="en-US" dirty="0"/>
+          </a:p>
+        </p:txBody>
+      </p:sp>
+      <p:cxnSp>
+        <p:nvCxnSpPr>
+          <p:cNvPr id="50" name="直線コネクタ 49">
+            <a:extLst>
+              <a:ext uri="{FF2B5EF4-FFF2-40B4-BE49-F238E27FC236}">
+                <a16:creationId xmlns:a16="http://schemas.microsoft.com/office/drawing/2014/main" id="{6EF6045A-C45A-40D6-9E9E-A86A71B614EC}"/>
+              </a:ext>
+            </a:extLst>
+          </p:cNvPr>
+          <p:cNvCxnSpPr>
+            <a:cxnSpLocks/>
+          </p:cNvCxnSpPr>
+          <p:nvPr/>
+        </p:nvCxnSpPr>
+        <p:spPr>
+          <a:xfrm>
+            <a:off x="2635614" y="609593"/>
+            <a:ext cx="0" cy="3985853"/>
+          </a:xfrm>
+          <a:prstGeom prst="line">
+            <a:avLst/>
+          </a:prstGeom>
+        </p:spPr>
+        <p:style>
+          <a:lnRef idx="1">
+            <a:schemeClr val="accent1"/>
+          </a:lnRef>
+          <a:fillRef idx="0">
+            <a:schemeClr val="accent1"/>
+          </a:fillRef>
+          <a:effectRef idx="0">
+            <a:schemeClr val="accent1"/>
+          </a:effectRef>
+          <a:fontRef idx="minor">
+            <a:schemeClr val="tx1"/>
+          </a:fontRef>
+        </p:style>
+      </p:cxnSp>
+      <p:cxnSp>
+        <p:nvCxnSpPr>
+          <p:cNvPr id="51" name="直線コネクタ 50">
+            <a:extLst>
+              <a:ext uri="{FF2B5EF4-FFF2-40B4-BE49-F238E27FC236}">
+                <a16:creationId xmlns:a16="http://schemas.microsoft.com/office/drawing/2014/main" id="{E4D45F89-61C5-4AD7-B988-C8CB732C85E6}"/>
+              </a:ext>
+            </a:extLst>
+          </p:cNvPr>
+          <p:cNvCxnSpPr>
+            <a:cxnSpLocks/>
+            <a:stCxn id="56" idx="2"/>
+          </p:cNvCxnSpPr>
+          <p:nvPr/>
+        </p:nvCxnSpPr>
+        <p:spPr>
+          <a:xfrm>
+            <a:off x="703387" y="803014"/>
+            <a:ext cx="0" cy="3725996"/>
+          </a:xfrm>
+          <a:prstGeom prst="line">
+            <a:avLst/>
+          </a:prstGeom>
+        </p:spPr>
+        <p:style>
+          <a:lnRef idx="1">
+            <a:schemeClr val="accent1"/>
+          </a:lnRef>
+          <a:fillRef idx="0">
+            <a:schemeClr val="accent1"/>
+          </a:fillRef>
+          <a:effectRef idx="0">
+            <a:schemeClr val="accent1"/>
+          </a:effectRef>
+          <a:fontRef idx="minor">
+            <a:schemeClr val="tx1"/>
+          </a:fontRef>
+        </p:style>
+      </p:cxnSp>
+      <p:sp>
+        <p:nvSpPr>
+          <p:cNvPr id="52" name="四角形: 角を丸くする 51">
+            <a:extLst>
+              <a:ext uri="{FF2B5EF4-FFF2-40B4-BE49-F238E27FC236}">
+                <a16:creationId xmlns:a16="http://schemas.microsoft.com/office/drawing/2014/main" id="{265AE887-5752-4913-829E-7234530797AD}"/>
+              </a:ext>
+            </a:extLst>
+          </p:cNvPr>
+          <p:cNvSpPr/>
+          <p:nvPr/>
+        </p:nvSpPr>
+        <p:spPr>
+          <a:xfrm>
+            <a:off x="2201860" y="257902"/>
+            <a:ext cx="867508" cy="351691"/>
+          </a:xfrm>
+          <a:prstGeom prst="roundRect">
+            <a:avLst/>
+          </a:prstGeom>
+        </p:spPr>
+        <p:style>
+          <a:lnRef idx="1">
+            <a:schemeClr val="accent6"/>
+          </a:lnRef>
+          <a:fillRef idx="2">
+            <a:schemeClr val="accent6"/>
+          </a:fillRef>
+          <a:effectRef idx="1">
+            <a:schemeClr val="accent6"/>
+          </a:effectRef>
+          <a:fontRef idx="minor">
+            <a:schemeClr val="dk1"/>
+          </a:fontRef>
+        </p:style>
+        <p:txBody>
+          <a:bodyPr rtlCol="0" anchor="ctr"/>
+          <a:lstStyle/>
+          <a:p>
+            <a:pPr algn="ctr"/>
+            <a:r>
+              <a:rPr kumimoji="1" lang="ja-JP" altLang="en-US" sz="1050" dirty="0"/>
+              <a:t>サーバ側</a:t>
+            </a:r>
+            <a:endParaRPr kumimoji="1" lang="en-US" altLang="ja-JP" sz="1050" dirty="0"/>
+          </a:p>
+          <a:p>
+            <a:pPr algn="ctr"/>
+            <a:r>
+              <a:rPr kumimoji="1" lang="ja-JP" altLang="en-US" sz="1050" dirty="0"/>
+              <a:t>スレッド</a:t>
+            </a:r>
+          </a:p>
+        </p:txBody>
+      </p:sp>
+      <p:sp>
+        <p:nvSpPr>
+          <p:cNvPr id="54" name="正方形/長方形 53">
+            <a:extLst>
+              <a:ext uri="{FF2B5EF4-FFF2-40B4-BE49-F238E27FC236}">
+                <a16:creationId xmlns:a16="http://schemas.microsoft.com/office/drawing/2014/main" id="{3183808B-73B3-40BE-ABEB-30FBD499A815}"/>
+              </a:ext>
+            </a:extLst>
+          </p:cNvPr>
+          <p:cNvSpPr/>
+          <p:nvPr/>
+        </p:nvSpPr>
+        <p:spPr>
+          <a:xfrm>
+            <a:off x="1633412" y="1566989"/>
+            <a:ext cx="2047634" cy="2442137"/>
+          </a:xfrm>
+          <a:prstGeom prst="rect">
+            <a:avLst/>
+          </a:prstGeom>
+          <a:ln>
+            <a:solidFill>
+              <a:schemeClr val="accent3"/>
+            </a:solidFill>
+          </a:ln>
+        </p:spPr>
+        <p:style>
+          <a:lnRef idx="1">
+            <a:schemeClr val="accent4"/>
+          </a:lnRef>
+          <a:fillRef idx="2">
+            <a:schemeClr val="accent4"/>
+          </a:fillRef>
+          <a:effectRef idx="1">
+            <a:schemeClr val="accent4"/>
+          </a:effectRef>
+          <a:fontRef idx="minor">
+            <a:schemeClr val="dk1"/>
+          </a:fontRef>
+        </p:style>
+        <p:txBody>
+          <a:bodyPr rtlCol="0" anchor="t"/>
+          <a:lstStyle/>
+          <a:p>
+            <a:pPr algn="ctr"/>
+            <a:r>
+              <a:rPr kumimoji="1" lang="en-US" altLang="ja-JP" sz="1050" dirty="0"/>
+              <a:t>read</a:t>
+            </a:r>
+          </a:p>
+        </p:txBody>
+      </p:sp>
+      <p:sp>
+        <p:nvSpPr>
+          <p:cNvPr id="56" name="四角形: 角を丸くする 55">
+            <a:extLst>
+              <a:ext uri="{FF2B5EF4-FFF2-40B4-BE49-F238E27FC236}">
+                <a16:creationId xmlns:a16="http://schemas.microsoft.com/office/drawing/2014/main" id="{816BE863-B0F8-4A16-8386-9F8F0DFCB60C}"/>
+              </a:ext>
+            </a:extLst>
+          </p:cNvPr>
+          <p:cNvSpPr/>
+          <p:nvPr/>
+        </p:nvSpPr>
+        <p:spPr>
+          <a:xfrm>
+            <a:off x="152402" y="591998"/>
+            <a:ext cx="1101970" cy="211016"/>
+          </a:xfrm>
+          <a:prstGeom prst="roundRect">
+            <a:avLst/>
+          </a:prstGeom>
+        </p:spPr>
+        <p:style>
+          <a:lnRef idx="1">
+            <a:schemeClr val="accent6"/>
+          </a:lnRef>
+          <a:fillRef idx="2">
+            <a:schemeClr val="accent6"/>
+          </a:fillRef>
+          <a:effectRef idx="1">
+            <a:schemeClr val="accent6"/>
+          </a:effectRef>
+          <a:fontRef idx="minor">
+            <a:schemeClr val="dk1"/>
+          </a:fontRef>
+        </p:style>
+        <p:txBody>
+          <a:bodyPr rtlCol="0" anchor="ctr"/>
+          <a:lstStyle/>
+          <a:p>
+            <a:pPr algn="ctr"/>
+            <a:r>
+              <a:rPr kumimoji="1" lang="ja-JP" altLang="en-US" sz="1050" dirty="0"/>
+              <a:t>クライアント</a:t>
+            </a:r>
+          </a:p>
+        </p:txBody>
+      </p:sp>
+      <p:sp>
+        <p:nvSpPr>
+          <p:cNvPr id="57" name="四角形: 角を丸くする 56">
+            <a:extLst>
+              <a:ext uri="{FF2B5EF4-FFF2-40B4-BE49-F238E27FC236}">
+                <a16:creationId xmlns:a16="http://schemas.microsoft.com/office/drawing/2014/main" id="{8303F506-FD23-42F3-BE60-271DC3F4FBD2}"/>
+              </a:ext>
+            </a:extLst>
+          </p:cNvPr>
+          <p:cNvSpPr/>
+          <p:nvPr/>
+        </p:nvSpPr>
+        <p:spPr>
+          <a:xfrm>
+            <a:off x="269633" y="1566990"/>
+            <a:ext cx="867508" cy="203198"/>
+          </a:xfrm>
+          <a:prstGeom prst="roundRect">
+            <a:avLst/>
+          </a:prstGeom>
+          <a:solidFill>
+            <a:schemeClr val="accent5">
+              <a:lumMod val="40000"/>
+              <a:lumOff val="60000"/>
+            </a:schemeClr>
+          </a:solidFill>
+          <a:ln>
+            <a:solidFill>
+              <a:schemeClr val="accent3"/>
+            </a:solidFill>
+          </a:ln>
+        </p:spPr>
+        <p:style>
+          <a:lnRef idx="1">
+            <a:schemeClr val="accent4"/>
+          </a:lnRef>
+          <a:fillRef idx="2">
+            <a:schemeClr val="accent4"/>
+          </a:fillRef>
+          <a:effectRef idx="1">
+            <a:schemeClr val="accent4"/>
+          </a:effectRef>
+          <a:fontRef idx="minor">
+            <a:schemeClr val="dk1"/>
+          </a:fontRef>
+        </p:style>
+        <p:txBody>
+          <a:bodyPr rtlCol="0" anchor="ctr"/>
+          <a:lstStyle/>
+          <a:p>
+            <a:pPr algn="ctr"/>
+            <a:r>
+              <a:rPr kumimoji="1" lang="en-US" altLang="ja-JP" sz="1050" dirty="0"/>
+              <a:t>write</a:t>
+            </a:r>
+          </a:p>
+        </p:txBody>
+      </p:sp>
+      <p:cxnSp>
+        <p:nvCxnSpPr>
+          <p:cNvPr id="64" name="直線コネクタ 63">
+            <a:extLst>
+              <a:ext uri="{FF2B5EF4-FFF2-40B4-BE49-F238E27FC236}">
+                <a16:creationId xmlns:a16="http://schemas.microsoft.com/office/drawing/2014/main" id="{C15A57CD-BD4A-48F8-9B0B-A8768B18EB5A}"/>
+              </a:ext>
+            </a:extLst>
+          </p:cNvPr>
+          <p:cNvCxnSpPr>
+            <a:cxnSpLocks/>
+            <a:stCxn id="66" idx="2"/>
+          </p:cNvCxnSpPr>
+          <p:nvPr/>
+        </p:nvCxnSpPr>
+        <p:spPr>
+          <a:xfrm>
+            <a:off x="4720496" y="808864"/>
+            <a:ext cx="0" cy="4148020"/>
+          </a:xfrm>
+          <a:prstGeom prst="line">
+            <a:avLst/>
+          </a:prstGeom>
+        </p:spPr>
+        <p:style>
+          <a:lnRef idx="1">
+            <a:schemeClr val="accent1"/>
+          </a:lnRef>
+          <a:fillRef idx="0">
+            <a:schemeClr val="accent1"/>
+          </a:fillRef>
+          <a:effectRef idx="0">
+            <a:schemeClr val="accent1"/>
+          </a:effectRef>
+          <a:fontRef idx="minor">
+            <a:schemeClr val="tx1"/>
+          </a:fontRef>
+        </p:style>
+      </p:cxnSp>
+      <p:sp>
+        <p:nvSpPr>
+          <p:cNvPr id="66" name="四角形: 角を丸くする 65">
+            <a:extLst>
+              <a:ext uri="{FF2B5EF4-FFF2-40B4-BE49-F238E27FC236}">
+                <a16:creationId xmlns:a16="http://schemas.microsoft.com/office/drawing/2014/main" id="{59C80BD6-CA9A-41CE-B36E-C8943E69C349}"/>
+              </a:ext>
+            </a:extLst>
+          </p:cNvPr>
+          <p:cNvSpPr/>
+          <p:nvPr/>
+        </p:nvSpPr>
+        <p:spPr>
+          <a:xfrm>
+            <a:off x="4169511" y="597848"/>
+            <a:ext cx="1101970" cy="211016"/>
+          </a:xfrm>
+          <a:prstGeom prst="roundRect">
+            <a:avLst/>
+          </a:prstGeom>
+        </p:spPr>
+        <p:style>
+          <a:lnRef idx="1">
+            <a:schemeClr val="accent6"/>
+          </a:lnRef>
+          <a:fillRef idx="2">
+            <a:schemeClr val="accent6"/>
+          </a:fillRef>
+          <a:effectRef idx="1">
+            <a:schemeClr val="accent6"/>
+          </a:effectRef>
+          <a:fontRef idx="minor">
+            <a:schemeClr val="dk1"/>
+          </a:fontRef>
+        </p:style>
+        <p:txBody>
+          <a:bodyPr rtlCol="0" anchor="ctr"/>
+          <a:lstStyle/>
+          <a:p>
+            <a:pPr algn="ctr"/>
+            <a:r>
+              <a:rPr kumimoji="1" lang="ja-JP" altLang="en-US" sz="1050" dirty="0"/>
+              <a:t>クライアント</a:t>
+            </a:r>
+          </a:p>
+        </p:txBody>
+      </p:sp>
+      <p:sp>
+        <p:nvSpPr>
+          <p:cNvPr id="67" name="四角形: 角を丸くする 66">
+            <a:extLst>
+              <a:ext uri="{FF2B5EF4-FFF2-40B4-BE49-F238E27FC236}">
+                <a16:creationId xmlns:a16="http://schemas.microsoft.com/office/drawing/2014/main" id="{77F6E5E2-F114-44BA-9578-F2D3CB6C2B94}"/>
+              </a:ext>
+            </a:extLst>
+          </p:cNvPr>
+          <p:cNvSpPr/>
+          <p:nvPr/>
+        </p:nvSpPr>
+        <p:spPr>
+          <a:xfrm>
+            <a:off x="4286742" y="2010251"/>
+            <a:ext cx="867508" cy="203198"/>
+          </a:xfrm>
+          <a:prstGeom prst="roundRect">
+            <a:avLst/>
+          </a:prstGeom>
+          <a:solidFill>
+            <a:schemeClr val="accent5">
+              <a:lumMod val="40000"/>
+              <a:lumOff val="60000"/>
+            </a:schemeClr>
+          </a:solidFill>
+          <a:ln>
+            <a:solidFill>
+              <a:schemeClr val="accent3"/>
+            </a:solidFill>
+          </a:ln>
+        </p:spPr>
+        <p:style>
+          <a:lnRef idx="1">
+            <a:schemeClr val="accent4"/>
+          </a:lnRef>
+          <a:fillRef idx="2">
+            <a:schemeClr val="accent4"/>
+          </a:fillRef>
+          <a:effectRef idx="1">
+            <a:schemeClr val="accent4"/>
+          </a:effectRef>
+          <a:fontRef idx="minor">
+            <a:schemeClr val="dk1"/>
+          </a:fontRef>
+        </p:style>
+        <p:txBody>
+          <a:bodyPr rtlCol="0" anchor="ctr"/>
+          <a:lstStyle/>
+          <a:p>
+            <a:pPr algn="ctr"/>
+            <a:r>
+              <a:rPr kumimoji="1" lang="en-US" altLang="ja-JP" sz="1050" dirty="0"/>
+              <a:t>write</a:t>
+            </a:r>
+          </a:p>
+        </p:txBody>
+      </p:sp>
+      <p:sp>
+        <p:nvSpPr>
+          <p:cNvPr id="72" name="正方形/長方形 71">
+            <a:extLst>
+              <a:ext uri="{FF2B5EF4-FFF2-40B4-BE49-F238E27FC236}">
+                <a16:creationId xmlns:a16="http://schemas.microsoft.com/office/drawing/2014/main" id="{3B8D6D70-E5DA-42C7-8460-A3D4D3CFA240}"/>
+              </a:ext>
+            </a:extLst>
+          </p:cNvPr>
+          <p:cNvSpPr/>
+          <p:nvPr/>
+        </p:nvSpPr>
+        <p:spPr>
+          <a:xfrm>
+            <a:off x="1633412" y="4083453"/>
+            <a:ext cx="2047634" cy="203198"/>
+          </a:xfrm>
+          <a:prstGeom prst="rect">
+            <a:avLst/>
+          </a:prstGeom>
+          <a:ln>
+            <a:solidFill>
+              <a:schemeClr val="accent3"/>
+            </a:solidFill>
+          </a:ln>
+        </p:spPr>
+        <p:style>
+          <a:lnRef idx="1">
+            <a:schemeClr val="accent4"/>
+          </a:lnRef>
+          <a:fillRef idx="2">
+            <a:schemeClr val="accent4"/>
+          </a:fillRef>
+          <a:effectRef idx="1">
+            <a:schemeClr val="accent4"/>
+          </a:effectRef>
+          <a:fontRef idx="minor">
+            <a:schemeClr val="dk1"/>
+          </a:fontRef>
+        </p:style>
+        <p:txBody>
+          <a:bodyPr rtlCol="0" anchor="ctr"/>
+          <a:lstStyle/>
+          <a:p>
+            <a:pPr algn="ctr"/>
+            <a:r>
+              <a:rPr kumimoji="1" lang="en-US" altLang="ja-JP" sz="1050" dirty="0"/>
+              <a:t>read</a:t>
+            </a:r>
+          </a:p>
+        </p:txBody>
+      </p:sp>
+      <p:cxnSp>
+        <p:nvCxnSpPr>
+          <p:cNvPr id="80" name="直線矢印コネクタ 79">
+            <a:extLst>
+              <a:ext uri="{FF2B5EF4-FFF2-40B4-BE49-F238E27FC236}">
+                <a16:creationId xmlns:a16="http://schemas.microsoft.com/office/drawing/2014/main" id="{AB8CFC69-3437-4B4D-87E0-179A6FDFD7BC}"/>
+              </a:ext>
+            </a:extLst>
+          </p:cNvPr>
+          <p:cNvCxnSpPr>
+            <a:cxnSpLocks/>
+            <a:stCxn id="57" idx="3"/>
+          </p:cNvCxnSpPr>
+          <p:nvPr/>
+        </p:nvCxnSpPr>
+        <p:spPr>
+          <a:xfrm>
+            <a:off x="1137141" y="1668589"/>
+            <a:ext cx="496271" cy="0"/>
+          </a:xfrm>
+          <a:prstGeom prst="straightConnector1">
+            <a:avLst/>
+          </a:prstGeom>
+          <a:ln>
+            <a:tailEnd type="triangle"/>
+          </a:ln>
+        </p:spPr>
+        <p:style>
+          <a:lnRef idx="1">
+            <a:schemeClr val="accent1"/>
+          </a:lnRef>
+          <a:fillRef idx="0">
+            <a:schemeClr val="accent1"/>
+          </a:fillRef>
+          <a:effectRef idx="0">
+            <a:schemeClr val="accent1"/>
+          </a:effectRef>
+          <a:fontRef idx="minor">
+            <a:schemeClr val="tx1"/>
+          </a:fontRef>
+        </p:style>
+      </p:cxnSp>
+      <p:sp>
+        <p:nvSpPr>
+          <p:cNvPr id="97" name="四角形: 角を丸くする 96">
+            <a:extLst>
+              <a:ext uri="{FF2B5EF4-FFF2-40B4-BE49-F238E27FC236}">
+                <a16:creationId xmlns:a16="http://schemas.microsoft.com/office/drawing/2014/main" id="{DB1A4DD4-FE91-4B8D-B3AC-6ED9D3C3F979}"/>
+              </a:ext>
+            </a:extLst>
+          </p:cNvPr>
+          <p:cNvSpPr/>
+          <p:nvPr/>
+        </p:nvSpPr>
+        <p:spPr>
+          <a:xfrm>
+            <a:off x="2221400" y="1281724"/>
+            <a:ext cx="867508" cy="218831"/>
+          </a:xfrm>
+          <a:prstGeom prst="roundRect">
+            <a:avLst/>
+          </a:prstGeom>
+          <a:solidFill>
+            <a:srgbClr val="FFCCCC"/>
+          </a:solidFill>
+          <a:ln>
+            <a:solidFill>
+              <a:schemeClr val="accent3"/>
+            </a:solidFill>
+          </a:ln>
+        </p:spPr>
+        <p:style>
+          <a:lnRef idx="1">
+            <a:schemeClr val="accent4"/>
+          </a:lnRef>
+          <a:fillRef idx="2">
+            <a:schemeClr val="accent4"/>
+          </a:fillRef>
+          <a:effectRef idx="1">
+            <a:schemeClr val="accent4"/>
+          </a:effectRef>
+          <a:fontRef idx="minor">
+            <a:schemeClr val="dk1"/>
+          </a:fontRef>
+        </p:style>
+        <p:txBody>
+          <a:bodyPr rtlCol="0" anchor="ctr"/>
+          <a:lstStyle/>
+          <a:p>
+            <a:pPr algn="ctr"/>
+            <a:r>
+              <a:rPr lang="en-US" altLang="ja-JP" sz="1050" dirty="0"/>
+              <a:t>select</a:t>
+            </a:r>
+            <a:endParaRPr kumimoji="1" lang="ja-JP" altLang="en-US" sz="1050" dirty="0"/>
+          </a:p>
+        </p:txBody>
+      </p:sp>
+      <p:sp>
+        <p:nvSpPr>
+          <p:cNvPr id="90" name="正方形/長方形 89">
+            <a:extLst>
+              <a:ext uri="{FF2B5EF4-FFF2-40B4-BE49-F238E27FC236}">
+                <a16:creationId xmlns:a16="http://schemas.microsoft.com/office/drawing/2014/main" id="{F055D0EF-2289-48D1-AC6A-EE9CC4B0B917}"/>
+              </a:ext>
+            </a:extLst>
+          </p:cNvPr>
+          <p:cNvSpPr/>
+          <p:nvPr/>
+        </p:nvSpPr>
+        <p:spPr>
+          <a:xfrm>
+            <a:off x="1713401" y="1770188"/>
+            <a:ext cx="1883507" cy="269596"/>
+          </a:xfrm>
+          <a:prstGeom prst="rect">
+            <a:avLst/>
+          </a:prstGeom>
+          <a:solidFill>
+            <a:schemeClr val="accent4">
+              <a:lumMod val="20000"/>
+              <a:lumOff val="80000"/>
+            </a:schemeClr>
+          </a:solidFill>
+        </p:spPr>
+        <p:style>
+          <a:lnRef idx="1">
+            <a:schemeClr val="accent4"/>
+          </a:lnRef>
+          <a:fillRef idx="2">
+            <a:schemeClr val="accent4"/>
+          </a:fillRef>
+          <a:effectRef idx="1">
+            <a:schemeClr val="accent4"/>
+          </a:effectRef>
+          <a:fontRef idx="minor">
+            <a:schemeClr val="dk1"/>
+          </a:fontRef>
+        </p:style>
+        <p:txBody>
+          <a:bodyPr rtlCol="0" anchor="ctr"/>
+          <a:lstStyle/>
+          <a:p>
+            <a:pPr algn="ctr"/>
+            <a:r>
+              <a:rPr kumimoji="1" lang="en-US" altLang="ja-JP" sz="1050" dirty="0"/>
+              <a:t>ChannelInboundHandler</a:t>
+            </a:r>
+            <a:endParaRPr kumimoji="1" lang="ja-JP" altLang="en-US" sz="1050" dirty="0"/>
+          </a:p>
+        </p:txBody>
+      </p:sp>
+      <p:sp>
+        <p:nvSpPr>
+          <p:cNvPr id="92" name="正方形/長方形 91">
+            <a:extLst>
+              <a:ext uri="{FF2B5EF4-FFF2-40B4-BE49-F238E27FC236}">
+                <a16:creationId xmlns:a16="http://schemas.microsoft.com/office/drawing/2014/main" id="{C7DEDDE5-DC6F-475A-8167-1139E6CF4D65}"/>
+              </a:ext>
+            </a:extLst>
+          </p:cNvPr>
+          <p:cNvSpPr/>
+          <p:nvPr/>
+        </p:nvSpPr>
+        <p:spPr>
+          <a:xfrm>
+            <a:off x="1713401" y="2591256"/>
+            <a:ext cx="1883507" cy="1336199"/>
+          </a:xfrm>
+          <a:prstGeom prst="rect">
+            <a:avLst/>
+          </a:prstGeom>
+          <a:solidFill>
+            <a:schemeClr val="accent4">
+              <a:lumMod val="20000"/>
+              <a:lumOff val="80000"/>
+            </a:schemeClr>
+          </a:solidFill>
+        </p:spPr>
+        <p:style>
+          <a:lnRef idx="1">
+            <a:schemeClr val="accent4"/>
+          </a:lnRef>
+          <a:fillRef idx="2">
+            <a:schemeClr val="accent4"/>
+          </a:fillRef>
+          <a:effectRef idx="1">
+            <a:schemeClr val="accent4"/>
+          </a:effectRef>
+          <a:fontRef idx="minor">
+            <a:schemeClr val="dk1"/>
+          </a:fontRef>
+        </p:style>
+        <p:txBody>
+          <a:bodyPr rtlCol="0" anchor="ctr"/>
+          <a:lstStyle/>
+          <a:p>
+            <a:pPr algn="ctr"/>
+            <a:r>
+              <a:rPr kumimoji="1" lang="en-US" altLang="ja-JP" sz="1050" dirty="0"/>
+              <a:t>ChannelInboundHandler</a:t>
+            </a:r>
+          </a:p>
+          <a:p>
+            <a:pPr algn="ctr"/>
+            <a:endParaRPr kumimoji="1" lang="en-US" altLang="ja-JP" sz="1050" dirty="0"/>
+          </a:p>
+          <a:p>
+            <a:pPr algn="ctr"/>
+            <a:r>
+              <a:rPr kumimoji="1" lang="ja-JP" altLang="en-US" sz="1050" dirty="0"/>
+              <a:t>時間のかか</a:t>
+            </a:r>
+            <a:r>
+              <a:rPr lang="ja-JP" altLang="en-US" sz="1050" dirty="0"/>
+              <a:t>る同期処理</a:t>
+            </a:r>
+            <a:endParaRPr lang="en-US" altLang="ja-JP" sz="1050" dirty="0"/>
+          </a:p>
+          <a:p>
+            <a:pPr algn="ctr"/>
+            <a:r>
+              <a:rPr kumimoji="1" lang="ja-JP" altLang="en-US" sz="1050" dirty="0"/>
+              <a:t>例</a:t>
+            </a:r>
+            <a:r>
+              <a:rPr kumimoji="1" lang="en-US" altLang="ja-JP" sz="1050" dirty="0"/>
+              <a:t>) DB</a:t>
+            </a:r>
+            <a:r>
+              <a:rPr kumimoji="1" lang="ja-JP" altLang="en-US" sz="1050" dirty="0"/>
+              <a:t>トランザクション</a:t>
+            </a:r>
+            <a:r>
+              <a:rPr kumimoji="1" lang="en-US" altLang="ja-JP" sz="1050" dirty="0"/>
+              <a:t>,</a:t>
+            </a:r>
+          </a:p>
+          <a:p>
+            <a:pPr algn="ctr"/>
+            <a:r>
+              <a:rPr kumimoji="1" lang="ja-JP" altLang="en-US" sz="1050" dirty="0"/>
+              <a:t>巨大ファイルの</a:t>
+            </a:r>
+            <a:r>
+              <a:rPr kumimoji="1" lang="en-US" altLang="ja-JP" sz="1050" dirty="0"/>
+              <a:t>I/O,</a:t>
+            </a:r>
+          </a:p>
+          <a:p>
+            <a:pPr algn="ctr"/>
+            <a:r>
+              <a:rPr kumimoji="1" lang="ja-JP" altLang="en-US" sz="1050" dirty="0"/>
+              <a:t>外部</a:t>
+            </a:r>
+            <a:r>
+              <a:rPr kumimoji="1" lang="en-US" altLang="ja-JP" sz="1050" dirty="0"/>
+              <a:t>Web</a:t>
+            </a:r>
+            <a:r>
+              <a:rPr kumimoji="1" lang="ja-JP" altLang="en-US" sz="1050" dirty="0"/>
+              <a:t>サービス呼び出し</a:t>
+            </a:r>
+          </a:p>
+        </p:txBody>
+      </p:sp>
+      <p:sp>
+        <p:nvSpPr>
+          <p:cNvPr id="99" name="正方形/長方形 98">
+            <a:extLst>
+              <a:ext uri="{FF2B5EF4-FFF2-40B4-BE49-F238E27FC236}">
+                <a16:creationId xmlns:a16="http://schemas.microsoft.com/office/drawing/2014/main" id="{18AD4A44-DDCD-4660-84F6-7D83F6D3053C}"/>
+              </a:ext>
+            </a:extLst>
+          </p:cNvPr>
+          <p:cNvSpPr/>
+          <p:nvPr/>
+        </p:nvSpPr>
+        <p:spPr>
+          <a:xfrm>
+            <a:off x="1713401" y="2183916"/>
+            <a:ext cx="1883507" cy="269596"/>
+          </a:xfrm>
+          <a:prstGeom prst="rect">
+            <a:avLst/>
+          </a:prstGeom>
+          <a:solidFill>
+            <a:schemeClr val="accent4">
+              <a:lumMod val="20000"/>
+              <a:lumOff val="80000"/>
+            </a:schemeClr>
+          </a:solidFill>
+        </p:spPr>
+        <p:style>
+          <a:lnRef idx="1">
+            <a:schemeClr val="accent4"/>
+          </a:lnRef>
+          <a:fillRef idx="2">
+            <a:schemeClr val="accent4"/>
+          </a:fillRef>
+          <a:effectRef idx="1">
+            <a:schemeClr val="accent4"/>
+          </a:effectRef>
+          <a:fontRef idx="minor">
+            <a:schemeClr val="dk1"/>
+          </a:fontRef>
+        </p:style>
+        <p:txBody>
+          <a:bodyPr rtlCol="0" anchor="ctr"/>
+          <a:lstStyle/>
+          <a:p>
+            <a:pPr algn="ctr"/>
+            <a:r>
+              <a:rPr kumimoji="1" lang="en-US" altLang="ja-JP" sz="1050" dirty="0"/>
+              <a:t>ChannelInboundHandler</a:t>
+            </a:r>
+            <a:endParaRPr kumimoji="1" lang="ja-JP" altLang="en-US" sz="1050" dirty="0"/>
+          </a:p>
+        </p:txBody>
+      </p:sp>
+      <p:cxnSp>
+        <p:nvCxnSpPr>
+          <p:cNvPr id="8" name="直線矢印コネクタ 7">
+            <a:extLst>
+              <a:ext uri="{FF2B5EF4-FFF2-40B4-BE49-F238E27FC236}">
+                <a16:creationId xmlns:a16="http://schemas.microsoft.com/office/drawing/2014/main" id="{48BA6EB0-5E92-430E-839A-76E75FC8100B}"/>
+              </a:ext>
+            </a:extLst>
+          </p:cNvPr>
+          <p:cNvCxnSpPr>
+            <a:stCxn id="90" idx="2"/>
+            <a:endCxn id="99" idx="0"/>
+          </p:cNvCxnSpPr>
+          <p:nvPr/>
+        </p:nvCxnSpPr>
+        <p:spPr>
+          <a:xfrm>
+            <a:off x="2655155" y="2039784"/>
+            <a:ext cx="0" cy="144132"/>
+          </a:xfrm>
+          <a:prstGeom prst="straightConnector1">
+            <a:avLst/>
+          </a:prstGeom>
+          <a:ln>
+            <a:tailEnd type="triangle"/>
+          </a:ln>
+        </p:spPr>
+        <p:style>
+          <a:lnRef idx="1">
+            <a:schemeClr val="accent1"/>
+          </a:lnRef>
+          <a:fillRef idx="0">
+            <a:schemeClr val="accent1"/>
+          </a:fillRef>
+          <a:effectRef idx="0">
+            <a:schemeClr val="accent1"/>
+          </a:effectRef>
+          <a:fontRef idx="minor">
+            <a:schemeClr val="tx1"/>
+          </a:fontRef>
+        </p:style>
+      </p:cxnSp>
+      <p:cxnSp>
+        <p:nvCxnSpPr>
+          <p:cNvPr id="10" name="直線矢印コネクタ 9">
+            <a:extLst>
+              <a:ext uri="{FF2B5EF4-FFF2-40B4-BE49-F238E27FC236}">
+                <a16:creationId xmlns:a16="http://schemas.microsoft.com/office/drawing/2014/main" id="{EAAD68A6-FF2E-4853-9482-381565908A6A}"/>
+              </a:ext>
+            </a:extLst>
+          </p:cNvPr>
+          <p:cNvCxnSpPr>
+            <a:stCxn id="99" idx="2"/>
+            <a:endCxn id="92" idx="0"/>
+          </p:cNvCxnSpPr>
+          <p:nvPr/>
+        </p:nvCxnSpPr>
+        <p:spPr>
+          <a:xfrm>
+            <a:off x="2655155" y="2453512"/>
+            <a:ext cx="0" cy="137744"/>
+          </a:xfrm>
+          <a:prstGeom prst="straightConnector1">
+            <a:avLst/>
+          </a:prstGeom>
+          <a:ln>
+            <a:tailEnd type="triangle"/>
+          </a:ln>
+        </p:spPr>
+        <p:style>
+          <a:lnRef idx="1">
+            <a:schemeClr val="accent1"/>
+          </a:lnRef>
+          <a:fillRef idx="0">
+            <a:schemeClr val="accent1"/>
+          </a:fillRef>
+          <a:effectRef idx="0">
+            <a:schemeClr val="accent1"/>
+          </a:effectRef>
+          <a:fontRef idx="minor">
+            <a:schemeClr val="tx1"/>
+          </a:fontRef>
+        </p:style>
+      </p:cxnSp>
+      <p:cxnSp>
+        <p:nvCxnSpPr>
+          <p:cNvPr id="15" name="コネクタ: カギ線 14">
+            <a:extLst>
+              <a:ext uri="{FF2B5EF4-FFF2-40B4-BE49-F238E27FC236}">
+                <a16:creationId xmlns:a16="http://schemas.microsoft.com/office/drawing/2014/main" id="{C39BBF9F-6256-45BA-A7FF-3C3EDF5DEBAE}"/>
+              </a:ext>
+            </a:extLst>
+          </p:cNvPr>
+          <p:cNvCxnSpPr>
+            <a:stCxn id="67" idx="1"/>
+            <a:endCxn id="72" idx="3"/>
+          </p:cNvCxnSpPr>
+          <p:nvPr/>
+        </p:nvCxnSpPr>
+        <p:spPr>
+          <a:xfrm rot="10800000" flipV="1">
+            <a:off x="3681046" y="2111850"/>
+            <a:ext cx="605696" cy="2073202"/>
+          </a:xfrm>
+          <a:prstGeom prst="bentConnector3">
+            <a:avLst/>
+          </a:prstGeom>
+          <a:ln>
+            <a:tailEnd type="triangle"/>
+          </a:ln>
+        </p:spPr>
+        <p:style>
+          <a:lnRef idx="1">
+            <a:schemeClr val="accent1"/>
+          </a:lnRef>
+          <a:fillRef idx="0">
+            <a:schemeClr val="accent1"/>
+          </a:fillRef>
+          <a:effectRef idx="0">
+            <a:schemeClr val="accent1"/>
+          </a:effectRef>
+          <a:fontRef idx="minor">
+            <a:schemeClr val="tx1"/>
+          </a:fontRef>
+        </p:style>
+      </p:cxnSp>
+      <p:sp>
+        <p:nvSpPr>
+          <p:cNvPr id="17" name="&quot;禁止&quot;マーク 16">
+            <a:extLst>
+              <a:ext uri="{FF2B5EF4-FFF2-40B4-BE49-F238E27FC236}">
+                <a16:creationId xmlns:a16="http://schemas.microsoft.com/office/drawing/2014/main" id="{A6E89174-3FE1-4559-A721-7C91BE47F003}"/>
+              </a:ext>
+            </a:extLst>
+          </p:cNvPr>
+          <p:cNvSpPr/>
+          <p:nvPr/>
+        </p:nvSpPr>
+        <p:spPr>
+          <a:xfrm>
+            <a:off x="3488435" y="3649618"/>
+            <a:ext cx="453293" cy="453293"/>
+          </a:xfrm>
+          <a:prstGeom prst="noSmoking">
+            <a:avLst/>
+          </a:prstGeom>
+        </p:spPr>
+        <p:style>
+          <a:lnRef idx="1">
+            <a:schemeClr val="accent2"/>
+          </a:lnRef>
+          <a:fillRef idx="2">
+            <a:schemeClr val="accent2"/>
+          </a:fillRef>
+          <a:effectRef idx="1">
+            <a:schemeClr val="accent2"/>
+          </a:effectRef>
+          <a:fontRef idx="minor">
+            <a:schemeClr val="dk1"/>
+          </a:fontRef>
+        </p:style>
+        <p:txBody>
+          <a:bodyPr rtlCol="0" anchor="ctr"/>
+          <a:lstStyle/>
+          <a:p>
+            <a:pPr algn="ctr"/>
+            <a:endParaRPr kumimoji="1" lang="ja-JP" altLang="en-US">
+              <a:solidFill>
+                <a:schemeClr val="tx1"/>
+              </a:solidFill>
+            </a:endParaRPr>
+          </a:p>
+        </p:txBody>
+      </p:sp>
+    </p:spTree>
+    <p:extLst>
+      <p:ext uri="{BB962C8B-B14F-4D97-AF65-F5344CB8AC3E}">
+        <p14:creationId xmlns:p14="http://schemas.microsoft.com/office/powerpoint/2010/main" val="1138304683"/>
       </p:ext>
     </p:extLst>
   </p:cSld>
